--- a/Präsentation/Praesentation_LBS_in_Switzerland.pptx
+++ b/Präsentation/Praesentation_LBS_in_Switzerland.pptx
@@ -1,25 +1,30 @@
 
 <file path=ppt/presentation.xml><?xml version="1.0" encoding="utf-8"?>
-<p:presentation xmlns:a="http://schemas.openxmlformats.org/drawingml/2006/main" xmlns:r="http://schemas.openxmlformats.org/officeDocument/2006/relationships" xmlns:p="http://schemas.openxmlformats.org/presentationml/2006/main" saveSubsetFonts="1" autoCompressPictures="0">
+<p:presentation xmlns:a="http://schemas.openxmlformats.org/drawingml/2006/main" xmlns:r="http://schemas.openxmlformats.org/officeDocument/2006/relationships" xmlns:p="http://schemas.openxmlformats.org/presentationml/2006/main" showSpecialPlsOnTitleSld="0" saveSubsetFonts="1" autoCompressPictures="0">
   <p:sldMasterIdLst>
     <p:sldMasterId id="2147483648" r:id="rId4"/>
   </p:sldMasterIdLst>
   <p:notesMasterIdLst>
-    <p:notesMasterId r:id="rId14"/>
+    <p:notesMasterId r:id="rId19"/>
   </p:notesMasterIdLst>
   <p:handoutMasterIdLst>
-    <p:handoutMasterId r:id="rId15"/>
+    <p:handoutMasterId r:id="rId20"/>
   </p:handoutMasterIdLst>
   <p:sldIdLst>
     <p:sldId id="256" r:id="rId5"/>
     <p:sldId id="258" r:id="rId6"/>
     <p:sldId id="262" r:id="rId7"/>
     <p:sldId id="269" r:id="rId8"/>
-    <p:sldId id="266" r:id="rId9"/>
+    <p:sldId id="275" r:id="rId9"/>
     <p:sldId id="268" r:id="rId10"/>
-    <p:sldId id="267" r:id="rId11"/>
-    <p:sldId id="260" r:id="rId12"/>
-    <p:sldId id="261" r:id="rId13"/>
+    <p:sldId id="276" r:id="rId11"/>
+    <p:sldId id="266" r:id="rId12"/>
+    <p:sldId id="279" r:id="rId13"/>
+    <p:sldId id="277" r:id="rId14"/>
+    <p:sldId id="278" r:id="rId15"/>
+    <p:sldId id="267" r:id="rId16"/>
+    <p:sldId id="260" r:id="rId17"/>
+    <p:sldId id="261" r:id="rId18"/>
   </p:sldIdLst>
   <p:sldSz cx="9144000" cy="6858000" type="screen4x3"/>
   <p:notesSz cx="6797675" cy="9926638"/>
@@ -204,7 +209,7 @@
             <a:fld id="{B9DCE77F-B2F6-4C56-A9FE-A47B2C49451F}" type="datetimeFigureOut">
               <a:rPr lang="de-CH" smtClean="0"/>
               <a:pPr/>
-              <a:t>14.01.13</a:t>
+              <a:t>15.01.13</a:t>
             </a:fld>
             <a:endParaRPr lang="de-CH" dirty="0"/>
           </a:p>
@@ -285,6 +290,7 @@
     </p:extLst>
   </p:cSld>
   <p:clrMap bg1="lt1" tx1="dk1" bg2="lt2" tx2="dk2" accent1="accent1" accent2="accent2" accent3="accent3" accent4="accent4" accent5="accent5" accent6="accent6" hlink="hlink" folHlink="folHlink"/>
+  <p:hf hdr="0" ftr="0" dt="0"/>
 </p:handoutMaster>
 </file>
 
@@ -370,7 +376,7 @@
           <a:p>
             <a:fld id="{09F862AE-52A1-45EF-803F-1B418F6D3E4C}" type="datetimeFigureOut">
               <a:rPr lang="de-CH" smtClean="0"/>
-              <a:t>14.01.13</a:t>
+              <a:t>15.01.13</a:t>
             </a:fld>
             <a:endParaRPr lang="de-CH" dirty="0"/>
           </a:p>
@@ -543,6 +549,7 @@
     </p:extLst>
   </p:cSld>
   <p:clrMap bg1="lt1" tx1="dk1" bg2="lt2" tx2="dk2" accent1="accent1" accent2="accent2" accent3="accent3" accent4="accent4" accent5="accent5" accent6="accent6" hlink="hlink" folHlink="folHlink"/>
+  <p:hf hdr="0" ftr="0" dt="0"/>
   <p:notesStyle>
     <a:lvl1pPr marL="0" algn="l" defTabSz="914400" rtl="0" eaLnBrk="1" latinLnBrk="0" hangingPunct="1">
       <a:defRPr sz="1200" kern="1200">
@@ -722,6 +729,90 @@
 </p:notes>
 </file>
 
+<file path=ppt/notesSlides/notesSlide10.xml><?xml version="1.0" encoding="utf-8"?>
+<p:notes xmlns:a="http://schemas.openxmlformats.org/drawingml/2006/main" xmlns:r="http://schemas.openxmlformats.org/officeDocument/2006/relationships" xmlns:p="http://schemas.openxmlformats.org/presentationml/2006/main">
+  <p:cSld>
+    <p:spTree>
+      <p:nvGrpSpPr>
+        <p:cNvPr id="1" name=""/>
+        <p:cNvGrpSpPr/>
+        <p:nvPr/>
+      </p:nvGrpSpPr>
+      <p:grpSpPr>
+        <a:xfrm>
+          <a:off x="0" y="0"/>
+          <a:ext cx="0" cy="0"/>
+          <a:chOff x="0" y="0"/>
+          <a:chExt cx="0" cy="0"/>
+        </a:xfrm>
+      </p:grpSpPr>
+      <p:sp>
+        <p:nvSpPr>
+          <p:cNvPr id="2" name="Folienbildplatzhalter 1"/>
+          <p:cNvSpPr>
+            <a:spLocks noGrp="1" noRot="1" noChangeAspect="1"/>
+          </p:cNvSpPr>
+          <p:nvPr>
+            <p:ph type="sldImg"/>
+          </p:nvPr>
+        </p:nvSpPr>
+        <p:spPr/>
+      </p:sp>
+      <p:sp>
+        <p:nvSpPr>
+          <p:cNvPr id="3" name="Notizenplatzhalter 2"/>
+          <p:cNvSpPr>
+            <a:spLocks noGrp="1"/>
+          </p:cNvSpPr>
+          <p:nvPr>
+            <p:ph type="body" idx="1"/>
+          </p:nvPr>
+        </p:nvSpPr>
+        <p:spPr/>
+        <p:txBody>
+          <a:bodyPr/>
+          <a:lstStyle/>
+          <a:p>
+            <a:endParaRPr lang="de-CH" dirty="0"/>
+          </a:p>
+        </p:txBody>
+      </p:sp>
+      <p:sp>
+        <p:nvSpPr>
+          <p:cNvPr id="4" name="Foliennummernplatzhalter 3"/>
+          <p:cNvSpPr>
+            <a:spLocks noGrp="1"/>
+          </p:cNvSpPr>
+          <p:nvPr>
+            <p:ph type="sldNum" sz="quarter" idx="10"/>
+          </p:nvPr>
+        </p:nvSpPr>
+        <p:spPr/>
+        <p:txBody>
+          <a:bodyPr/>
+          <a:lstStyle/>
+          <a:p>
+            <a:fld id="{BF13ED09-4AF7-4506-8F89-4C9D2F3D6D53}" type="slidenum">
+              <a:rPr lang="de-CH" smtClean="0"/>
+              <a:t>14</a:t>
+            </a:fld>
+            <a:endParaRPr lang="de-CH" dirty="0"/>
+          </a:p>
+        </p:txBody>
+      </p:sp>
+    </p:spTree>
+    <p:extLst>
+      <p:ext uri="{BB962C8B-B14F-4D97-AF65-F5344CB8AC3E}">
+        <p14:creationId xmlns:p14="http://schemas.microsoft.com/office/powerpoint/2010/main" val="3300298822"/>
+      </p:ext>
+    </p:extLst>
+  </p:cSld>
+  <p:clrMapOvr>
+    <a:masterClrMapping/>
+  </p:clrMapOvr>
+</p:notes>
+</file>
+
 <file path=ppt/notesSlides/notesSlide2.xml><?xml version="1.0" encoding="utf-8"?>
 <p:notes xmlns:a="http://schemas.openxmlformats.org/drawingml/2006/main" xmlns:r="http://schemas.openxmlformats.org/officeDocument/2006/relationships" xmlns:p="http://schemas.openxmlformats.org/presentationml/2006/main">
   <p:cSld>
@@ -766,14 +857,7 @@
           <a:bodyPr/>
           <a:lstStyle/>
           <a:p>
-            <a:r>
-              <a:rPr lang="de-CH" dirty="0" smtClean="0"/>
-              <a:t>Kommen</a:t>
-            </a:r>
-            <a:r>
-              <a:rPr lang="de-CH" baseline="0" dirty="0" smtClean="0"/>
-              <a:t> wir erst mal zum Inhalt, den ich folgendermassen strukturiert habe.</a:t>
-            </a:r>
+            <a:endParaRPr lang="de-CH" baseline="0" dirty="0" smtClean="0"/>
           </a:p>
         </p:txBody>
       </p:sp>
@@ -857,51 +941,216 @@
           <a:bodyPr/>
           <a:lstStyle/>
           <a:p>
-            <a:r>
-              <a:rPr lang="de-CH" dirty="0" smtClean="0"/>
-              <a:t>Ameisen-Intelligenz</a:t>
+            <a:pPr marL="0" marR="0" indent="0" algn="l" defTabSz="914400" rtl="0" eaLnBrk="1" fontAlgn="auto" latinLnBrk="0" hangingPunct="1">
+              <a:lnSpc>
+                <a:spcPct val="100000"/>
+              </a:lnSpc>
+              <a:spcBef>
+                <a:spcPts val="0"/>
+              </a:spcBef>
+              <a:spcAft>
+                <a:spcPts val="0"/>
+              </a:spcAft>
+              <a:buClrTx/>
+              <a:buSzTx/>
+              <a:buFontTx/>
+              <a:buNone/>
+              <a:tabLst/>
+              <a:defRPr/>
+            </a:pPr>
+            <a:r>
+              <a:rPr lang="de-DE" sz="1200" kern="1200" dirty="0" smtClean="0">
+                <a:solidFill>
+                  <a:schemeClr val="tx1"/>
+                </a:solidFill>
+                <a:effectLst/>
+                <a:latin typeface="+mn-lt"/>
+                <a:ea typeface="+mn-ea"/>
+                <a:cs typeface="+mn-cs"/>
+              </a:rPr>
+              <a:t>LBS sind ortsbezogene Dienste,</a:t>
+            </a:r>
+          </a:p>
+          <a:p>
+            <a:pPr marL="0" marR="0" indent="0" algn="l" defTabSz="914400" rtl="0" eaLnBrk="1" fontAlgn="auto" latinLnBrk="0" hangingPunct="1">
+              <a:lnSpc>
+                <a:spcPct val="100000"/>
+              </a:lnSpc>
+              <a:spcBef>
+                <a:spcPts val="0"/>
+              </a:spcBef>
+              <a:spcAft>
+                <a:spcPts val="0"/>
+              </a:spcAft>
+              <a:buClrTx/>
+              <a:buSzTx/>
+              <a:buFontTx/>
+              <a:buNone/>
+              <a:tabLst/>
+              <a:defRPr/>
+            </a:pPr>
+            <a:endParaRPr lang="de-DE" sz="1200" kern="1200" dirty="0" smtClean="0">
+              <a:solidFill>
+                <a:schemeClr val="tx1"/>
+              </a:solidFill>
+              <a:effectLst/>
+              <a:latin typeface="+mn-lt"/>
+              <a:ea typeface="+mn-ea"/>
+              <a:cs typeface="+mn-cs"/>
+            </a:endParaRPr>
+          </a:p>
+          <a:p>
+            <a:pPr marL="0" marR="0" indent="0" algn="l" defTabSz="914400" rtl="0" eaLnBrk="1" fontAlgn="auto" latinLnBrk="0" hangingPunct="1">
+              <a:lnSpc>
+                <a:spcPct val="100000"/>
+              </a:lnSpc>
+              <a:spcBef>
+                <a:spcPts val="0"/>
+              </a:spcBef>
+              <a:spcAft>
+                <a:spcPts val="0"/>
+              </a:spcAft>
+              <a:buClrTx/>
+              <a:buSzTx/>
+              <a:buFontTx/>
+              <a:buNone/>
+              <a:tabLst/>
+              <a:defRPr/>
+            </a:pPr>
+            <a:r>
+              <a:rPr lang="de-DE" sz="1200" kern="1200" dirty="0" smtClean="0">
+                <a:solidFill>
+                  <a:schemeClr val="tx1"/>
+                </a:solidFill>
+                <a:effectLst/>
+                <a:latin typeface="+mn-lt"/>
+                <a:ea typeface="+mn-ea"/>
+                <a:cs typeface="+mn-cs"/>
+              </a:rPr>
+              <a:t>die hauptsächlich mit mobilen </a:t>
+            </a:r>
+            <a:r>
+              <a:rPr lang="de-DE" sz="1200" kern="1200" dirty="0" err="1" smtClean="0">
+                <a:solidFill>
+                  <a:schemeClr val="tx1"/>
+                </a:solidFill>
+                <a:effectLst/>
+                <a:latin typeface="+mn-lt"/>
+                <a:ea typeface="+mn-ea"/>
+                <a:cs typeface="+mn-cs"/>
+              </a:rPr>
+              <a:t>Geräten</a:t>
+            </a:r>
+            <a:r>
+              <a:rPr lang="de-DE" sz="1200" kern="1200" dirty="0" smtClean="0">
+                <a:solidFill>
+                  <a:schemeClr val="tx1"/>
+                </a:solidFill>
+                <a:effectLst/>
+                <a:latin typeface="+mn-lt"/>
+                <a:ea typeface="+mn-ea"/>
+                <a:cs typeface="+mn-cs"/>
+              </a:rPr>
+              <a:t> genutzt werden.</a:t>
+            </a:r>
+            <a:r>
+              <a:rPr lang="de-DE" sz="1200" kern="1200" baseline="0" dirty="0" smtClean="0">
+                <a:solidFill>
+                  <a:schemeClr val="tx1"/>
+                </a:solidFill>
+                <a:effectLst/>
+                <a:latin typeface="+mn-lt"/>
+                <a:ea typeface="+mn-ea"/>
+                <a:cs typeface="+mn-cs"/>
+              </a:rPr>
+              <a:t> Es sind jedoch auch Dienste auf stationären Computern möglich.</a:t>
+            </a:r>
+            <a:endParaRPr lang="de-DE" sz="1200" kern="1200" dirty="0" smtClean="0">
+              <a:solidFill>
+                <a:schemeClr val="tx1"/>
+              </a:solidFill>
+              <a:effectLst/>
+              <a:latin typeface="+mn-lt"/>
+              <a:ea typeface="+mn-ea"/>
+              <a:cs typeface="+mn-cs"/>
+            </a:endParaRPr>
+          </a:p>
+          <a:p>
+            <a:pPr marL="0" marR="0" indent="0" algn="l" defTabSz="914400" rtl="0" eaLnBrk="1" fontAlgn="auto" latinLnBrk="0" hangingPunct="1">
+              <a:lnSpc>
+                <a:spcPct val="100000"/>
+              </a:lnSpc>
+              <a:spcBef>
+                <a:spcPts val="0"/>
+              </a:spcBef>
+              <a:spcAft>
+                <a:spcPts val="0"/>
+              </a:spcAft>
+              <a:buClrTx/>
+              <a:buSzTx/>
+              <a:buFontTx/>
+              <a:buNone/>
+              <a:tabLst/>
+              <a:defRPr/>
+            </a:pPr>
+            <a:endParaRPr lang="de-DE" sz="1200" kern="1200" dirty="0" smtClean="0">
+              <a:solidFill>
+                <a:schemeClr val="tx1"/>
+              </a:solidFill>
+              <a:effectLst/>
+              <a:latin typeface="+mn-lt"/>
+              <a:ea typeface="+mn-ea"/>
+              <a:cs typeface="+mn-cs"/>
+            </a:endParaRPr>
+          </a:p>
+          <a:p>
+            <a:pPr marL="0" marR="0" indent="0" algn="l" defTabSz="914400" rtl="0" eaLnBrk="1" fontAlgn="auto" latinLnBrk="0" hangingPunct="1">
+              <a:lnSpc>
+                <a:spcPct val="100000"/>
+              </a:lnSpc>
+              <a:spcBef>
+                <a:spcPts val="0"/>
+              </a:spcBef>
+              <a:spcAft>
+                <a:spcPts val="0"/>
+              </a:spcAft>
+              <a:buClrTx/>
+              <a:buSzTx/>
+              <a:buFontTx/>
+              <a:buNone/>
+              <a:tabLst/>
+              <a:defRPr/>
+            </a:pPr>
+            <a:r>
+              <a:rPr lang="de-DE" sz="1200" kern="1200" dirty="0" smtClean="0">
+                <a:solidFill>
+                  <a:schemeClr val="tx1"/>
+                </a:solidFill>
+                <a:effectLst/>
+                <a:latin typeface="+mn-lt"/>
+                <a:ea typeface="+mn-ea"/>
+                <a:cs typeface="+mn-cs"/>
+              </a:rPr>
+              <a:t>Anhand der standortbezogenen Informationen sollen LBS dem Nutzer einen Mehrwert bieten. </a:t>
+            </a:r>
+            <a:endParaRPr lang="de-DE" dirty="0" smtClean="0"/>
+          </a:p>
+          <a:p>
+            <a:endParaRPr lang="de-CH" baseline="0" dirty="0" smtClean="0"/>
+          </a:p>
+          <a:p>
+            <a:r>
+              <a:rPr lang="de-DE" baseline="0" dirty="0" smtClean="0"/>
+              <a:t>U</a:t>
+            </a:r>
+            <a:r>
+              <a:rPr lang="de-CH" baseline="0" dirty="0" err="1" smtClean="0"/>
+              <a:t>nd</a:t>
             </a:r>
             <a:r>
               <a:rPr lang="de-CH" baseline="0" dirty="0" smtClean="0"/>
-              <a:t> ist dem Thema Schwarmintelligenz, auch kollektive Intelligenz genannt, untergeordnet. Schwarmintelligenz befasst sich mit intelligenten Verhaltensweisen von Organismen, welche durch das spezifische Verhalten einzelner Individuen und deren Kommunikation untereinander hervorgerufen wird.</a:t>
-            </a:r>
-          </a:p>
-          <a:p>
-            <a:endParaRPr lang="de-CH" baseline="0" dirty="0" smtClean="0"/>
-          </a:p>
-          <a:p>
-            <a:r>
-              <a:rPr lang="de-CH" baseline="0" dirty="0" smtClean="0"/>
-              <a:t>Im Bereich der Ameisen-Intelligenz werden also die </a:t>
-            </a:r>
-            <a:r>
-              <a:rPr lang="de-CH" b="1" baseline="0" dirty="0" smtClean="0"/>
-              <a:t>Verhaltensweisen von Ameisen betrachtet</a:t>
-            </a:r>
-            <a:r>
-              <a:rPr lang="de-CH" baseline="0" dirty="0" smtClean="0"/>
-              <a:t>.</a:t>
-            </a:r>
-          </a:p>
-          <a:p>
-            <a:endParaRPr lang="de-CH" baseline="0" dirty="0" smtClean="0"/>
-          </a:p>
-          <a:p>
-            <a:r>
-              <a:rPr lang="de-CH" baseline="0" dirty="0" smtClean="0"/>
-              <a:t>Im Bericht haben wir uns auf das </a:t>
-            </a:r>
-            <a:r>
-              <a:rPr lang="de-CH" b="1" baseline="0" dirty="0" smtClean="0"/>
-              <a:t>Verhaltensmodell bei der Futtersuche konzentriert </a:t>
-            </a:r>
-            <a:r>
-              <a:rPr lang="de-CH" baseline="0" dirty="0" smtClean="0"/>
-              <a:t>und dessen Adaption in die Informatik in Form von Algorithmen.</a:t>
-            </a:r>
-          </a:p>
-          <a:p>
-            <a:endParaRPr lang="de-CH" baseline="0" dirty="0" smtClean="0"/>
+              <a:t> auf der anderen Seite dem Dienstleister die Möglichkeit geben sein Angebot zielgerichteter zu steuern.</a:t>
+            </a:r>
           </a:p>
         </p:txBody>
       </p:sp>
@@ -986,35 +1235,68 @@
           <a:lstStyle/>
           <a:p>
             <a:r>
-              <a:rPr lang="de-CH" dirty="0" smtClean="0"/>
-              <a:t>Ich</a:t>
-            </a:r>
-            <a:r>
-              <a:rPr lang="de-CH" baseline="0" dirty="0" smtClean="0"/>
-              <a:t> habe im Internet ein </a:t>
-            </a:r>
-            <a:r>
-              <a:rPr lang="de-CH" b="1" baseline="0" dirty="0" smtClean="0"/>
-              <a:t>Simulationstool</a:t>
-            </a:r>
-            <a:r>
-              <a:rPr lang="de-CH" baseline="0" dirty="0" smtClean="0"/>
-              <a:t> gefunden, womit sich der AS-Algorithmus bei der Anwendung auf das TSP sehr gut demonstrieren lässt.</a:t>
-            </a:r>
-          </a:p>
-          <a:p>
-            <a:endParaRPr lang="de-CH" baseline="0" dirty="0" smtClean="0"/>
-          </a:p>
-          <a:p>
-            <a:r>
-              <a:rPr lang="de-CH" b="1" baseline="0" dirty="0" smtClean="0"/>
-              <a:t>Nach einem Durchgang wurde noch nicht die optimale </a:t>
-            </a:r>
-            <a:r>
-              <a:rPr lang="de-CH" baseline="0" dirty="0" smtClean="0"/>
-              <a:t>Lösung gefunden. Es waren mehrere Durchgänge nötig.</a:t>
-            </a:r>
-            <a:endParaRPr lang="de-CH" dirty="0"/>
+              <a:rPr lang="de-DE" baseline="0" dirty="0" smtClean="0"/>
+              <a:t>Die zweite Technologie um einen Nutzer zu finden ist der GSM Standard.</a:t>
+            </a:r>
+          </a:p>
+          <a:p>
+            <a:r>
+              <a:rPr lang="de-DE" baseline="0" dirty="0" smtClean="0"/>
+              <a:t>Diese Technologie findet den Nutzer anhand der verbunden Basisstationen im mobilen Funknetz.</a:t>
+            </a:r>
+          </a:p>
+          <a:p>
+            <a:r>
+              <a:rPr lang="de-DE" baseline="0" dirty="0" smtClean="0"/>
+              <a:t>Diese bietet eine hohe Erreichbarkeit, ist jedoch nicht sehr genau.</a:t>
+            </a:r>
+          </a:p>
+          <a:p>
+            <a:endParaRPr lang="de-DE" baseline="0" dirty="0" smtClean="0"/>
+          </a:p>
+          <a:p>
+            <a:r>
+              <a:rPr lang="de-DE" baseline="0" dirty="0" smtClean="0"/>
+              <a:t>Um die beiden Nachteile von GPS und GSM Standard zu minimieren, wurde A-GPS entwickelt.</a:t>
+            </a:r>
+          </a:p>
+          <a:p>
+            <a:r>
+              <a:rPr lang="de-DE" baseline="0" dirty="0" smtClean="0"/>
+              <a:t>Diese Technologie fasst beide zusammen und unterstützt GPS um die Satelliten schneller zu finden.</a:t>
+            </a:r>
+          </a:p>
+          <a:p>
+            <a:endParaRPr lang="de-DE" baseline="0" dirty="0"/>
+          </a:p>
+          <a:p>
+            <a:r>
+              <a:rPr lang="de-DE" baseline="0" dirty="0" smtClean="0"/>
+              <a:t>Wir haben gesehen das GPS und der GSM Standard innerhalb von Gebäuden keine guten Resultate liefert.</a:t>
+            </a:r>
+          </a:p>
+          <a:p>
+            <a:r>
+              <a:rPr lang="de-DE" baseline="0" dirty="0" smtClean="0"/>
+              <a:t>Darum wird anhand der Standorte der verfügbare </a:t>
+            </a:r>
+            <a:r>
+              <a:rPr lang="de-DE" baseline="0" dirty="0" err="1" smtClean="0"/>
+              <a:t>WLAN‘s</a:t>
+            </a:r>
+            <a:r>
+              <a:rPr lang="de-DE" baseline="0" dirty="0" smtClean="0"/>
+              <a:t> den Standort des Nutzers berechnet.</a:t>
+            </a:r>
+          </a:p>
+          <a:p>
+            <a:endParaRPr lang="de-DE" baseline="0" dirty="0" smtClean="0"/>
+          </a:p>
+          <a:p>
+            <a:r>
+              <a:rPr lang="de-DE" baseline="0" dirty="0" smtClean="0"/>
+              <a:t>Oder es wird die IP-Adresse mit einem Dienst auf eine physikalischen Standort abgebildet.</a:t>
+            </a:r>
           </a:p>
         </p:txBody>
       </p:sp>
@@ -1035,7 +1317,7 @@
           <a:p>
             <a:fld id="{BF13ED09-4AF7-4506-8F89-4C9D2F3D6D53}" type="slidenum">
               <a:rPr lang="de-CH" smtClean="0"/>
-              <a:t>5</a:t>
+              <a:t>4</a:t>
             </a:fld>
             <a:endParaRPr lang="de-CH" dirty="0"/>
           </a:p>
@@ -1044,7 +1326,7 @@
     </p:spTree>
     <p:extLst>
       <p:ext uri="{BB962C8B-B14F-4D97-AF65-F5344CB8AC3E}">
-        <p14:creationId xmlns:p14="http://schemas.microsoft.com/office/powerpoint/2010/main" val="2923250346"/>
+        <p14:creationId xmlns:p14="http://schemas.microsoft.com/office/powerpoint/2010/main" val="3557745048"/>
       </p:ext>
     </p:extLst>
   </p:cSld>
@@ -1099,64 +1381,152 @@
           <a:lstStyle/>
           <a:p>
             <a:r>
-              <a:rPr lang="de-CH" dirty="0" smtClean="0"/>
-              <a:t>Hier eine paar </a:t>
-            </a:r>
-            <a:r>
-              <a:rPr lang="de-CH" baseline="0" dirty="0" smtClean="0"/>
-              <a:t>mögliche Anwendungsgebiete für Ameisenalgorithmen</a:t>
-            </a:r>
-          </a:p>
-          <a:p>
-            <a:endParaRPr lang="de-CH" baseline="0" dirty="0" smtClean="0"/>
-          </a:p>
-          <a:p>
-            <a:r>
-              <a:rPr lang="de-CH" b="1" baseline="0" dirty="0" smtClean="0"/>
-              <a:t>Logistik</a:t>
-            </a:r>
-          </a:p>
-          <a:p>
-            <a:r>
-              <a:rPr lang="de-CH" baseline="0" dirty="0" smtClean="0"/>
-              <a:t>Berechnung von Routen: Busrouten, Postrouten, Gütertransportrouten</a:t>
-            </a:r>
-          </a:p>
-          <a:p>
-            <a:r>
-              <a:rPr lang="de-CH" baseline="0" dirty="0" smtClean="0"/>
-              <a:t>Steuerung von Hochregallagern</a:t>
-            </a:r>
-          </a:p>
-          <a:p>
-            <a:endParaRPr lang="de-CH" baseline="0" dirty="0" smtClean="0"/>
-          </a:p>
-          <a:p>
-            <a:r>
-              <a:rPr lang="de-CH" b="1" baseline="0" dirty="0" smtClean="0"/>
-              <a:t>Produktion</a:t>
-            </a:r>
-          </a:p>
-          <a:p>
-            <a:r>
-              <a:rPr lang="de-CH" baseline="0" dirty="0" smtClean="0"/>
-              <a:t>Zur Losbildung, um Rüstzeiten zu optimieren</a:t>
-            </a:r>
-          </a:p>
-          <a:p>
-            <a:endParaRPr lang="de-CH" baseline="0" dirty="0" smtClean="0"/>
-          </a:p>
-          <a:p>
-            <a:r>
-              <a:rPr lang="de-CH" b="1" baseline="0" dirty="0" smtClean="0"/>
-              <a:t>Telefonie</a:t>
-            </a:r>
-          </a:p>
-          <a:p>
-            <a:r>
-              <a:rPr lang="de-CH" baseline="0" dirty="0" smtClean="0"/>
-              <a:t>Planung von optimalen Strecken für Telefonnetze</a:t>
-            </a:r>
+              <a:rPr lang="de-DE" baseline="0" dirty="0" smtClean="0"/>
+              <a:t>welcher Input in eine Unternehmung hinein </a:t>
+            </a:r>
+            <a:r>
+              <a:rPr lang="de-DE" baseline="0" dirty="0" err="1" smtClean="0"/>
+              <a:t>fliesst</a:t>
+            </a:r>
+            <a:r>
+              <a:rPr lang="de-DE" baseline="0" dirty="0" smtClean="0"/>
+              <a:t> </a:t>
+            </a:r>
+          </a:p>
+          <a:p>
+            <a:r>
+              <a:rPr lang="de-DE" baseline="0" dirty="0" smtClean="0"/>
+              <a:t>und mit welchen innerbetrieblichen Leistungserstellungsprozessen</a:t>
+            </a:r>
+          </a:p>
+          <a:p>
+            <a:r>
+              <a:rPr lang="de-DE" baseline="0" dirty="0" smtClean="0"/>
+              <a:t>das Produkt so transformiert wird, dass es für eine Unternehmung vermarktungsfähig ist.</a:t>
+            </a:r>
+            <a:endParaRPr lang="de-DE" dirty="0" smtClean="0"/>
+          </a:p>
+          <a:p>
+            <a:endParaRPr lang="de-DE" dirty="0" smtClean="0"/>
+          </a:p>
+          <a:p>
+            <a:r>
+              <a:rPr lang="de-DE" dirty="0" smtClean="0"/>
+              <a:t>Um</a:t>
+            </a:r>
+            <a:r>
+              <a:rPr lang="de-DE" baseline="0" dirty="0" smtClean="0"/>
+              <a:t> die Nutzenversprechen überhaupt heraus zu finden kann das 4P Marketing Instrument verwendet werden.</a:t>
+            </a:r>
+          </a:p>
+          <a:p>
+            <a:endParaRPr lang="de-DE" baseline="0" dirty="0" smtClean="0"/>
+          </a:p>
+          <a:p>
+            <a:r>
+              <a:rPr lang="de-DE" baseline="0" dirty="0" smtClean="0"/>
+              <a:t>Es beschreibt mit </a:t>
+            </a:r>
+            <a:r>
+              <a:rPr lang="de-DE" baseline="0" dirty="0" err="1" smtClean="0"/>
+              <a:t>Product</a:t>
+            </a:r>
+            <a:r>
+              <a:rPr lang="de-DE" baseline="0" dirty="0" smtClean="0"/>
+              <a:t>, Price, Place und Promotion</a:t>
+            </a:r>
+          </a:p>
+          <a:p>
+            <a:r>
+              <a:rPr lang="de-DE" baseline="0" dirty="0" smtClean="0"/>
+              <a:t>das Produkt, der Preis, den Standort wo es angeboten wird und die Kommunikation wie das Produkt beworben werden kann.</a:t>
+            </a:r>
+          </a:p>
+          <a:p>
+            <a:endParaRPr lang="de-DE" baseline="0" dirty="0" smtClean="0"/>
+          </a:p>
+          <a:p>
+            <a:r>
+              <a:rPr lang="de-DE" sz="1200" kern="1200" dirty="0" smtClean="0">
+                <a:solidFill>
+                  <a:schemeClr val="tx1"/>
+                </a:solidFill>
+                <a:effectLst/>
+                <a:latin typeface="+mn-lt"/>
+                <a:ea typeface="+mn-ea"/>
+                <a:cs typeface="+mn-cs"/>
+              </a:rPr>
+              <a:t>enthält alle Akteure die  im Bezug auf ein Geschäftsmodell die einen Teil dazu beitragen, </a:t>
+            </a:r>
+          </a:p>
+          <a:p>
+            <a:r>
+              <a:rPr lang="de-DE" sz="1200" kern="1200" dirty="0" smtClean="0">
+                <a:solidFill>
+                  <a:schemeClr val="tx1"/>
+                </a:solidFill>
+                <a:effectLst/>
+                <a:latin typeface="+mn-lt"/>
+                <a:ea typeface="+mn-ea"/>
+                <a:cs typeface="+mn-cs"/>
+              </a:rPr>
+              <a:t>wie der Nutzen für ein Produkt oder eine Dienstleistung erstellt wird.</a:t>
+            </a:r>
+            <a:r>
+              <a:rPr lang="de-DE" dirty="0" smtClean="0">
+                <a:effectLst/>
+              </a:rPr>
+              <a:t> </a:t>
+            </a:r>
+          </a:p>
+          <a:p>
+            <a:endParaRPr lang="de-DE" dirty="0" smtClean="0">
+              <a:effectLst/>
+            </a:endParaRPr>
+          </a:p>
+          <a:p>
+            <a:r>
+              <a:rPr lang="de-DE" dirty="0" smtClean="0">
+                <a:effectLst/>
+              </a:rPr>
+              <a:t>Um die Qualitäten und Potenziale von den Akteuren innerhalb der Wertschöpfungskette zu erkennen </a:t>
+            </a:r>
+          </a:p>
+          <a:p>
+            <a:r>
+              <a:rPr lang="de-DE" dirty="0" smtClean="0">
+                <a:effectLst/>
+              </a:rPr>
+              <a:t>kann</a:t>
+            </a:r>
+            <a:r>
+              <a:rPr lang="de-DE" baseline="0" dirty="0" smtClean="0">
+                <a:effectLst/>
+              </a:rPr>
+              <a:t> die SWOT-Analyse als weiteres Marketing-Instrument verwendet werden. </a:t>
+            </a:r>
+          </a:p>
+          <a:p>
+            <a:r>
+              <a:rPr lang="de-DE" baseline="0" dirty="0" smtClean="0">
+                <a:effectLst/>
+              </a:rPr>
+              <a:t>Es beschreibt die Stärken, Schwächen, Chancen und Risiken einer Unternehmung.</a:t>
+            </a:r>
+          </a:p>
+          <a:p>
+            <a:endParaRPr lang="de-DE" baseline="0" dirty="0" smtClean="0">
+              <a:effectLst/>
+            </a:endParaRPr>
+          </a:p>
+          <a:p>
+            <a:r>
+              <a:rPr lang="de-DE" baseline="0" dirty="0" smtClean="0">
+                <a:effectLst/>
+              </a:rPr>
+              <a:t>Es können direkte und indirekte Erlöse auf ein Produkt anfallen. Direkte kommen vom Nutzer, indirekte über Dritte.</a:t>
+            </a:r>
+            <a:endParaRPr lang="de-DE" dirty="0"/>
           </a:p>
         </p:txBody>
       </p:sp>
@@ -1177,7 +1547,7 @@
           <a:p>
             <a:fld id="{BF13ED09-4AF7-4506-8F89-4C9D2F3D6D53}" type="slidenum">
               <a:rPr lang="de-CH" smtClean="0"/>
-              <a:t>6</a:t>
+              <a:t>5</a:t>
             </a:fld>
             <a:endParaRPr lang="de-CH" dirty="0"/>
           </a:p>
@@ -1186,7 +1556,7 @@
     </p:spTree>
     <p:extLst>
       <p:ext uri="{BB962C8B-B14F-4D97-AF65-F5344CB8AC3E}">
-        <p14:creationId xmlns:p14="http://schemas.microsoft.com/office/powerpoint/2010/main" val="791217292"/>
+        <p14:creationId xmlns:p14="http://schemas.microsoft.com/office/powerpoint/2010/main" val="3795574313"/>
       </p:ext>
     </p:extLst>
   </p:cSld>
@@ -1242,42 +1612,233 @@
           <a:p>
             <a:r>
               <a:rPr lang="de-CH" dirty="0" smtClean="0"/>
-              <a:t>Das Themengebiet i</a:t>
+              <a:t>Hier 4</a:t>
             </a:r>
             <a:r>
               <a:rPr lang="de-CH" baseline="0" dirty="0" smtClean="0"/>
-              <a:t>st sehr interessante und vor allem Umfangreich</a:t>
+              <a:t> Geschäftsmodelle aus je einer anderen Geschäftsmodellkategorie</a:t>
             </a:r>
           </a:p>
           <a:p>
             <a:endParaRPr lang="de-CH" baseline="0" dirty="0" smtClean="0"/>
           </a:p>
           <a:p>
+            <a:pPr marL="0" indent="0">
+              <a:buFont typeface="Arial" pitchFamily="34" charset="0"/>
+              <a:buNone/>
+            </a:pPr>
+            <a:r>
+              <a:rPr lang="de-CH" b="1" dirty="0" smtClean="0"/>
+              <a:t>Bei Kommunikation-Systeme</a:t>
+            </a:r>
+          </a:p>
+          <a:p>
+            <a:pPr marL="465138" lvl="2" indent="-285750">
+              <a:buFont typeface="Arial" pitchFamily="34" charset="0"/>
+              <a:buChar char="•"/>
+            </a:pPr>
+            <a:r>
+              <a:rPr lang="de-DE" b="0" dirty="0" smtClean="0"/>
+              <a:t>S</a:t>
+            </a:r>
+            <a:r>
+              <a:rPr lang="de-CH" b="0" dirty="0" err="1" smtClean="0"/>
+              <a:t>ehen</a:t>
+            </a:r>
+            <a:r>
+              <a:rPr lang="de-CH" b="0" dirty="0" smtClean="0"/>
+              <a:t> wir hier ein</a:t>
+            </a:r>
+            <a:r>
+              <a:rPr lang="de-CH" b="0" baseline="0" dirty="0" smtClean="0"/>
+              <a:t> s</a:t>
+            </a:r>
+            <a:r>
+              <a:rPr lang="de-CH" b="0" dirty="0" smtClean="0"/>
+              <a:t>oziales Netzwerk von </a:t>
+            </a:r>
+            <a:r>
+              <a:rPr lang="de-CH" b="0" dirty="0" err="1" smtClean="0"/>
+              <a:t>Foursquare</a:t>
+            </a:r>
+            <a:r>
+              <a:rPr lang="de-CH" b="0" dirty="0" smtClean="0"/>
+              <a:t>. Es bietet unter anderem an</a:t>
+            </a:r>
+            <a:r>
+              <a:rPr lang="de-CH" b="0" baseline="0" dirty="0" smtClean="0"/>
+              <a:t> den Standort mit Freunden zu teilen.</a:t>
+            </a:r>
+            <a:r>
+              <a:rPr lang="de-CH" b="0" dirty="0" smtClean="0"/>
+              <a:t/>
+            </a:r>
+            <a:br>
+              <a:rPr lang="de-CH" b="0" dirty="0" smtClean="0"/>
+            </a:br>
+            <a:endParaRPr lang="de-CH" dirty="0" smtClean="0"/>
+          </a:p>
+          <a:p>
+            <a:pPr marL="0" indent="0">
+              <a:buFont typeface="Arial" pitchFamily="34" charset="0"/>
+              <a:buNone/>
+            </a:pPr>
+            <a:r>
+              <a:rPr lang="de-CH" b="1" dirty="0" smtClean="0"/>
+              <a:t>Bei den Information-Systemen</a:t>
+            </a:r>
+          </a:p>
+          <a:p>
+            <a:pPr marL="465138" lvl="2" indent="-285750">
+              <a:buFont typeface="Arial" pitchFamily="34" charset="0"/>
+              <a:buChar char="•"/>
+            </a:pPr>
+            <a:r>
+              <a:rPr lang="de-CH" dirty="0" smtClean="0"/>
+              <a:t>Sehen wir hier ein Auffindungs-Dienst</a:t>
+            </a:r>
             <a:r>
               <a:rPr lang="de-CH" baseline="0" dirty="0" smtClean="0"/>
-              <a:t>Aufgrund der Erweiterbarkeit von Ameisenalgorithmen können sie auf viele verschiedene Probleme angewendet werden</a:t>
-            </a:r>
-          </a:p>
-          <a:p>
-            <a:endParaRPr lang="de-CH" baseline="0" dirty="0" smtClean="0"/>
-          </a:p>
-          <a:p>
+              <a:t> von </a:t>
+            </a:r>
+            <a:r>
+              <a:rPr lang="de-CH" baseline="0" dirty="0" err="1" smtClean="0"/>
+              <a:t>myTaxi</a:t>
+            </a:r>
+            <a:r>
+              <a:rPr lang="de-CH" baseline="0" dirty="0" smtClean="0"/>
+              <a:t>. Hier können Taxis gefunden bestellt werden.</a:t>
+            </a:r>
+            <a:r>
+              <a:rPr lang="de-CH" dirty="0" smtClean="0"/>
+              <a:t/>
+            </a:r>
+            <a:br>
+              <a:rPr lang="de-CH" dirty="0" smtClean="0"/>
+            </a:br>
+            <a:endParaRPr lang="de-CH" dirty="0" smtClean="0"/>
+          </a:p>
+          <a:p>
+            <a:pPr marL="0" indent="0">
+              <a:buFont typeface="Arial" pitchFamily="34" charset="0"/>
+              <a:buNone/>
+            </a:pPr>
+            <a:r>
+              <a:rPr lang="de-CH" b="1" dirty="0" smtClean="0"/>
+              <a:t>Bei den Unterhaltung-Systemen</a:t>
+            </a:r>
+          </a:p>
+          <a:p>
+            <a:pPr marL="465138" lvl="2" indent="-285750">
+              <a:buFont typeface="Arial" pitchFamily="34" charset="0"/>
+              <a:buChar char="•"/>
+            </a:pPr>
+            <a:r>
+              <a:rPr lang="de-CH" dirty="0" smtClean="0"/>
+              <a:t>Sehen</a:t>
+            </a:r>
+            <a:r>
+              <a:rPr lang="de-CH" baseline="0" dirty="0" smtClean="0"/>
+              <a:t> wir hier ein Spiel</a:t>
+            </a:r>
+            <a:r>
+              <a:rPr lang="de-CH" dirty="0" smtClean="0"/>
+              <a:t> von Google.</a:t>
+            </a:r>
+            <a:r>
+              <a:rPr lang="de-CH" baseline="0" dirty="0" smtClean="0"/>
+              <a:t> Dies gibt es seit neustem auf dem Markt und verwendet standortbasierte Informationen.</a:t>
+            </a:r>
+            <a:r>
+              <a:rPr lang="de-CH" dirty="0" smtClean="0"/>
+              <a:t/>
+            </a:r>
+            <a:br>
+              <a:rPr lang="de-CH" dirty="0" smtClean="0"/>
+            </a:br>
+            <a:endParaRPr lang="de-CH" dirty="0" smtClean="0"/>
+          </a:p>
+          <a:p>
+            <a:pPr marL="0" indent="0">
+              <a:buFont typeface="Arial" pitchFamily="34" charset="0"/>
+              <a:buNone/>
+            </a:pPr>
+            <a:r>
+              <a:rPr lang="de-CH" b="1" dirty="0" smtClean="0"/>
+              <a:t>Bei</a:t>
+            </a:r>
             <a:r>
               <a:rPr lang="de-CH" b="1" baseline="0" dirty="0" smtClean="0"/>
-              <a:t>Abschliessend kann man sagen</a:t>
-            </a:r>
+              <a:t> den </a:t>
+            </a:r>
+            <a:r>
+              <a:rPr lang="de-CH" b="1" dirty="0" smtClean="0"/>
+              <a:t>Mobile-Commerce-Systemen</a:t>
+            </a:r>
+          </a:p>
+          <a:p>
+            <a:pPr marL="171450" lvl="0" indent="-171450">
+              <a:buFont typeface="Arial"/>
+              <a:buChar char="•"/>
+            </a:pPr>
             <a:r>
               <a:rPr lang="de-CH" baseline="0" dirty="0" smtClean="0"/>
-              <a:t>, dass Ameisenalgorithmen ein wichtiges Hilfsmittel zur Lösung von Optimierungsproblemen darstellen </a:t>
+              <a:t>      </a:t>
+            </a:r>
+            <a:r>
+              <a:rPr lang="de-CH" dirty="0" smtClean="0"/>
+              <a:t>Sehen</a:t>
+            </a:r>
+            <a:r>
+              <a:rPr lang="de-CH" baseline="0" dirty="0" smtClean="0"/>
+              <a:t> wir hier ein Anwendung einer Restaurant-Kette </a:t>
+            </a:r>
+            <a:r>
+              <a:rPr lang="de-CH" dirty="0" smtClean="0"/>
+              <a:t>Burger-King.</a:t>
+            </a:r>
+            <a:endParaRPr lang="de-CH" dirty="0"/>
+          </a:p>
+          <a:p>
+            <a:pPr marL="0" lvl="1" indent="-277812">
+              <a:buFont typeface="Arial" pitchFamily="34" charset="0"/>
+              <a:buNone/>
+            </a:pPr>
+            <a:endParaRPr lang="de-CH" dirty="0"/>
+          </a:p>
+          <a:p>
+            <a:pPr marL="0" lvl="1" indent="-277812">
+              <a:buFont typeface="Arial" pitchFamily="34" charset="0"/>
+              <a:buNone/>
+            </a:pPr>
+            <a:r>
+              <a:rPr lang="de-CH" b="1" dirty="0" smtClean="0"/>
+              <a:t>Überwachung</a:t>
+            </a:r>
+            <a:r>
+              <a:rPr lang="de-CH" baseline="0" dirty="0" smtClean="0"/>
+              <a:t> = Flottenmanagement</a:t>
+            </a:r>
+            <a:endParaRPr lang="de-CH" dirty="0" smtClean="0"/>
+          </a:p>
+          <a:p>
+            <a:pPr marL="0" lvl="1" indent="-277812">
+              <a:buFont typeface="Arial" pitchFamily="34" charset="0"/>
+              <a:buNone/>
+            </a:pPr>
+            <a:r>
+              <a:rPr lang="de-CH" b="1" dirty="0" smtClean="0"/>
+              <a:t>Automatischer</a:t>
             </a:r>
             <a:r>
               <a:rPr lang="de-CH" b="1" baseline="0" dirty="0" smtClean="0"/>
-              <a:t>und aus der Informatik kaum mehr wegzudenken </a:t>
+              <a:t> Zugang</a:t>
             </a:r>
             <a:r>
               <a:rPr lang="de-CH" baseline="0" dirty="0" smtClean="0"/>
-              <a:t>sind</a:t>
-            </a:r>
+              <a:t>  = Eintrittskontrollen</a:t>
+            </a:r>
+            <a:endParaRPr lang="de-CH" dirty="0" smtClean="0"/>
           </a:p>
         </p:txBody>
       </p:sp>
@@ -1298,7 +1859,7 @@
           <a:p>
             <a:fld id="{BF13ED09-4AF7-4506-8F89-4C9D2F3D6D53}" type="slidenum">
               <a:rPr lang="de-CH" smtClean="0"/>
-              <a:t>7</a:t>
+              <a:t>6</a:t>
             </a:fld>
             <a:endParaRPr lang="de-CH" dirty="0"/>
           </a:p>
@@ -1307,7 +1868,7 @@
     </p:spTree>
     <p:extLst>
       <p:ext uri="{BB962C8B-B14F-4D97-AF65-F5344CB8AC3E}">
-        <p14:creationId xmlns:p14="http://schemas.microsoft.com/office/powerpoint/2010/main" val="3706693854"/>
+        <p14:creationId xmlns:p14="http://schemas.microsoft.com/office/powerpoint/2010/main" val="791217292"/>
       </p:ext>
     </p:extLst>
   </p:cSld>
@@ -1391,7 +1952,7 @@
     </p:spTree>
     <p:extLst>
       <p:ext uri="{BB962C8B-B14F-4D97-AF65-F5344CB8AC3E}">
-        <p14:creationId xmlns:p14="http://schemas.microsoft.com/office/powerpoint/2010/main" val="2649965479"/>
+        <p14:creationId xmlns:p14="http://schemas.microsoft.com/office/powerpoint/2010/main" val="2923250346"/>
       </p:ext>
     </p:extLst>
   </p:cSld>
@@ -1445,7 +2006,55 @@
           <a:bodyPr/>
           <a:lstStyle/>
           <a:p>
-            <a:endParaRPr lang="de-CH" dirty="0"/>
+            <a:pPr marL="285750" indent="-285750">
+              <a:buFont typeface="Arial" pitchFamily="34" charset="0"/>
+              <a:buChar char="•"/>
+            </a:pPr>
+            <a:r>
+              <a:rPr lang="de-CH" dirty="0" smtClean="0"/>
+              <a:t>Interessantes und Umfangreiches Themengebiet</a:t>
+            </a:r>
+          </a:p>
+          <a:p>
+            <a:pPr marL="285750" indent="-285750">
+              <a:buFont typeface="Arial" pitchFamily="34" charset="0"/>
+              <a:buChar char="•"/>
+            </a:pPr>
+            <a:endParaRPr lang="de-CH" dirty="0" smtClean="0"/>
+          </a:p>
+          <a:p>
+            <a:pPr marL="285750" indent="-285750">
+              <a:buFont typeface="Arial" pitchFamily="34" charset="0"/>
+              <a:buChar char="•"/>
+            </a:pPr>
+            <a:r>
+              <a:rPr lang="de-CH" dirty="0" smtClean="0"/>
+              <a:t>Viele Anwendungsgebiete</a:t>
+            </a:r>
+          </a:p>
+          <a:p>
+            <a:pPr marL="285750" indent="-285750">
+              <a:buFont typeface="Arial" pitchFamily="34" charset="0"/>
+              <a:buChar char="•"/>
+            </a:pPr>
+            <a:endParaRPr lang="de-CH" dirty="0" smtClean="0"/>
+          </a:p>
+          <a:p>
+            <a:pPr marL="285750" indent="-285750">
+              <a:buFont typeface="Arial" pitchFamily="34" charset="0"/>
+              <a:buChar char="•"/>
+            </a:pPr>
+            <a:r>
+              <a:rPr lang="de-CH" dirty="0" smtClean="0"/>
+              <a:t>Interessante technologische Weiterentwicklungen</a:t>
+            </a:r>
+          </a:p>
+          <a:p>
+            <a:pPr marL="285750" indent="-285750">
+              <a:buFont typeface="Arial" pitchFamily="34" charset="0"/>
+              <a:buChar char="•"/>
+            </a:pPr>
+            <a:endParaRPr lang="de-CH" dirty="0" smtClean="0"/>
           </a:p>
         </p:txBody>
       </p:sp>
@@ -1466,7 +2075,7 @@
           <a:p>
             <a:fld id="{BF13ED09-4AF7-4506-8F89-4C9D2F3D6D53}" type="slidenum">
               <a:rPr lang="de-CH" smtClean="0"/>
-              <a:t>9</a:t>
+              <a:t>12</a:t>
             </a:fld>
             <a:endParaRPr lang="de-CH" dirty="0"/>
           </a:p>
@@ -1475,7 +2084,91 @@
     </p:spTree>
     <p:extLst>
       <p:ext uri="{BB962C8B-B14F-4D97-AF65-F5344CB8AC3E}">
-        <p14:creationId xmlns:p14="http://schemas.microsoft.com/office/powerpoint/2010/main" val="3300298822"/>
+        <p14:creationId xmlns:p14="http://schemas.microsoft.com/office/powerpoint/2010/main" val="3706693854"/>
+      </p:ext>
+    </p:extLst>
+  </p:cSld>
+  <p:clrMapOvr>
+    <a:masterClrMapping/>
+  </p:clrMapOvr>
+</p:notes>
+</file>
+
+<file path=ppt/notesSlides/notesSlide9.xml><?xml version="1.0" encoding="utf-8"?>
+<p:notes xmlns:a="http://schemas.openxmlformats.org/drawingml/2006/main" xmlns:r="http://schemas.openxmlformats.org/officeDocument/2006/relationships" xmlns:p="http://schemas.openxmlformats.org/presentationml/2006/main">
+  <p:cSld>
+    <p:spTree>
+      <p:nvGrpSpPr>
+        <p:cNvPr id="1" name=""/>
+        <p:cNvGrpSpPr/>
+        <p:nvPr/>
+      </p:nvGrpSpPr>
+      <p:grpSpPr>
+        <a:xfrm>
+          <a:off x="0" y="0"/>
+          <a:ext cx="0" cy="0"/>
+          <a:chOff x="0" y="0"/>
+          <a:chExt cx="0" cy="0"/>
+        </a:xfrm>
+      </p:grpSpPr>
+      <p:sp>
+        <p:nvSpPr>
+          <p:cNvPr id="2" name="Folienbildplatzhalter 1"/>
+          <p:cNvSpPr>
+            <a:spLocks noGrp="1" noRot="1" noChangeAspect="1"/>
+          </p:cNvSpPr>
+          <p:nvPr>
+            <p:ph type="sldImg"/>
+          </p:nvPr>
+        </p:nvSpPr>
+        <p:spPr/>
+      </p:sp>
+      <p:sp>
+        <p:nvSpPr>
+          <p:cNvPr id="3" name="Notizenplatzhalter 2"/>
+          <p:cNvSpPr>
+            <a:spLocks noGrp="1"/>
+          </p:cNvSpPr>
+          <p:nvPr>
+            <p:ph type="body" idx="1"/>
+          </p:nvPr>
+        </p:nvSpPr>
+        <p:spPr/>
+        <p:txBody>
+          <a:bodyPr/>
+          <a:lstStyle/>
+          <a:p>
+            <a:endParaRPr lang="de-CH" dirty="0"/>
+          </a:p>
+        </p:txBody>
+      </p:sp>
+      <p:sp>
+        <p:nvSpPr>
+          <p:cNvPr id="4" name="Foliennummernplatzhalter 3"/>
+          <p:cNvSpPr>
+            <a:spLocks noGrp="1"/>
+          </p:cNvSpPr>
+          <p:nvPr>
+            <p:ph type="sldNum" sz="quarter" idx="10"/>
+          </p:nvPr>
+        </p:nvSpPr>
+        <p:spPr/>
+        <p:txBody>
+          <a:bodyPr/>
+          <a:lstStyle/>
+          <a:p>
+            <a:fld id="{BF13ED09-4AF7-4506-8F89-4C9D2F3D6D53}" type="slidenum">
+              <a:rPr lang="de-CH" smtClean="0"/>
+              <a:t>13</a:t>
+            </a:fld>
+            <a:endParaRPr lang="de-CH" dirty="0"/>
+          </a:p>
+        </p:txBody>
+      </p:sp>
+    </p:spTree>
+    <p:extLst>
+      <p:ext uri="{BB962C8B-B14F-4D97-AF65-F5344CB8AC3E}">
+        <p14:creationId xmlns:p14="http://schemas.microsoft.com/office/powerpoint/2010/main" val="2649965479"/>
       </p:ext>
     </p:extLst>
   </p:cSld>
@@ -2029,6 +2722,49 @@
           </a:prstGeom>
         </p:spPr>
       </p:pic>
+      <p:sp>
+        <p:nvSpPr>
+          <p:cNvPr id="8" name="Textfeld 7"/>
+          <p:cNvSpPr txBox="1"/>
+          <p:nvPr userDrawn="1"/>
+        </p:nvSpPr>
+        <p:spPr>
+          <a:xfrm>
+            <a:off x="8086246" y="6388100"/>
+            <a:ext cx="982761" cy="338554"/>
+          </a:xfrm>
+          <a:prstGeom prst="rect">
+            <a:avLst/>
+          </a:prstGeom>
+          <a:noFill/>
+        </p:spPr>
+        <p:txBody>
+          <a:bodyPr wrap="none" rtlCol="0">
+            <a:spAutoFit/>
+          </a:bodyPr>
+          <a:lstStyle/>
+          <a:p>
+            <a:fld id="{FFF131EF-6D2A-3E41-B7B4-53D3A0E07D28}" type="slidenum">
+              <a:rPr lang="de-DE" sz="1600" smtClean="0">
+                <a:latin typeface="Arial"/>
+                <a:cs typeface="Arial"/>
+              </a:rPr>
+              <a:t>‹Nr.›</a:t>
+            </a:fld>
+            <a:r>
+              <a:rPr lang="de-DE" sz="1600" dirty="0" smtClean="0">
+                <a:latin typeface="Arial"/>
+                <a:cs typeface="Arial"/>
+              </a:rPr>
+              <a:t> / 12</a:t>
+            </a:r>
+            <a:endParaRPr lang="de-DE" sz="1600" dirty="0">
+              <a:latin typeface="Arial"/>
+              <a:cs typeface="Arial"/>
+            </a:endParaRPr>
+          </a:p>
+        </p:txBody>
+      </p:sp>
     </p:spTree>
   </p:cSld>
   <p:clrMapOvr>
@@ -2394,47 +3130,6 @@
           </a:p>
         </p:txBody>
       </p:sp>
-      <p:pic>
-        <p:nvPicPr>
-          <p:cNvPr id="4098" name="Picture 2" descr="http://www.ameisenstrasse.de/images/ameisenstr.gif"/>
-          <p:cNvPicPr>
-            <a:picLocks noChangeAspect="1" noChangeArrowheads="1"/>
-          </p:cNvPicPr>
-          <p:nvPr userDrawn="1"/>
-        </p:nvPicPr>
-        <p:blipFill>
-          <a:blip r:embed="rId3">
-            <a:extLst>
-              <a:ext uri="{28A0092B-C50C-407E-A947-70E740481C1C}">
-                <a14:useLocalDpi xmlns:a14="http://schemas.microsoft.com/office/drawing/2010/main" val="0"/>
-              </a:ext>
-            </a:extLst>
-          </a:blip>
-          <a:srcRect/>
-          <a:stretch>
-            <a:fillRect/>
-          </a:stretch>
-        </p:blipFill>
-        <p:spPr bwMode="auto">
-          <a:xfrm>
-            <a:off x="18415" y="5053012"/>
-            <a:ext cx="9096375" cy="1076326"/>
-          </a:xfrm>
-          <a:prstGeom prst="rect">
-            <a:avLst/>
-          </a:prstGeom>
-          <a:noFill/>
-          <a:extLst>
-            <a:ext uri="{909E8E84-426E-40dd-AFC4-6F175D3DCCD1}">
-              <a14:hiddenFill xmlns:a14="http://schemas.microsoft.com/office/drawing/2010/main">
-                <a:solidFill>
-                  <a:srgbClr val="FFFFFF"/>
-                </a:solidFill>
-              </a14:hiddenFill>
-            </a:ext>
-          </a:extLst>
-        </p:spPr>
-      </p:pic>
     </p:spTree>
   </p:cSld>
   <p:clrMapOvr>
@@ -2581,6 +3276,7 @@
       </p:par>
     </p:tnLst>
   </p:timing>
+  <p:hf hdr="0" ftr="0" dt="0"/>
   <p:txStyles>
     <p:titleStyle>
       <a:lvl1pPr algn="l" defTabSz="457200" rtl="0" eaLnBrk="1" latinLnBrk="0" hangingPunct="1">
@@ -2905,7 +3601,9 @@
         </p:nvSpPr>
         <p:spPr/>
         <p:txBody>
-          <a:bodyPr/>
+          <a:bodyPr>
+            <a:normAutofit/>
+          </a:bodyPr>
           <a:lstStyle/>
           <a:p>
             <a:r>
@@ -2915,6 +3613,10 @@
             <a:r>
               <a:rPr lang="de-DE" dirty="0" err="1" smtClean="0"/>
               <a:t>Switzerland</a:t>
+            </a:r>
+            <a:r>
+              <a:rPr lang="de-DE" dirty="0" smtClean="0"/>
+              <a:t> von Martin Moser &amp; Marc Rufer</a:t>
             </a:r>
             <a:endParaRPr lang="de-DE" dirty="0"/>
           </a:p>
@@ -2929,6 +3631,764 @@
     <mc:Choice Requires="p14">
       <p:transition spd="slow" p14:dur="1600">
         <p14:gallery dir="l"/>
+      </p:transition>
+    </mc:Choice>
+    <mc:Fallback xmlns="">
+      <p:transition spd="slow">
+        <p:fade/>
+      </p:transition>
+    </mc:Fallback>
+  </mc:AlternateContent>
+  <p:timing>
+    <p:tnLst>
+      <p:par>
+        <p:cTn xmlns:p14="http://schemas.microsoft.com/office/powerpoint/2010/main" id="1" dur="indefinite" restart="never" nodeType="tmRoot"/>
+      </p:par>
+    </p:tnLst>
+  </p:timing>
+</p:sld>
+</file>
+
+<file path=ppt/slides/slide10.xml><?xml version="1.0" encoding="utf-8"?>
+<p:sld xmlns:a="http://schemas.openxmlformats.org/drawingml/2006/main" xmlns:r="http://schemas.openxmlformats.org/officeDocument/2006/relationships" xmlns:p="http://schemas.openxmlformats.org/presentationml/2006/main">
+  <p:cSld>
+    <p:spTree>
+      <p:nvGrpSpPr>
+        <p:cNvPr id="1" name=""/>
+        <p:cNvGrpSpPr/>
+        <p:nvPr/>
+      </p:nvGrpSpPr>
+      <p:grpSpPr>
+        <a:xfrm>
+          <a:off x="0" y="0"/>
+          <a:ext cx="0" cy="0"/>
+          <a:chOff x="0" y="0"/>
+          <a:chExt cx="0" cy="0"/>
+        </a:xfrm>
+      </p:grpSpPr>
+      <p:sp>
+        <p:nvSpPr>
+          <p:cNvPr id="2" name="Titel 1"/>
+          <p:cNvSpPr>
+            <a:spLocks noGrp="1"/>
+          </p:cNvSpPr>
+          <p:nvPr>
+            <p:ph type="title"/>
+          </p:nvPr>
+        </p:nvSpPr>
+        <p:spPr/>
+        <p:txBody>
+          <a:bodyPr>
+            <a:normAutofit fontScale="90000"/>
+          </a:bodyPr>
+          <a:lstStyle/>
+          <a:p>
+            <a:r>
+              <a:rPr lang="de-DE" dirty="0" smtClean="0"/>
+              <a:t>4 </a:t>
+            </a:r>
+            <a:r>
+              <a:rPr lang="de-DE" dirty="0" err="1" smtClean="0"/>
+              <a:t>P‘s</a:t>
+            </a:r>
+            <a:endParaRPr lang="de-DE" dirty="0"/>
+          </a:p>
+        </p:txBody>
+      </p:sp>
+      <p:graphicFrame>
+        <p:nvGraphicFramePr>
+          <p:cNvPr id="3" name="Objekt 2"/>
+          <p:cNvGraphicFramePr>
+            <a:graphicFrameLocks noChangeAspect="1"/>
+          </p:cNvGraphicFramePr>
+          <p:nvPr>
+            <p:extLst>
+              <p:ext uri="{D42A27DB-BD31-4B8C-83A1-F6EECF244321}">
+                <p14:modId xmlns:p14="http://schemas.microsoft.com/office/powerpoint/2010/main" val="1726500341"/>
+              </p:ext>
+            </p:extLst>
+          </p:nvPr>
+        </p:nvGraphicFramePr>
+        <p:xfrm>
+          <a:off x="1625600" y="2032000"/>
+          <a:ext cx="6121400" cy="3276600"/>
+        </p:xfrm>
+        <a:graphic>
+          <a:graphicData uri="http://schemas.openxmlformats.org/presentationml/2006/ole">
+            <mc:AlternateContent xmlns:mc="http://schemas.openxmlformats.org/markup-compatibility/2006">
+              <mc:Choice xmlns:v="urn:schemas-microsoft-com:vml" Requires="v">
+                <p:oleObj spid="_x0000_s1043" name="Dokument" r:id="rId3" imgW="6121400" imgH="3276600" progId="Word.Document.12">
+                  <p:link updateAutomatic="1"/>
+                </p:oleObj>
+              </mc:Choice>
+              <mc:Fallback>
+                <p:oleObj name="Dokument" r:id="rId3" imgW="6121400" imgH="3276600" progId="Word.Document.12">
+                  <p:link updateAutomatic="1"/>
+                  <p:pic>
+                    <p:nvPicPr>
+                      <p:cNvPr id="0" name=""/>
+                      <p:cNvPicPr/>
+                      <p:nvPr/>
+                    </p:nvPicPr>
+                    <p:blipFill>
+                      <a:blip r:embed="rId4"/>
+                      <a:stretch>
+                        <a:fillRect/>
+                      </a:stretch>
+                    </p:blipFill>
+                    <p:spPr>
+                      <a:xfrm>
+                        <a:off x="1625600" y="2032000"/>
+                        <a:ext cx="6121400" cy="3276600"/>
+                      </a:xfrm>
+                      <a:prstGeom prst="rect">
+                        <a:avLst/>
+                      </a:prstGeom>
+                    </p:spPr>
+                  </p:pic>
+                </p:oleObj>
+              </mc:Fallback>
+            </mc:AlternateContent>
+          </a:graphicData>
+        </a:graphic>
+      </p:graphicFrame>
+    </p:spTree>
+    <p:extLst>
+      <p:ext uri="{BB962C8B-B14F-4D97-AF65-F5344CB8AC3E}">
+        <p14:creationId xmlns:p14="http://schemas.microsoft.com/office/powerpoint/2010/main" val="1643224857"/>
+      </p:ext>
+    </p:extLst>
+  </p:cSld>
+  <p:clrMapOvr>
+    <a:masterClrMapping/>
+  </p:clrMapOvr>
+  <mc:AlternateContent xmlns:mc="http://schemas.openxmlformats.org/markup-compatibility/2006" xmlns:p14="http://schemas.microsoft.com/office/powerpoint/2010/main">
+    <mc:Choice Requires="p14">
+      <p:transition spd="slow" p14:dur="1100">
+        <p14:switch dir="r"/>
+      </p:transition>
+    </mc:Choice>
+    <mc:Fallback xmlns="">
+      <p:transition spd="slow">
+        <p:fade/>
+      </p:transition>
+    </mc:Fallback>
+  </mc:AlternateContent>
+  <p:timing>
+    <p:tnLst>
+      <p:par>
+        <p:cTn xmlns:p14="http://schemas.microsoft.com/office/powerpoint/2010/main" id="1" dur="indefinite" restart="never" nodeType="tmRoot"/>
+      </p:par>
+    </p:tnLst>
+  </p:timing>
+</p:sld>
+</file>
+
+<file path=ppt/slides/slide11.xml><?xml version="1.0" encoding="utf-8"?>
+<p:sld xmlns:a="http://schemas.openxmlformats.org/drawingml/2006/main" xmlns:r="http://schemas.openxmlformats.org/officeDocument/2006/relationships" xmlns:p="http://schemas.openxmlformats.org/presentationml/2006/main">
+  <p:cSld>
+    <p:spTree>
+      <p:nvGrpSpPr>
+        <p:cNvPr id="1" name=""/>
+        <p:cNvGrpSpPr/>
+        <p:nvPr/>
+      </p:nvGrpSpPr>
+      <p:grpSpPr>
+        <a:xfrm>
+          <a:off x="0" y="0"/>
+          <a:ext cx="0" cy="0"/>
+          <a:chOff x="0" y="0"/>
+          <a:chExt cx="0" cy="0"/>
+        </a:xfrm>
+      </p:grpSpPr>
+      <p:sp>
+        <p:nvSpPr>
+          <p:cNvPr id="2" name="Titel 1"/>
+          <p:cNvSpPr>
+            <a:spLocks noGrp="1"/>
+          </p:cNvSpPr>
+          <p:nvPr>
+            <p:ph type="title"/>
+          </p:nvPr>
+        </p:nvSpPr>
+        <p:spPr/>
+        <p:txBody>
+          <a:bodyPr>
+            <a:normAutofit fontScale="90000"/>
+          </a:bodyPr>
+          <a:lstStyle/>
+          <a:p>
+            <a:r>
+              <a:rPr lang="de-DE" dirty="0" smtClean="0"/>
+              <a:t>SWOT-Analyse</a:t>
+            </a:r>
+            <a:endParaRPr lang="de-DE" dirty="0"/>
+          </a:p>
+        </p:txBody>
+      </p:sp>
+      <p:graphicFrame>
+        <p:nvGraphicFramePr>
+          <p:cNvPr id="12" name="Objekt 11"/>
+          <p:cNvGraphicFramePr>
+            <a:graphicFrameLocks noChangeAspect="1"/>
+          </p:cNvGraphicFramePr>
+          <p:nvPr>
+            <p:extLst>
+              <p:ext uri="{D42A27DB-BD31-4B8C-83A1-F6EECF244321}">
+                <p14:modId xmlns:p14="http://schemas.microsoft.com/office/powerpoint/2010/main" val="1601581181"/>
+              </p:ext>
+            </p:extLst>
+          </p:nvPr>
+        </p:nvGraphicFramePr>
+        <p:xfrm>
+          <a:off x="1143000" y="2097088"/>
+          <a:ext cx="6858000" cy="2663825"/>
+        </p:xfrm>
+        <a:graphic>
+          <a:graphicData uri="http://schemas.openxmlformats.org/presentationml/2006/ole">
+            <mc:AlternateContent xmlns:mc="http://schemas.openxmlformats.org/markup-compatibility/2006">
+              <mc:Choice xmlns:v="urn:schemas-microsoft-com:vml" Requires="v">
+                <p:oleObj spid="_x0000_s2103" name="Dokument" r:id="rId3" imgW="9220200" imgH="3581400" progId="Word.Document.12">
+                  <p:link updateAutomatic="1"/>
+                </p:oleObj>
+              </mc:Choice>
+              <mc:Fallback>
+                <p:oleObj name="Dokument" r:id="rId3" imgW="9220200" imgH="3581400" progId="Word.Document.12">
+                  <p:link updateAutomatic="1"/>
+                  <p:pic>
+                    <p:nvPicPr>
+                      <p:cNvPr id="0" name=""/>
+                      <p:cNvPicPr/>
+                      <p:nvPr/>
+                    </p:nvPicPr>
+                    <p:blipFill>
+                      <a:blip r:embed="rId4"/>
+                      <a:stretch>
+                        <a:fillRect/>
+                      </a:stretch>
+                    </p:blipFill>
+                    <p:spPr>
+                      <a:xfrm>
+                        <a:off x="1143000" y="2097088"/>
+                        <a:ext cx="6858000" cy="2663825"/>
+                      </a:xfrm>
+                      <a:prstGeom prst="rect">
+                        <a:avLst/>
+                      </a:prstGeom>
+                    </p:spPr>
+                  </p:pic>
+                </p:oleObj>
+              </mc:Fallback>
+            </mc:AlternateContent>
+          </a:graphicData>
+        </a:graphic>
+      </p:graphicFrame>
+    </p:spTree>
+    <p:extLst>
+      <p:ext uri="{BB962C8B-B14F-4D97-AF65-F5344CB8AC3E}">
+        <p14:creationId xmlns:p14="http://schemas.microsoft.com/office/powerpoint/2010/main" val="1047508804"/>
+      </p:ext>
+    </p:extLst>
+  </p:cSld>
+  <p:clrMapOvr>
+    <a:masterClrMapping/>
+  </p:clrMapOvr>
+  <mc:AlternateContent xmlns:mc="http://schemas.openxmlformats.org/markup-compatibility/2006" xmlns:p14="http://schemas.microsoft.com/office/powerpoint/2010/main">
+    <mc:Choice Requires="p14">
+      <p:transition spd="slow" p14:dur="1100">
+        <p14:switch dir="r"/>
+      </p:transition>
+    </mc:Choice>
+    <mc:Fallback xmlns="">
+      <p:transition spd="slow">
+        <p:fade/>
+      </p:transition>
+    </mc:Fallback>
+  </mc:AlternateContent>
+  <p:timing>
+    <p:tnLst>
+      <p:par>
+        <p:cTn xmlns:p14="http://schemas.microsoft.com/office/powerpoint/2010/main" id="1" dur="indefinite" restart="never" nodeType="tmRoot"/>
+      </p:par>
+    </p:tnLst>
+  </p:timing>
+</p:sld>
+</file>
+
+<file path=ppt/slides/slide12.xml><?xml version="1.0" encoding="utf-8"?>
+<p:sld xmlns:a="http://schemas.openxmlformats.org/drawingml/2006/main" xmlns:r="http://schemas.openxmlformats.org/officeDocument/2006/relationships" xmlns:p="http://schemas.openxmlformats.org/presentationml/2006/main">
+  <p:cSld>
+    <p:spTree>
+      <p:nvGrpSpPr>
+        <p:cNvPr id="1" name=""/>
+        <p:cNvGrpSpPr/>
+        <p:nvPr/>
+      </p:nvGrpSpPr>
+      <p:grpSpPr>
+        <a:xfrm>
+          <a:off x="0" y="0"/>
+          <a:ext cx="0" cy="0"/>
+          <a:chOff x="0" y="0"/>
+          <a:chExt cx="0" cy="0"/>
+        </a:xfrm>
+      </p:grpSpPr>
+      <p:sp>
+        <p:nvSpPr>
+          <p:cNvPr id="2" name="Titel 1"/>
+          <p:cNvSpPr>
+            <a:spLocks noGrp="1"/>
+          </p:cNvSpPr>
+          <p:nvPr>
+            <p:ph type="title"/>
+          </p:nvPr>
+        </p:nvSpPr>
+        <p:spPr/>
+        <p:txBody>
+          <a:bodyPr>
+            <a:normAutofit fontScale="90000"/>
+          </a:bodyPr>
+          <a:lstStyle/>
+          <a:p>
+            <a:r>
+              <a:rPr lang="de-CH" dirty="0" smtClean="0"/>
+              <a:t>Fazit</a:t>
+            </a:r>
+            <a:endParaRPr lang="de-CH" dirty="0"/>
+          </a:p>
+        </p:txBody>
+      </p:sp>
+      <p:sp>
+        <p:nvSpPr>
+          <p:cNvPr id="3" name="Inhaltsplatzhalter 2"/>
+          <p:cNvSpPr>
+            <a:spLocks noGrp="1"/>
+          </p:cNvSpPr>
+          <p:nvPr>
+            <p:ph idx="1"/>
+          </p:nvPr>
+        </p:nvSpPr>
+        <p:spPr/>
+        <p:txBody>
+          <a:bodyPr/>
+          <a:lstStyle/>
+          <a:p>
+            <a:pPr marL="285750" indent="-285750">
+              <a:buFont typeface="Arial" pitchFamily="34" charset="0"/>
+              <a:buChar char="•"/>
+            </a:pPr>
+            <a:endParaRPr lang="de-CH" dirty="0" smtClean="0"/>
+          </a:p>
+          <a:p>
+            <a:pPr marL="285750" indent="-285750">
+              <a:buFont typeface="Arial" pitchFamily="34" charset="0"/>
+              <a:buChar char="•"/>
+            </a:pPr>
+            <a:endParaRPr lang="de-CH" dirty="0" smtClean="0"/>
+          </a:p>
+          <a:p>
+            <a:pPr marL="285750" indent="-285750">
+              <a:buFont typeface="Arial" pitchFamily="34" charset="0"/>
+              <a:buChar char="•"/>
+            </a:pPr>
+            <a:endParaRPr lang="de-CH" dirty="0" smtClean="0"/>
+          </a:p>
+          <a:p>
+            <a:pPr marL="285750" indent="-285750">
+              <a:buFont typeface="Arial" pitchFamily="34" charset="0"/>
+              <a:buChar char="•"/>
+            </a:pPr>
+            <a:r>
+              <a:rPr lang="de-CH" dirty="0" smtClean="0"/>
+              <a:t>Interessantes und Umfangreiches Themengebiet</a:t>
+            </a:r>
+            <a:endParaRPr lang="de-CH" dirty="0"/>
+          </a:p>
+          <a:p>
+            <a:pPr marL="285750" indent="-285750">
+              <a:buFont typeface="Arial" pitchFamily="34" charset="0"/>
+              <a:buChar char="•"/>
+            </a:pPr>
+            <a:endParaRPr lang="de-CH" dirty="0" smtClean="0"/>
+          </a:p>
+          <a:p>
+            <a:pPr marL="285750" indent="-285750">
+              <a:buFont typeface="Arial" pitchFamily="34" charset="0"/>
+              <a:buChar char="•"/>
+            </a:pPr>
+            <a:r>
+              <a:rPr lang="de-CH" dirty="0" smtClean="0"/>
+              <a:t>Viele noch nicht ausgeschöpfte Anwendungsgebiete</a:t>
+            </a:r>
+          </a:p>
+          <a:p>
+            <a:pPr marL="285750" indent="-285750">
+              <a:buFont typeface="Arial" pitchFamily="34" charset="0"/>
+              <a:buChar char="•"/>
+            </a:pPr>
+            <a:endParaRPr lang="de-CH" dirty="0"/>
+          </a:p>
+          <a:p>
+            <a:pPr marL="285750" indent="-285750">
+              <a:buFont typeface="Arial" pitchFamily="34" charset="0"/>
+              <a:buChar char="•"/>
+            </a:pPr>
+            <a:r>
+              <a:rPr lang="de-CH" dirty="0" smtClean="0"/>
+              <a:t>Genauere Standortbestimmungen durch verbesserte Technologien machen LBS interessanter.</a:t>
+            </a:r>
+          </a:p>
+          <a:p>
+            <a:pPr marL="285750" indent="-285750">
+              <a:buFont typeface="Arial" pitchFamily="34" charset="0"/>
+              <a:buChar char="•"/>
+            </a:pPr>
+            <a:endParaRPr lang="de-CH" dirty="0"/>
+          </a:p>
+          <a:p>
+            <a:pPr marL="285750" indent="-285750">
+              <a:buFont typeface="Arial" pitchFamily="34" charset="0"/>
+              <a:buChar char="•"/>
+            </a:pPr>
+            <a:endParaRPr lang="de-CH" dirty="0"/>
+          </a:p>
+        </p:txBody>
+      </p:sp>
+    </p:spTree>
+    <p:extLst>
+      <p:ext uri="{BB962C8B-B14F-4D97-AF65-F5344CB8AC3E}">
+        <p14:creationId xmlns:p14="http://schemas.microsoft.com/office/powerpoint/2010/main" val="786892501"/>
+      </p:ext>
+    </p:extLst>
+  </p:cSld>
+  <p:clrMapOvr>
+    <a:masterClrMapping/>
+  </p:clrMapOvr>
+  <mc:AlternateContent xmlns:mc="http://schemas.openxmlformats.org/markup-compatibility/2006" xmlns:p14="http://schemas.microsoft.com/office/powerpoint/2010/main">
+    <mc:Choice Requires="p14">
+      <p:transition spd="slow" p14:dur="1100">
+        <p14:switch dir="r"/>
+      </p:transition>
+    </mc:Choice>
+    <mc:Fallback xmlns="">
+      <p:transition spd="slow">
+        <p:fade/>
+      </p:transition>
+    </mc:Fallback>
+  </mc:AlternateContent>
+  <p:timing>
+    <p:tnLst>
+      <p:par>
+        <p:cTn xmlns:p14="http://schemas.microsoft.com/office/powerpoint/2010/main" id="1" dur="indefinite" restart="never" nodeType="tmRoot">
+          <p:childTnLst>
+            <p:seq concurrent="1" nextAc="seek">
+              <p:cTn id="2" dur="indefinite" nodeType="mainSeq">
+                <p:childTnLst>
+                  <p:par>
+                    <p:cTn id="3" fill="hold">
+                      <p:stCondLst>
+                        <p:cond delay="indefinite"/>
+                      </p:stCondLst>
+                      <p:childTnLst>
+                        <p:par>
+                          <p:cTn id="4" fill="hold">
+                            <p:stCondLst>
+                              <p:cond delay="0"/>
+                            </p:stCondLst>
+                            <p:childTnLst>
+                              <p:par>
+                                <p:cTn id="5" presetID="1" presetClass="entr" presetSubtype="0" fill="hold" nodeType="clickEffect">
+                                  <p:stCondLst>
+                                    <p:cond delay="0"/>
+                                  </p:stCondLst>
+                                  <p:childTnLst>
+                                    <p:set>
+                                      <p:cBhvr>
+                                        <p:cTn id="6" dur="1" fill="hold">
+                                          <p:stCondLst>
+                                            <p:cond delay="0"/>
+                                          </p:stCondLst>
+                                        </p:cTn>
+                                        <p:tgtEl>
+                                          <p:spTgt spid="3">
+                                            <p:txEl>
+                                              <p:pRg st="3" end="3"/>
+                                            </p:txEl>
+                                          </p:spTgt>
+                                        </p:tgtEl>
+                                        <p:attrNameLst>
+                                          <p:attrName>style.visibility</p:attrName>
+                                        </p:attrNameLst>
+                                      </p:cBhvr>
+                                      <p:to>
+                                        <p:strVal val="visible"/>
+                                      </p:to>
+                                    </p:set>
+                                  </p:childTnLst>
+                                </p:cTn>
+                              </p:par>
+                            </p:childTnLst>
+                          </p:cTn>
+                        </p:par>
+                      </p:childTnLst>
+                    </p:cTn>
+                  </p:par>
+                  <p:par>
+                    <p:cTn id="7" fill="hold">
+                      <p:stCondLst>
+                        <p:cond delay="indefinite"/>
+                      </p:stCondLst>
+                      <p:childTnLst>
+                        <p:par>
+                          <p:cTn id="8" fill="hold">
+                            <p:stCondLst>
+                              <p:cond delay="0"/>
+                            </p:stCondLst>
+                            <p:childTnLst>
+                              <p:par>
+                                <p:cTn id="9" presetID="1" presetClass="entr" presetSubtype="0" fill="hold" nodeType="clickEffect">
+                                  <p:stCondLst>
+                                    <p:cond delay="0"/>
+                                  </p:stCondLst>
+                                  <p:childTnLst>
+                                    <p:set>
+                                      <p:cBhvr>
+                                        <p:cTn id="10" dur="1" fill="hold">
+                                          <p:stCondLst>
+                                            <p:cond delay="0"/>
+                                          </p:stCondLst>
+                                        </p:cTn>
+                                        <p:tgtEl>
+                                          <p:spTgt spid="3">
+                                            <p:txEl>
+                                              <p:pRg st="5" end="5"/>
+                                            </p:txEl>
+                                          </p:spTgt>
+                                        </p:tgtEl>
+                                        <p:attrNameLst>
+                                          <p:attrName>style.visibility</p:attrName>
+                                        </p:attrNameLst>
+                                      </p:cBhvr>
+                                      <p:to>
+                                        <p:strVal val="visible"/>
+                                      </p:to>
+                                    </p:set>
+                                  </p:childTnLst>
+                                </p:cTn>
+                              </p:par>
+                            </p:childTnLst>
+                          </p:cTn>
+                        </p:par>
+                      </p:childTnLst>
+                    </p:cTn>
+                  </p:par>
+                  <p:par>
+                    <p:cTn id="11" fill="hold">
+                      <p:stCondLst>
+                        <p:cond delay="indefinite"/>
+                      </p:stCondLst>
+                      <p:childTnLst>
+                        <p:par>
+                          <p:cTn id="12" fill="hold">
+                            <p:stCondLst>
+                              <p:cond delay="0"/>
+                            </p:stCondLst>
+                            <p:childTnLst>
+                              <p:par>
+                                <p:cTn id="13" presetID="1" presetClass="entr" presetSubtype="0" fill="hold" nodeType="clickEffect">
+                                  <p:stCondLst>
+                                    <p:cond delay="0"/>
+                                  </p:stCondLst>
+                                  <p:childTnLst>
+                                    <p:set>
+                                      <p:cBhvr>
+                                        <p:cTn id="14" dur="1" fill="hold">
+                                          <p:stCondLst>
+                                            <p:cond delay="0"/>
+                                          </p:stCondLst>
+                                        </p:cTn>
+                                        <p:tgtEl>
+                                          <p:spTgt spid="3">
+                                            <p:txEl>
+                                              <p:pRg st="7" end="7"/>
+                                            </p:txEl>
+                                          </p:spTgt>
+                                        </p:tgtEl>
+                                        <p:attrNameLst>
+                                          <p:attrName>style.visibility</p:attrName>
+                                        </p:attrNameLst>
+                                      </p:cBhvr>
+                                      <p:to>
+                                        <p:strVal val="visible"/>
+                                      </p:to>
+                                    </p:set>
+                                  </p:childTnLst>
+                                </p:cTn>
+                              </p:par>
+                            </p:childTnLst>
+                          </p:cTn>
+                        </p:par>
+                      </p:childTnLst>
+                    </p:cTn>
+                  </p:par>
+                </p:childTnLst>
+              </p:cTn>
+              <p:prevCondLst>
+                <p:cond evt="onPrev" delay="0">
+                  <p:tgtEl>
+                    <p:sldTgt/>
+                  </p:tgtEl>
+                </p:cond>
+              </p:prevCondLst>
+              <p:nextCondLst>
+                <p:cond evt="onNext" delay="0">
+                  <p:tgtEl>
+                    <p:sldTgt/>
+                  </p:tgtEl>
+                </p:cond>
+              </p:nextCondLst>
+            </p:seq>
+          </p:childTnLst>
+        </p:cTn>
+      </p:par>
+    </p:tnLst>
+  </p:timing>
+</p:sld>
+</file>
+
+<file path=ppt/slides/slide13.xml><?xml version="1.0" encoding="utf-8"?>
+<p:sld xmlns:a="http://schemas.openxmlformats.org/drawingml/2006/main" xmlns:r="http://schemas.openxmlformats.org/officeDocument/2006/relationships" xmlns:p="http://schemas.openxmlformats.org/presentationml/2006/main">
+  <p:cSld>
+    <p:spTree>
+      <p:nvGrpSpPr>
+        <p:cNvPr id="1" name=""/>
+        <p:cNvGrpSpPr/>
+        <p:nvPr/>
+      </p:nvGrpSpPr>
+      <p:grpSpPr>
+        <a:xfrm>
+          <a:off x="0" y="0"/>
+          <a:ext cx="0" cy="0"/>
+          <a:chOff x="0" y="0"/>
+          <a:chExt cx="0" cy="0"/>
+        </a:xfrm>
+      </p:grpSpPr>
+      <p:sp>
+        <p:nvSpPr>
+          <p:cNvPr id="5" name="Titel 4"/>
+          <p:cNvSpPr>
+            <a:spLocks noGrp="1"/>
+          </p:cNvSpPr>
+          <p:nvPr>
+            <p:ph type="title"/>
+          </p:nvPr>
+        </p:nvSpPr>
+        <p:spPr/>
+        <p:txBody>
+          <a:bodyPr>
+            <a:normAutofit/>
+          </a:bodyPr>
+          <a:lstStyle/>
+          <a:p>
+            <a:r>
+              <a:rPr lang="de-DE" dirty="0" smtClean="0"/>
+              <a:t>Danke für eure Aufmerksamkeit</a:t>
+            </a:r>
+            <a:endParaRPr lang="de-DE" dirty="0"/>
+          </a:p>
+        </p:txBody>
+      </p:sp>
+    </p:spTree>
+  </p:cSld>
+  <p:clrMapOvr>
+    <a:masterClrMapping/>
+  </p:clrMapOvr>
+  <mc:AlternateContent xmlns:mc="http://schemas.openxmlformats.org/markup-compatibility/2006" xmlns:p14="http://schemas.microsoft.com/office/powerpoint/2010/main">
+    <mc:Choice Requires="p14">
+      <p:transition spd="slow" p14:dur="1600">
+        <p14:gallery dir="l"/>
+      </p:transition>
+    </mc:Choice>
+    <mc:Fallback xmlns="">
+      <p:transition spd="slow">
+        <p:fade/>
+      </p:transition>
+    </mc:Fallback>
+  </mc:AlternateContent>
+  <p:timing>
+    <p:tnLst>
+      <p:par>
+        <p:cTn xmlns:p14="http://schemas.microsoft.com/office/powerpoint/2010/main" id="1" dur="indefinite" restart="never" nodeType="tmRoot"/>
+      </p:par>
+    </p:tnLst>
+  </p:timing>
+</p:sld>
+</file>
+
+<file path=ppt/slides/slide14.xml><?xml version="1.0" encoding="utf-8"?>
+<p:sld xmlns:a="http://schemas.openxmlformats.org/drawingml/2006/main" xmlns:r="http://schemas.openxmlformats.org/officeDocument/2006/relationships" xmlns:p="http://schemas.openxmlformats.org/presentationml/2006/main">
+  <p:cSld>
+    <p:spTree>
+      <p:nvGrpSpPr>
+        <p:cNvPr id="1" name=""/>
+        <p:cNvGrpSpPr/>
+        <p:nvPr/>
+      </p:nvGrpSpPr>
+      <p:grpSpPr>
+        <a:xfrm>
+          <a:off x="0" y="0"/>
+          <a:ext cx="0" cy="0"/>
+          <a:chOff x="0" y="0"/>
+          <a:chExt cx="0" cy="0"/>
+        </a:xfrm>
+      </p:grpSpPr>
+      <p:pic>
+        <p:nvPicPr>
+          <p:cNvPr id="6" name="Bild 5"/>
+          <p:cNvPicPr>
+            <a:picLocks noChangeAspect="1"/>
+          </p:cNvPicPr>
+          <p:nvPr/>
+        </p:nvPicPr>
+        <p:blipFill>
+          <a:blip r:embed="rId3"/>
+          <a:stretch>
+            <a:fillRect/>
+          </a:stretch>
+        </p:blipFill>
+        <p:spPr>
+          <a:xfrm>
+            <a:off x="1117600" y="1295400"/>
+            <a:ext cx="7086600" cy="4504278"/>
+          </a:xfrm>
+          <a:prstGeom prst="rect">
+            <a:avLst/>
+          </a:prstGeom>
+          <a:ln>
+            <a:noFill/>
+          </a:ln>
+          <a:effectLst>
+            <a:outerShdw blurRad="292100" dist="139700" dir="2700000" algn="tl" rotWithShape="0">
+              <a:srgbClr val="333333">
+                <a:alpha val="65000"/>
+              </a:srgbClr>
+            </a:outerShdw>
+          </a:effectLst>
+        </p:spPr>
+      </p:pic>
+    </p:spTree>
+    <p:extLst>
+      <p:ext uri="{BB962C8B-B14F-4D97-AF65-F5344CB8AC3E}">
+        <p14:creationId xmlns:p14="http://schemas.microsoft.com/office/powerpoint/2010/main" val="1920018514"/>
+      </p:ext>
+    </p:extLst>
+  </p:cSld>
+  <p:clrMapOvr>
+    <a:masterClrMapping/>
+  </p:clrMapOvr>
+  <mc:AlternateContent xmlns:mc="http://schemas.openxmlformats.org/markup-compatibility/2006" xmlns:p14="http://schemas.microsoft.com/office/powerpoint/2010/main">
+    <mc:Choice Requires="p14">
+      <p:transition spd="slow" p14:dur="1100">
+        <p14:switch dir="r"/>
       </p:transition>
     </mc:Choice>
     <mc:Fallback xmlns="">
@@ -3033,7 +4493,6 @@
               <a:rPr lang="de-CH" sz="1800" dirty="0" smtClean="0"/>
               <a:t>Technologien</a:t>
             </a:r>
-            <a:endParaRPr lang="de-CH" sz="1800" dirty="0" smtClean="0"/>
           </a:p>
           <a:p>
             <a:pPr marL="342900" indent="-342900">
@@ -3047,7 +4506,6 @@
               <a:rPr lang="de-CH" sz="1800" dirty="0" smtClean="0"/>
               <a:t>Geschäftsmodelle</a:t>
             </a:r>
-            <a:endParaRPr lang="de-CH" sz="1800" dirty="0" smtClean="0"/>
           </a:p>
           <a:p>
             <a:pPr marL="342900" indent="-342900">
@@ -3061,7 +4519,6 @@
               <a:rPr lang="de-CH" sz="1800" dirty="0" smtClean="0"/>
               <a:t>Anwendungsbeispiel</a:t>
             </a:r>
-            <a:endParaRPr lang="de-CH" sz="1800" dirty="0" smtClean="0"/>
           </a:p>
           <a:p>
             <a:pPr marL="342900" indent="-342900">
@@ -3075,7 +4532,6 @@
               <a:rPr lang="de-CH" sz="1800" dirty="0" smtClean="0"/>
               <a:t>Demonstration</a:t>
             </a:r>
-            <a:endParaRPr lang="de-CH" sz="1800" dirty="0" smtClean="0"/>
           </a:p>
           <a:p>
             <a:pPr marL="342900" indent="-342900">
@@ -3089,7 +4545,6 @@
               <a:rPr lang="de-CH" sz="1800" dirty="0" smtClean="0"/>
               <a:t>Fazit</a:t>
             </a:r>
-            <a:endParaRPr lang="de-CH" sz="1800" dirty="0" smtClean="0"/>
           </a:p>
         </p:txBody>
       </p:sp>
@@ -3098,13 +4553,13 @@
   <p:clrMapOvr>
     <a:masterClrMapping/>
   </p:clrMapOvr>
-  <mc:AlternateContent xmlns:mc="http://schemas.openxmlformats.org/markup-compatibility/2006">
-    <mc:Choice xmlns:p14="http://schemas.microsoft.com/office/powerpoint/2010/main" Requires="p14">
+  <mc:AlternateContent xmlns:mc="http://schemas.openxmlformats.org/markup-compatibility/2006" xmlns:p14="http://schemas.microsoft.com/office/powerpoint/2010/main">
+    <mc:Choice Requires="p14">
       <p:transition p14:dur="100">
         <p:cut/>
       </p:transition>
     </mc:Choice>
-    <mc:Fallback>
+    <mc:Fallback xmlns="">
       <p:transition xmlns:p14="http://schemas.microsoft.com/office/powerpoint/2010/main">
         <p:cut/>
       </p:transition>
@@ -3113,9 +4568,329 @@
   <p:timing>
     <p:tnLst>
       <p:par>
-        <p:cTn xmlns:p14="http://schemas.microsoft.com/office/powerpoint/2010/main" id="1" dur="indefinite" restart="never" nodeType="tmRoot"/>
+        <p:cTn xmlns:p14="http://schemas.microsoft.com/office/powerpoint/2010/main" id="1" dur="indefinite" restart="never" nodeType="tmRoot">
+          <p:childTnLst>
+            <p:seq concurrent="1" nextAc="seek">
+              <p:cTn id="2" dur="indefinite" nodeType="mainSeq">
+                <p:childTnLst>
+                  <p:par>
+                    <p:cTn id="3" fill="hold">
+                      <p:stCondLst>
+                        <p:cond delay="indefinite"/>
+                      </p:stCondLst>
+                      <p:childTnLst>
+                        <p:par>
+                          <p:cTn id="4" fill="hold">
+                            <p:stCondLst>
+                              <p:cond delay="0"/>
+                            </p:stCondLst>
+                            <p:childTnLst>
+                              <p:par>
+                                <p:cTn id="5" presetID="1" presetClass="entr" presetSubtype="0" fill="hold" grpId="0" nodeType="clickEffect">
+                                  <p:stCondLst>
+                                    <p:cond delay="0"/>
+                                  </p:stCondLst>
+                                  <p:childTnLst>
+                                    <p:set>
+                                      <p:cBhvr>
+                                        <p:cTn id="6" dur="1" fill="hold">
+                                          <p:stCondLst>
+                                            <p:cond delay="0"/>
+                                          </p:stCondLst>
+                                        </p:cTn>
+                                        <p:tgtEl>
+                                          <p:spTgt spid="2">
+                                            <p:txEl>
+                                              <p:pRg st="0" end="0"/>
+                                            </p:txEl>
+                                          </p:spTgt>
+                                        </p:tgtEl>
+                                        <p:attrNameLst>
+                                          <p:attrName>style.visibility</p:attrName>
+                                        </p:attrNameLst>
+                                      </p:cBhvr>
+                                      <p:to>
+                                        <p:strVal val="visible"/>
+                                      </p:to>
+                                    </p:set>
+                                  </p:childTnLst>
+                                </p:cTn>
+                              </p:par>
+                            </p:childTnLst>
+                          </p:cTn>
+                        </p:par>
+                      </p:childTnLst>
+                    </p:cTn>
+                  </p:par>
+                  <p:par>
+                    <p:cTn id="7" fill="hold">
+                      <p:stCondLst>
+                        <p:cond delay="indefinite"/>
+                      </p:stCondLst>
+                      <p:childTnLst>
+                        <p:par>
+                          <p:cTn id="8" fill="hold">
+                            <p:stCondLst>
+                              <p:cond delay="0"/>
+                            </p:stCondLst>
+                            <p:childTnLst>
+                              <p:par>
+                                <p:cTn id="9" presetID="1" presetClass="entr" presetSubtype="0" fill="hold" grpId="0" nodeType="clickEffect">
+                                  <p:stCondLst>
+                                    <p:cond delay="0"/>
+                                  </p:stCondLst>
+                                  <p:childTnLst>
+                                    <p:set>
+                                      <p:cBhvr>
+                                        <p:cTn id="10" dur="1" fill="hold">
+                                          <p:stCondLst>
+                                            <p:cond delay="0"/>
+                                          </p:stCondLst>
+                                        </p:cTn>
+                                        <p:tgtEl>
+                                          <p:spTgt spid="2">
+                                            <p:txEl>
+                                              <p:pRg st="1" end="1"/>
+                                            </p:txEl>
+                                          </p:spTgt>
+                                        </p:tgtEl>
+                                        <p:attrNameLst>
+                                          <p:attrName>style.visibility</p:attrName>
+                                        </p:attrNameLst>
+                                      </p:cBhvr>
+                                      <p:to>
+                                        <p:strVal val="visible"/>
+                                      </p:to>
+                                    </p:set>
+                                  </p:childTnLst>
+                                </p:cTn>
+                              </p:par>
+                            </p:childTnLst>
+                          </p:cTn>
+                        </p:par>
+                      </p:childTnLst>
+                    </p:cTn>
+                  </p:par>
+                  <p:par>
+                    <p:cTn id="11" fill="hold">
+                      <p:stCondLst>
+                        <p:cond delay="indefinite"/>
+                      </p:stCondLst>
+                      <p:childTnLst>
+                        <p:par>
+                          <p:cTn id="12" fill="hold">
+                            <p:stCondLst>
+                              <p:cond delay="0"/>
+                            </p:stCondLst>
+                            <p:childTnLst>
+                              <p:par>
+                                <p:cTn id="13" presetID="1" presetClass="entr" presetSubtype="0" fill="hold" grpId="0" nodeType="clickEffect">
+                                  <p:stCondLst>
+                                    <p:cond delay="0"/>
+                                  </p:stCondLst>
+                                  <p:childTnLst>
+                                    <p:set>
+                                      <p:cBhvr>
+                                        <p:cTn id="14" dur="1" fill="hold">
+                                          <p:stCondLst>
+                                            <p:cond delay="0"/>
+                                          </p:stCondLst>
+                                        </p:cTn>
+                                        <p:tgtEl>
+                                          <p:spTgt spid="2">
+                                            <p:txEl>
+                                              <p:pRg st="2" end="2"/>
+                                            </p:txEl>
+                                          </p:spTgt>
+                                        </p:tgtEl>
+                                        <p:attrNameLst>
+                                          <p:attrName>style.visibility</p:attrName>
+                                        </p:attrNameLst>
+                                      </p:cBhvr>
+                                      <p:to>
+                                        <p:strVal val="visible"/>
+                                      </p:to>
+                                    </p:set>
+                                  </p:childTnLst>
+                                </p:cTn>
+                              </p:par>
+                            </p:childTnLst>
+                          </p:cTn>
+                        </p:par>
+                      </p:childTnLst>
+                    </p:cTn>
+                  </p:par>
+                  <p:par>
+                    <p:cTn id="15" fill="hold">
+                      <p:stCondLst>
+                        <p:cond delay="indefinite"/>
+                      </p:stCondLst>
+                      <p:childTnLst>
+                        <p:par>
+                          <p:cTn id="16" fill="hold">
+                            <p:stCondLst>
+                              <p:cond delay="0"/>
+                            </p:stCondLst>
+                            <p:childTnLst>
+                              <p:par>
+                                <p:cTn id="17" presetID="1" presetClass="entr" presetSubtype="0" fill="hold" grpId="0" nodeType="clickEffect">
+                                  <p:stCondLst>
+                                    <p:cond delay="0"/>
+                                  </p:stCondLst>
+                                  <p:childTnLst>
+                                    <p:set>
+                                      <p:cBhvr>
+                                        <p:cTn id="18" dur="1" fill="hold">
+                                          <p:stCondLst>
+                                            <p:cond delay="0"/>
+                                          </p:stCondLst>
+                                        </p:cTn>
+                                        <p:tgtEl>
+                                          <p:spTgt spid="2">
+                                            <p:txEl>
+                                              <p:pRg st="3" end="3"/>
+                                            </p:txEl>
+                                          </p:spTgt>
+                                        </p:tgtEl>
+                                        <p:attrNameLst>
+                                          <p:attrName>style.visibility</p:attrName>
+                                        </p:attrNameLst>
+                                      </p:cBhvr>
+                                      <p:to>
+                                        <p:strVal val="visible"/>
+                                      </p:to>
+                                    </p:set>
+                                  </p:childTnLst>
+                                </p:cTn>
+                              </p:par>
+                            </p:childTnLst>
+                          </p:cTn>
+                        </p:par>
+                      </p:childTnLst>
+                    </p:cTn>
+                  </p:par>
+                  <p:par>
+                    <p:cTn id="19" fill="hold">
+                      <p:stCondLst>
+                        <p:cond delay="indefinite"/>
+                      </p:stCondLst>
+                      <p:childTnLst>
+                        <p:par>
+                          <p:cTn id="20" fill="hold">
+                            <p:stCondLst>
+                              <p:cond delay="0"/>
+                            </p:stCondLst>
+                            <p:childTnLst>
+                              <p:par>
+                                <p:cTn id="21" presetID="1" presetClass="entr" presetSubtype="0" fill="hold" grpId="0" nodeType="clickEffect">
+                                  <p:stCondLst>
+                                    <p:cond delay="0"/>
+                                  </p:stCondLst>
+                                  <p:childTnLst>
+                                    <p:set>
+                                      <p:cBhvr>
+                                        <p:cTn id="22" dur="1" fill="hold">
+                                          <p:stCondLst>
+                                            <p:cond delay="0"/>
+                                          </p:stCondLst>
+                                        </p:cTn>
+                                        <p:tgtEl>
+                                          <p:spTgt spid="2">
+                                            <p:txEl>
+                                              <p:pRg st="4" end="4"/>
+                                            </p:txEl>
+                                          </p:spTgt>
+                                        </p:tgtEl>
+                                        <p:attrNameLst>
+                                          <p:attrName>style.visibility</p:attrName>
+                                        </p:attrNameLst>
+                                      </p:cBhvr>
+                                      <p:to>
+                                        <p:strVal val="visible"/>
+                                      </p:to>
+                                    </p:set>
+                                  </p:childTnLst>
+                                </p:cTn>
+                              </p:par>
+                            </p:childTnLst>
+                          </p:cTn>
+                        </p:par>
+                      </p:childTnLst>
+                    </p:cTn>
+                  </p:par>
+                  <p:par>
+                    <p:cTn id="23" fill="hold">
+                      <p:stCondLst>
+                        <p:cond delay="indefinite"/>
+                      </p:stCondLst>
+                      <p:childTnLst>
+                        <p:par>
+                          <p:cTn id="24" fill="hold">
+                            <p:stCondLst>
+                              <p:cond delay="0"/>
+                            </p:stCondLst>
+                            <p:childTnLst>
+                              <p:par>
+                                <p:cTn id="25" presetID="1" presetClass="entr" presetSubtype="0" fill="hold" grpId="0" nodeType="clickEffect">
+                                  <p:stCondLst>
+                                    <p:cond delay="0"/>
+                                  </p:stCondLst>
+                                  <p:childTnLst>
+                                    <p:set>
+                                      <p:cBhvr>
+                                        <p:cTn id="26" dur="1" fill="hold">
+                                          <p:stCondLst>
+                                            <p:cond delay="0"/>
+                                          </p:stCondLst>
+                                        </p:cTn>
+                                        <p:tgtEl>
+                                          <p:spTgt spid="2">
+                                            <p:txEl>
+                                              <p:pRg st="5" end="5"/>
+                                            </p:txEl>
+                                          </p:spTgt>
+                                        </p:tgtEl>
+                                        <p:attrNameLst>
+                                          <p:attrName>style.visibility</p:attrName>
+                                        </p:attrNameLst>
+                                      </p:cBhvr>
+                                      <p:to>
+                                        <p:strVal val="visible"/>
+                                      </p:to>
+                                    </p:set>
+                                  </p:childTnLst>
+                                </p:cTn>
+                              </p:par>
+                            </p:childTnLst>
+                          </p:cTn>
+                        </p:par>
+                      </p:childTnLst>
+                    </p:cTn>
+                  </p:par>
+                </p:childTnLst>
+              </p:cTn>
+              <p:prevCondLst>
+                <p:cond evt="onPrev" delay="0">
+                  <p:tgtEl>
+                    <p:sldTgt/>
+                  </p:tgtEl>
+                </p:cond>
+              </p:prevCondLst>
+              <p:nextCondLst>
+                <p:cond evt="onNext" delay="0">
+                  <p:tgtEl>
+                    <p:sldTgt/>
+                  </p:tgtEl>
+                </p:cond>
+              </p:nextCondLst>
+            </p:seq>
+          </p:childTnLst>
+        </p:cTn>
       </p:par>
     </p:tnLst>
+    <p:bldLst>
+      <p:bldP spid="2" grpId="0" build="p"/>
+    </p:bldLst>
   </p:timing>
 </p:sld>
 </file>
@@ -3192,17 +4967,8 @@
           <a:p>
             <a:r>
               <a:rPr lang="de-CH" dirty="0" smtClean="0"/>
-              <a:t>Was </a:t>
-            </a:r>
-            <a:r>
-              <a:rPr lang="de-CH" dirty="0" smtClean="0"/>
-              <a:t>sind </a:t>
-            </a:r>
-            <a:r>
-              <a:rPr lang="de-CH" dirty="0" smtClean="0"/>
-              <a:t>eigentlich LBS?</a:t>
-            </a:r>
-            <a:endParaRPr lang="de-CH" dirty="0" smtClean="0"/>
+              <a:t>Was sind eigentlich LBS?</a:t>
+            </a:r>
           </a:p>
           <a:p>
             <a:endParaRPr lang="de-CH" dirty="0" smtClean="0"/>
@@ -3214,7 +4980,7 @@
             </a:pPr>
             <a:r>
               <a:rPr lang="de-CH" b="0" dirty="0" smtClean="0"/>
-              <a:t>Unterthema der Schwarmintelligenz</a:t>
+              <a:t>Ortsbezogene Dienste</a:t>
             </a:r>
           </a:p>
           <a:p>
@@ -3224,24 +4990,8 @@
             </a:pPr>
             <a:r>
               <a:rPr lang="de-CH" b="0" dirty="0" smtClean="0"/>
-              <a:t>Lösung von Optimierungsproblemen anhand intelligenter Verhaltensweisen von Ameisen</a:t>
-            </a:r>
-          </a:p>
-          <a:p>
-            <a:endParaRPr lang="de-CH" dirty="0"/>
-          </a:p>
-          <a:p>
-            <a:endParaRPr lang="de-CH" dirty="0" smtClean="0"/>
-          </a:p>
-          <a:p>
-            <a:r>
-              <a:rPr lang="de-CH" dirty="0" smtClean="0"/>
-              <a:t>Fokus</a:t>
-            </a:r>
-            <a:endParaRPr lang="de-CH" dirty="0" smtClean="0"/>
-          </a:p>
-          <a:p>
-            <a:endParaRPr lang="de-CH" dirty="0" smtClean="0"/>
+              <a:t>Nutzung meistens mit mobilen Geräten</a:t>
+            </a:r>
           </a:p>
           <a:p>
             <a:pPr marL="285750" indent="-285750">
@@ -3250,7 +5000,7 @@
             </a:pPr>
             <a:r>
               <a:rPr lang="de-CH" b="0" dirty="0" smtClean="0"/>
-              <a:t>Technologien</a:t>
+              <a:t>Nutzer: Standortbasierte Informationen sollen Mehrwert bieten</a:t>
             </a:r>
             <a:endParaRPr lang="de-CH" b="0" dirty="0" smtClean="0"/>
           </a:p>
@@ -3261,9 +5011,57 @@
             </a:pPr>
             <a:r>
               <a:rPr lang="de-CH" b="0" dirty="0" smtClean="0"/>
+              <a:t>Dienstleister: Lokalisierung </a:t>
+            </a:r>
+            <a:r>
+              <a:rPr lang="de-CH" b="0" dirty="0" smtClean="0"/>
+              <a:t>der Nutzer bringt zielgerichtete Angebotssteuerung </a:t>
+            </a:r>
+          </a:p>
+          <a:p>
+            <a:endParaRPr lang="de-CH" dirty="0"/>
+          </a:p>
+          <a:p>
+            <a:endParaRPr lang="de-CH" dirty="0" smtClean="0"/>
+          </a:p>
+          <a:p>
+            <a:r>
+              <a:rPr lang="de-CH" dirty="0" smtClean="0"/>
+              <a:t>Fokus</a:t>
+            </a:r>
+          </a:p>
+          <a:p>
+            <a:endParaRPr lang="de-CH" dirty="0" smtClean="0"/>
+          </a:p>
+          <a:p>
+            <a:pPr marL="285750" indent="-285750">
+              <a:buFont typeface="Arial" pitchFamily="34" charset="0"/>
+              <a:buChar char="•"/>
+            </a:pPr>
+            <a:r>
+              <a:rPr lang="de-CH" b="0" dirty="0" smtClean="0"/>
+              <a:t>Technologien</a:t>
+            </a:r>
+          </a:p>
+          <a:p>
+            <a:pPr marL="285750" indent="-285750">
+              <a:buFont typeface="Arial" pitchFamily="34" charset="0"/>
+              <a:buChar char="•"/>
+            </a:pPr>
+            <a:r>
+              <a:rPr lang="de-CH" b="0" dirty="0" smtClean="0"/>
               <a:t>Geschäftsmodelle</a:t>
             </a:r>
-            <a:endParaRPr lang="de-CH" b="0" dirty="0" smtClean="0"/>
+          </a:p>
+          <a:p>
+            <a:pPr marL="285750" indent="-285750">
+              <a:buFont typeface="Arial" pitchFamily="34" charset="0"/>
+              <a:buChar char="•"/>
+            </a:pPr>
+            <a:r>
+              <a:rPr lang="de-CH" b="0" dirty="0" smtClean="0"/>
+              <a:t>Anwendungsbeispiel</a:t>
+            </a:r>
           </a:p>
         </p:txBody>
       </p:sp>
@@ -3325,7 +5123,7 @@
                                         <p:tgtEl>
                                           <p:spTgt spid="4">
                                             <p:txEl>
-                                              <p:pRg st="8" end="8"/>
+                                              <p:pRg st="2" end="2"/>
                                             </p:txEl>
                                           </p:spTgt>
                                         </p:tgtEl>
@@ -3340,15 +5138,229 @@
                                   </p:childTnLst>
                                 </p:cTn>
                               </p:par>
+                            </p:childTnLst>
+                          </p:cTn>
+                        </p:par>
+                      </p:childTnLst>
+                    </p:cTn>
+                  </p:par>
+                  <p:par>
+                    <p:cTn id="7" fill="hold">
+                      <p:stCondLst>
+                        <p:cond delay="indefinite"/>
+                      </p:stCondLst>
+                      <p:childTnLst>
+                        <p:par>
+                          <p:cTn id="8" fill="hold">
+                            <p:stCondLst>
+                              <p:cond delay="0"/>
+                            </p:stCondLst>
+                            <p:childTnLst>
                               <p:par>
-                                <p:cTn id="7" presetID="1" presetClass="entr" presetSubtype="0" fill="hold" nodeType="withEffect">
+                                <p:cTn id="9" presetID="1" presetClass="entr" presetSubtype="0" fill="hold" nodeType="clickEffect">
                                   <p:stCondLst>
                                     <p:cond delay="0"/>
                                   </p:stCondLst>
                                   <p:childTnLst>
                                     <p:set>
                                       <p:cBhvr>
-                                        <p:cTn id="8" dur="1" fill="hold">
+                                        <p:cTn id="10" dur="1" fill="hold">
+                                          <p:stCondLst>
+                                            <p:cond delay="0"/>
+                                          </p:stCondLst>
+                                        </p:cTn>
+                                        <p:tgtEl>
+                                          <p:spTgt spid="4">
+                                            <p:txEl>
+                                              <p:pRg st="4" end="4"/>
+                                            </p:txEl>
+                                          </p:spTgt>
+                                        </p:tgtEl>
+                                        <p:attrNameLst>
+                                          <p:attrName>style.visibility</p:attrName>
+                                        </p:attrNameLst>
+                                      </p:cBhvr>
+                                      <p:to>
+                                        <p:strVal val="visible"/>
+                                      </p:to>
+                                    </p:set>
+                                  </p:childTnLst>
+                                </p:cTn>
+                              </p:par>
+                            </p:childTnLst>
+                          </p:cTn>
+                        </p:par>
+                      </p:childTnLst>
+                    </p:cTn>
+                  </p:par>
+                  <p:par>
+                    <p:cTn id="11" fill="hold">
+                      <p:stCondLst>
+                        <p:cond delay="indefinite"/>
+                      </p:stCondLst>
+                      <p:childTnLst>
+                        <p:par>
+                          <p:cTn id="12" fill="hold">
+                            <p:stCondLst>
+                              <p:cond delay="0"/>
+                            </p:stCondLst>
+                            <p:childTnLst>
+                              <p:par>
+                                <p:cTn id="13" presetID="1" presetClass="entr" presetSubtype="0" fill="hold" nodeType="clickEffect">
+                                  <p:stCondLst>
+                                    <p:cond delay="0"/>
+                                  </p:stCondLst>
+                                  <p:childTnLst>
+                                    <p:set>
+                                      <p:cBhvr>
+                                        <p:cTn id="14" dur="1" fill="hold">
+                                          <p:stCondLst>
+                                            <p:cond delay="0"/>
+                                          </p:stCondLst>
+                                        </p:cTn>
+                                        <p:tgtEl>
+                                          <p:spTgt spid="4">
+                                            <p:txEl>
+                                              <p:pRg st="5" end="5"/>
+                                            </p:txEl>
+                                          </p:spTgt>
+                                        </p:tgtEl>
+                                        <p:attrNameLst>
+                                          <p:attrName>style.visibility</p:attrName>
+                                        </p:attrNameLst>
+                                      </p:cBhvr>
+                                      <p:to>
+                                        <p:strVal val="visible"/>
+                                      </p:to>
+                                    </p:set>
+                                  </p:childTnLst>
+                                </p:cTn>
+                              </p:par>
+                            </p:childTnLst>
+                          </p:cTn>
+                        </p:par>
+                      </p:childTnLst>
+                    </p:cTn>
+                  </p:par>
+                  <p:par>
+                    <p:cTn id="15" fill="hold">
+                      <p:stCondLst>
+                        <p:cond delay="indefinite"/>
+                      </p:stCondLst>
+                      <p:childTnLst>
+                        <p:par>
+                          <p:cTn id="16" fill="hold">
+                            <p:stCondLst>
+                              <p:cond delay="0"/>
+                            </p:stCondLst>
+                            <p:childTnLst>
+                              <p:par>
+                                <p:cTn id="17" presetID="1" presetClass="entr" presetSubtype="0" fill="hold" nodeType="clickEffect">
+                                  <p:stCondLst>
+                                    <p:cond delay="0"/>
+                                  </p:stCondLst>
+                                  <p:childTnLst>
+                                    <p:set>
+                                      <p:cBhvr>
+                                        <p:cTn id="18" dur="1" fill="hold">
+                                          <p:stCondLst>
+                                            <p:cond delay="0"/>
+                                          </p:stCondLst>
+                                        </p:cTn>
+                                        <p:tgtEl>
+                                          <p:spTgt spid="4">
+                                            <p:txEl>
+                                              <p:pRg st="6" end="6"/>
+                                            </p:txEl>
+                                          </p:spTgt>
+                                        </p:tgtEl>
+                                        <p:attrNameLst>
+                                          <p:attrName>style.visibility</p:attrName>
+                                        </p:attrNameLst>
+                                      </p:cBhvr>
+                                      <p:to>
+                                        <p:strVal val="visible"/>
+                                      </p:to>
+                                    </p:set>
+                                  </p:childTnLst>
+                                </p:cTn>
+                              </p:par>
+                            </p:childTnLst>
+                          </p:cTn>
+                        </p:par>
+                      </p:childTnLst>
+                    </p:cTn>
+                  </p:par>
+                  <p:par>
+                    <p:cTn id="19" fill="hold">
+                      <p:stCondLst>
+                        <p:cond delay="indefinite"/>
+                      </p:stCondLst>
+                      <p:childTnLst>
+                        <p:par>
+                          <p:cTn id="20" fill="hold">
+                            <p:stCondLst>
+                              <p:cond delay="0"/>
+                            </p:stCondLst>
+                            <p:childTnLst>
+                              <p:par>
+                                <p:cTn id="21" presetID="1" presetClass="entr" presetSubtype="0" fill="hold" nodeType="clickEffect">
+                                  <p:stCondLst>
+                                    <p:cond delay="0"/>
+                                  </p:stCondLst>
+                                  <p:childTnLst>
+                                    <p:set>
+                                      <p:cBhvr>
+                                        <p:cTn id="22" dur="1" fill="hold">
+                                          <p:stCondLst>
+                                            <p:cond delay="0"/>
+                                          </p:stCondLst>
+                                        </p:cTn>
+                                        <p:tgtEl>
+                                          <p:spTgt spid="4">
+                                            <p:txEl>
+                                              <p:pRg st="7" end="7"/>
+                                            </p:txEl>
+                                          </p:spTgt>
+                                        </p:tgtEl>
+                                        <p:attrNameLst>
+                                          <p:attrName>style.visibility</p:attrName>
+                                        </p:attrNameLst>
+                                      </p:cBhvr>
+                                      <p:to>
+                                        <p:strVal val="visible"/>
+                                      </p:to>
+                                    </p:set>
+                                  </p:childTnLst>
+                                </p:cTn>
+                              </p:par>
+                            </p:childTnLst>
+                          </p:cTn>
+                        </p:par>
+                      </p:childTnLst>
+                    </p:cTn>
+                  </p:par>
+                  <p:par>
+                    <p:cTn id="23" fill="hold">
+                      <p:stCondLst>
+                        <p:cond delay="indefinite"/>
+                      </p:stCondLst>
+                      <p:childTnLst>
+                        <p:par>
+                          <p:cTn id="24" fill="hold">
+                            <p:stCondLst>
+                              <p:cond delay="0"/>
+                            </p:stCondLst>
+                            <p:childTnLst>
+                              <p:par>
+                                <p:cTn id="25" presetID="1" presetClass="entr" presetSubtype="0" fill="hold" nodeType="clickEffect">
+                                  <p:stCondLst>
+                                    <p:cond delay="0"/>
+                                  </p:stCondLst>
+                                  <p:childTnLst>
+                                    <p:set>
+                                      <p:cBhvr>
+                                        <p:cTn id="26" dur="1" fill="hold">
                                           <p:stCondLst>
                                             <p:cond delay="0"/>
                                           </p:stCondLst>
@@ -3371,15 +5383,33 @@
                                   </p:childTnLst>
                                 </p:cTn>
                               </p:par>
+                            </p:childTnLst>
+                          </p:cTn>
+                        </p:par>
+                      </p:childTnLst>
+                    </p:cTn>
+                  </p:par>
+                  <p:par>
+                    <p:cTn id="27" fill="hold">
+                      <p:stCondLst>
+                        <p:cond delay="indefinite"/>
+                      </p:stCondLst>
+                      <p:childTnLst>
+                        <p:par>
+                          <p:cTn id="28" fill="hold">
+                            <p:stCondLst>
+                              <p:cond delay="0"/>
+                            </p:stCondLst>
+                            <p:childTnLst>
                               <p:par>
-                                <p:cTn id="9" presetID="1" presetClass="entr" presetSubtype="0" fill="hold" nodeType="withEffect">
+                                <p:cTn id="29" presetID="1" presetClass="entr" presetSubtype="0" fill="hold" nodeType="clickEffect">
                                   <p:stCondLst>
                                     <p:cond delay="0"/>
                                   </p:stCondLst>
                                   <p:childTnLst>
                                     <p:set>
                                       <p:cBhvr>
-                                        <p:cTn id="10" dur="1" fill="hold">
+                                        <p:cTn id="30" dur="1" fill="hold">
                                           <p:stCondLst>
                                             <p:cond delay="0"/>
                                           </p:stCondLst>
@@ -3387,7 +5417,105 @@
                                         <p:tgtEl>
                                           <p:spTgt spid="4">
                                             <p:txEl>
-                                              <p:pRg st="11" end="11"/>
+                                              <p:pRg st="12" end="12"/>
+                                            </p:txEl>
+                                          </p:spTgt>
+                                        </p:tgtEl>
+                                        <p:attrNameLst>
+                                          <p:attrName>style.visibility</p:attrName>
+                                        </p:attrNameLst>
+                                      </p:cBhvr>
+                                      <p:to>
+                                        <p:strVal val="visible"/>
+                                      </p:to>
+                                    </p:set>
+                                  </p:childTnLst>
+                                </p:cTn>
+                              </p:par>
+                            </p:childTnLst>
+                          </p:cTn>
+                        </p:par>
+                      </p:childTnLst>
+                    </p:cTn>
+                  </p:par>
+                  <p:par>
+                    <p:cTn id="31" fill="hold">
+                      <p:stCondLst>
+                        <p:cond delay="indefinite"/>
+                      </p:stCondLst>
+                      <p:childTnLst>
+                        <p:par>
+                          <p:cTn id="32" fill="hold">
+                            <p:stCondLst>
+                              <p:cond delay="0"/>
+                            </p:stCondLst>
+                            <p:childTnLst>
+                              <p:par>
+                                <p:cTn id="33" presetID="1" presetClass="entr" presetSubtype="0" fill="hold" nodeType="clickEffect">
+                                  <p:stCondLst>
+                                    <p:cond delay="0"/>
+                                  </p:stCondLst>
+                                  <p:childTnLst>
+                                    <p:set>
+                                      <p:cBhvr>
+                                        <p:cTn id="34" dur="1" fill="hold">
+                                          <p:stCondLst>
+                                            <p:cond delay="0"/>
+                                          </p:stCondLst>
+                                        </p:cTn>
+                                        <p:tgtEl>
+                                          <p:spTgt spid="4">
+                                            <p:txEl>
+                                              <p:pRg st="13" end="13"/>
+                                            </p:txEl>
+                                          </p:spTgt>
+                                        </p:tgtEl>
+                                        <p:attrNameLst>
+                                          <p:attrName>style.visibility</p:attrName>
+                                        </p:attrNameLst>
+                                      </p:cBhvr>
+                                      <p:to>
+                                        <p:strVal val="visible"/>
+                                      </p:to>
+                                    </p:set>
+                                  </p:childTnLst>
+                                </p:cTn>
+                              </p:par>
+                            </p:childTnLst>
+                          </p:cTn>
+                        </p:par>
+                      </p:childTnLst>
+                    </p:cTn>
+                  </p:par>
+                  <p:par>
+                    <p:cTn id="35" fill="hold">
+                      <p:stCondLst>
+                        <p:cond delay="indefinite"/>
+                      </p:stCondLst>
+                      <p:childTnLst>
+                        <p:par>
+                          <p:cTn id="36" fill="hold">
+                            <p:stCondLst>
+                              <p:cond delay="0"/>
+                            </p:stCondLst>
+                            <p:childTnLst>
+                              <p:par>
+                                <p:cTn id="37" presetID="1" presetClass="entr" presetSubtype="0" fill="hold" nodeType="clickEffect">
+                                  <p:stCondLst>
+                                    <p:cond delay="0"/>
+                                  </p:stCondLst>
+                                  <p:childTnLst>
+                                    <p:set>
+                                      <p:cBhvr>
+                                        <p:cTn id="38" dur="1" fill="hold">
+                                          <p:stCondLst>
+                                            <p:cond delay="0"/>
+                                          </p:stCondLst>
+                                        </p:cTn>
+                                        <p:tgtEl>
+                                          <p:spTgt spid="4">
+                                            <p:txEl>
+                                              <p:pRg st="14" end="14"/>
                                             </p:txEl>
                                           </p:spTgt>
                                         </p:tgtEl>
@@ -3467,46 +5595,215 @@
           </a:bodyPr>
           <a:lstStyle/>
           <a:p>
-            <a:endParaRPr lang="de-DE"/>
+            <a:r>
+              <a:rPr lang="de-DE" dirty="0" smtClean="0"/>
+              <a:t>Technologien</a:t>
+            </a:r>
+            <a:endParaRPr lang="de-DE" dirty="0"/>
           </a:p>
         </p:txBody>
       </p:sp>
       <p:sp>
         <p:nvSpPr>
-          <p:cNvPr id="4" name="Textfeld 3"/>
-          <p:cNvSpPr txBox="1"/>
-          <p:nvPr/>
+          <p:cNvPr id="5" name="Inhaltsplatzhalter 3"/>
+          <p:cNvSpPr>
+            <a:spLocks noGrp="1"/>
+          </p:cNvSpPr>
+          <p:nvPr>
+            <p:ph idx="1"/>
+          </p:nvPr>
         </p:nvSpPr>
         <p:spPr>
           <a:xfrm>
-            <a:off x="769617" y="2386228"/>
-            <a:ext cx="7635424" cy="1446550"/>
+            <a:off x="1815240" y="1656000"/>
+            <a:ext cx="6984000" cy="4525963"/>
+          </a:xfrm>
+        </p:spPr>
+        <p:txBody>
+          <a:bodyPr>
+            <a:normAutofit/>
+          </a:bodyPr>
+          <a:lstStyle/>
+          <a:p>
+            <a:endParaRPr lang="de-CH" dirty="0" smtClean="0"/>
+          </a:p>
+          <a:p>
+            <a:endParaRPr lang="de-CH" dirty="0"/>
+          </a:p>
+          <a:p>
+            <a:r>
+              <a:rPr lang="de-CH" dirty="0" smtClean="0"/>
+              <a:t>Welche Technologien werden verwendet?</a:t>
+            </a:r>
+          </a:p>
+          <a:p>
+            <a:endParaRPr lang="de-CH" dirty="0" smtClean="0"/>
+          </a:p>
+          <a:p>
+            <a:pPr marL="285750" indent="-285750">
+              <a:buFont typeface="Arial"/>
+              <a:buChar char="•"/>
+            </a:pPr>
+            <a:r>
+              <a:rPr lang="de-DE" b="0" dirty="0"/>
+              <a:t>Die einfache Benutzereingabe </a:t>
+            </a:r>
+            <a:endParaRPr lang="de-DE" b="0" dirty="0" smtClean="0"/>
+          </a:p>
+          <a:p>
+            <a:pPr marL="285750" indent="-285750">
+              <a:buFont typeface="Arial"/>
+              <a:buChar char="•"/>
+            </a:pPr>
+            <a:r>
+              <a:rPr lang="de-DE" b="0" dirty="0" smtClean="0"/>
+              <a:t>GPS </a:t>
+            </a:r>
+            <a:r>
+              <a:rPr lang="de-DE" b="0" dirty="0"/>
+              <a:t>- Global </a:t>
+            </a:r>
+            <a:r>
+              <a:rPr lang="de-DE" b="0" dirty="0" err="1"/>
+              <a:t>Positioning</a:t>
+            </a:r>
+            <a:r>
+              <a:rPr lang="de-DE" b="0" dirty="0"/>
+              <a:t> System </a:t>
+            </a:r>
+          </a:p>
+          <a:p>
+            <a:pPr marL="285750" indent="-285750">
+              <a:buFont typeface="Arial"/>
+              <a:buChar char="•"/>
+            </a:pPr>
+            <a:r>
+              <a:rPr lang="de-DE" b="0" dirty="0" smtClean="0"/>
+              <a:t>GSM </a:t>
+            </a:r>
+            <a:r>
+              <a:rPr lang="de-DE" b="0" dirty="0"/>
+              <a:t>- Global System </a:t>
+            </a:r>
+            <a:r>
+              <a:rPr lang="de-DE" b="0" dirty="0" err="1"/>
+              <a:t>for</a:t>
+            </a:r>
+            <a:r>
+              <a:rPr lang="de-DE" b="0" dirty="0"/>
+              <a:t> Mobile Communications </a:t>
+            </a:r>
+          </a:p>
+          <a:p>
+            <a:pPr marL="285750" indent="-285750">
+              <a:buFont typeface="Arial"/>
+              <a:buChar char="•"/>
+            </a:pPr>
+            <a:r>
+              <a:rPr lang="de-DE" b="0" dirty="0"/>
+              <a:t>A-GPS - </a:t>
+            </a:r>
+            <a:r>
+              <a:rPr lang="de-DE" b="0" dirty="0" err="1"/>
+              <a:t>Assisted</a:t>
+            </a:r>
+            <a:r>
+              <a:rPr lang="de-DE" b="0" dirty="0"/>
+              <a:t> Global </a:t>
+            </a:r>
+            <a:r>
+              <a:rPr lang="de-DE" b="0" dirty="0" err="1"/>
+              <a:t>Positioning</a:t>
+            </a:r>
+            <a:r>
+              <a:rPr lang="de-DE" b="0" dirty="0"/>
+              <a:t> System </a:t>
+            </a:r>
+          </a:p>
+          <a:p>
+            <a:pPr marL="285750" indent="-285750">
+              <a:buFont typeface="Arial"/>
+              <a:buChar char="•"/>
+            </a:pPr>
+            <a:r>
+              <a:rPr lang="de-DE" b="0" dirty="0"/>
+              <a:t>WLAN MAC Adresse </a:t>
+            </a:r>
+          </a:p>
+          <a:p>
+            <a:pPr marL="285750" indent="-285750">
+              <a:buFont typeface="Arial"/>
+              <a:buChar char="•"/>
+            </a:pPr>
+            <a:r>
+              <a:rPr lang="de-DE" b="0" dirty="0"/>
+              <a:t>IP </a:t>
+            </a:r>
+            <a:r>
+              <a:rPr lang="de-DE" b="0" dirty="0" smtClean="0"/>
+              <a:t>Adresse</a:t>
+            </a:r>
+            <a:endParaRPr lang="de-DE" b="0" dirty="0"/>
+          </a:p>
+        </p:txBody>
+      </p:sp>
+      <p:pic>
+        <p:nvPicPr>
+          <p:cNvPr id="4" name="Bild 3"/>
+          <p:cNvPicPr/>
+          <p:nvPr/>
+        </p:nvPicPr>
+        <p:blipFill>
+          <a:blip r:embed="rId3">
+            <a:extLst>
+              <a:ext uri="{28A0092B-C50C-407E-A947-70E740481C1C}">
+                <a14:useLocalDpi xmlns:a14="http://schemas.microsoft.com/office/drawing/2010/main" val="0"/>
+              </a:ext>
+            </a:extLst>
+          </a:blip>
+          <a:srcRect/>
+          <a:stretch>
+            <a:fillRect/>
+          </a:stretch>
+        </p:blipFill>
+        <p:spPr bwMode="auto">
+          <a:xfrm>
+            <a:off x="4978399" y="4137263"/>
+            <a:ext cx="2516505" cy="2171700"/>
           </a:xfrm>
           <a:prstGeom prst="rect">
             <a:avLst/>
           </a:prstGeom>
           <a:noFill/>
+          <a:ln>
+            <a:noFill/>
+          </a:ln>
         </p:spPr>
-        <p:txBody>
-          <a:bodyPr wrap="none" rtlCol="0">
-            <a:spAutoFit/>
-          </a:bodyPr>
-          <a:lstStyle/>
-          <a:p>
-            <a:r>
-              <a:rPr lang="de-DE" sz="8800" dirty="0" smtClean="0">
-                <a:latin typeface="SF Comic Script Outline"/>
-                <a:cs typeface="SF Comic Script Outline"/>
-              </a:rPr>
-              <a:t>Technologien</a:t>
-            </a:r>
-            <a:endParaRPr lang="de-DE" sz="8800" dirty="0">
-              <a:latin typeface="SF Comic Script Outline"/>
-              <a:cs typeface="SF Comic Script Outline"/>
-            </a:endParaRPr>
-          </a:p>
-        </p:txBody>
-      </p:sp>
+      </p:pic>
+      <p:pic>
+        <p:nvPicPr>
+          <p:cNvPr id="3" name="Bild 2"/>
+          <p:cNvPicPr>
+            <a:picLocks noChangeAspect="1"/>
+          </p:cNvPicPr>
+          <p:nvPr/>
+        </p:nvPicPr>
+        <p:blipFill>
+          <a:blip r:embed="rId4"/>
+          <a:stretch>
+            <a:fillRect/>
+          </a:stretch>
+        </p:blipFill>
+        <p:spPr>
+          <a:xfrm>
+            <a:off x="2246947" y="4137263"/>
+            <a:ext cx="2184400" cy="2298700"/>
+          </a:xfrm>
+          <a:prstGeom prst="rect">
+            <a:avLst/>
+          </a:prstGeom>
+        </p:spPr>
+      </p:pic>
     </p:spTree>
     <p:extLst>
       <p:ext uri="{BB962C8B-B14F-4D97-AF65-F5344CB8AC3E}">
@@ -3532,7 +5829,448 @@
   <p:timing>
     <p:tnLst>
       <p:par>
-        <p:cTn xmlns:p14="http://schemas.microsoft.com/office/powerpoint/2010/main" id="1" dur="indefinite" restart="never" nodeType="tmRoot"/>
+        <p:cTn xmlns:p14="http://schemas.microsoft.com/office/powerpoint/2010/main" id="1" dur="indefinite" restart="never" nodeType="tmRoot">
+          <p:childTnLst>
+            <p:seq concurrent="1" nextAc="seek">
+              <p:cTn id="2" dur="indefinite" nodeType="mainSeq">
+                <p:childTnLst>
+                  <p:par>
+                    <p:cTn id="3" fill="hold">
+                      <p:stCondLst>
+                        <p:cond delay="indefinite"/>
+                      </p:stCondLst>
+                      <p:childTnLst>
+                        <p:par>
+                          <p:cTn id="4" fill="hold">
+                            <p:stCondLst>
+                              <p:cond delay="0"/>
+                            </p:stCondLst>
+                            <p:childTnLst>
+                              <p:par>
+                                <p:cTn id="5" presetID="1" presetClass="entr" presetSubtype="0" fill="hold" nodeType="clickEffect">
+                                  <p:stCondLst>
+                                    <p:cond delay="0"/>
+                                  </p:stCondLst>
+                                  <p:childTnLst>
+                                    <p:set>
+                                      <p:cBhvr>
+                                        <p:cTn id="6" dur="1" fill="hold">
+                                          <p:stCondLst>
+                                            <p:cond delay="0"/>
+                                          </p:stCondLst>
+                                        </p:cTn>
+                                        <p:tgtEl>
+                                          <p:spTgt spid="5">
+                                            <p:txEl>
+                                              <p:pRg st="4" end="4"/>
+                                            </p:txEl>
+                                          </p:spTgt>
+                                        </p:tgtEl>
+                                        <p:attrNameLst>
+                                          <p:attrName>style.visibility</p:attrName>
+                                        </p:attrNameLst>
+                                      </p:cBhvr>
+                                      <p:to>
+                                        <p:strVal val="visible"/>
+                                      </p:to>
+                                    </p:set>
+                                  </p:childTnLst>
+                                </p:cTn>
+                              </p:par>
+                            </p:childTnLst>
+                          </p:cTn>
+                        </p:par>
+                      </p:childTnLst>
+                    </p:cTn>
+                  </p:par>
+                  <p:par>
+                    <p:cTn id="7" fill="hold">
+                      <p:stCondLst>
+                        <p:cond delay="indefinite"/>
+                      </p:stCondLst>
+                      <p:childTnLst>
+                        <p:par>
+                          <p:cTn id="8" fill="hold">
+                            <p:stCondLst>
+                              <p:cond delay="0"/>
+                            </p:stCondLst>
+                            <p:childTnLst>
+                              <p:par>
+                                <p:cTn id="9" presetID="1" presetClass="entr" presetSubtype="0" fill="hold" nodeType="clickEffect">
+                                  <p:stCondLst>
+                                    <p:cond delay="0"/>
+                                  </p:stCondLst>
+                                  <p:childTnLst>
+                                    <p:set>
+                                      <p:cBhvr>
+                                        <p:cTn id="10" dur="1" fill="hold">
+                                          <p:stCondLst>
+                                            <p:cond delay="0"/>
+                                          </p:stCondLst>
+                                        </p:cTn>
+                                        <p:tgtEl>
+                                          <p:spTgt spid="5">
+                                            <p:txEl>
+                                              <p:pRg st="5" end="5"/>
+                                            </p:txEl>
+                                          </p:spTgt>
+                                        </p:tgtEl>
+                                        <p:attrNameLst>
+                                          <p:attrName>style.visibility</p:attrName>
+                                        </p:attrNameLst>
+                                      </p:cBhvr>
+                                      <p:to>
+                                        <p:strVal val="visible"/>
+                                      </p:to>
+                                    </p:set>
+                                  </p:childTnLst>
+                                </p:cTn>
+                              </p:par>
+                              <p:par>
+                                <p:cTn id="11" presetID="1" presetClass="entr" presetSubtype="0" fill="hold" nodeType="withEffect">
+                                  <p:stCondLst>
+                                    <p:cond delay="0"/>
+                                  </p:stCondLst>
+                                  <p:childTnLst>
+                                    <p:set>
+                                      <p:cBhvr>
+                                        <p:cTn id="12" dur="1" fill="hold">
+                                          <p:stCondLst>
+                                            <p:cond delay="0"/>
+                                          </p:stCondLst>
+                                        </p:cTn>
+                                        <p:tgtEl>
+                                          <p:spTgt spid="4"/>
+                                        </p:tgtEl>
+                                        <p:attrNameLst>
+                                          <p:attrName>style.visibility</p:attrName>
+                                        </p:attrNameLst>
+                                      </p:cBhvr>
+                                      <p:to>
+                                        <p:strVal val="visible"/>
+                                      </p:to>
+                                    </p:set>
+                                  </p:childTnLst>
+                                </p:cTn>
+                              </p:par>
+                            </p:childTnLst>
+                          </p:cTn>
+                        </p:par>
+                      </p:childTnLst>
+                    </p:cTn>
+                  </p:par>
+                  <p:par>
+                    <p:cTn id="13" fill="hold">
+                      <p:stCondLst>
+                        <p:cond delay="indefinite"/>
+                      </p:stCondLst>
+                      <p:childTnLst>
+                        <p:par>
+                          <p:cTn id="14" fill="hold">
+                            <p:stCondLst>
+                              <p:cond delay="0"/>
+                            </p:stCondLst>
+                            <p:childTnLst>
+                              <p:par>
+                                <p:cTn id="15" presetID="1" presetClass="entr" presetSubtype="0" fill="hold" nodeType="clickEffect">
+                                  <p:stCondLst>
+                                    <p:cond delay="0"/>
+                                  </p:stCondLst>
+                                  <p:childTnLst>
+                                    <p:set>
+                                      <p:cBhvr>
+                                        <p:cTn id="16" dur="1" fill="hold">
+                                          <p:stCondLst>
+                                            <p:cond delay="0"/>
+                                          </p:stCondLst>
+                                        </p:cTn>
+                                        <p:tgtEl>
+                                          <p:spTgt spid="5">
+                                            <p:txEl>
+                                              <p:pRg st="6" end="6"/>
+                                            </p:txEl>
+                                          </p:spTgt>
+                                        </p:tgtEl>
+                                        <p:attrNameLst>
+                                          <p:attrName>style.visibility</p:attrName>
+                                        </p:attrNameLst>
+                                      </p:cBhvr>
+                                      <p:to>
+                                        <p:strVal val="visible"/>
+                                      </p:to>
+                                    </p:set>
+                                  </p:childTnLst>
+                                </p:cTn>
+                              </p:par>
+                              <p:par>
+                                <p:cTn id="17" presetID="3" presetClass="exit" presetSubtype="10" fill="hold" nodeType="withEffect">
+                                  <p:stCondLst>
+                                    <p:cond delay="0"/>
+                                  </p:stCondLst>
+                                  <p:childTnLst>
+                                    <p:animEffect transition="out" filter="blinds(horizontal)">
+                                      <p:cBhvr>
+                                        <p:cTn id="18" dur="500"/>
+                                        <p:tgtEl>
+                                          <p:spTgt spid="4"/>
+                                        </p:tgtEl>
+                                      </p:cBhvr>
+                                    </p:animEffect>
+                                    <p:set>
+                                      <p:cBhvr>
+                                        <p:cTn id="19" dur="1" fill="hold">
+                                          <p:stCondLst>
+                                            <p:cond delay="499"/>
+                                          </p:stCondLst>
+                                        </p:cTn>
+                                        <p:tgtEl>
+                                          <p:spTgt spid="4"/>
+                                        </p:tgtEl>
+                                        <p:attrNameLst>
+                                          <p:attrName>style.visibility</p:attrName>
+                                        </p:attrNameLst>
+                                      </p:cBhvr>
+                                      <p:to>
+                                        <p:strVal val="hidden"/>
+                                      </p:to>
+                                    </p:set>
+                                  </p:childTnLst>
+                                </p:cTn>
+                              </p:par>
+                              <p:par>
+                                <p:cTn id="20" presetID="1" presetClass="entr" presetSubtype="0" fill="hold" nodeType="withEffect">
+                                  <p:stCondLst>
+                                    <p:cond delay="0"/>
+                                  </p:stCondLst>
+                                  <p:childTnLst>
+                                    <p:set>
+                                      <p:cBhvr>
+                                        <p:cTn id="21" dur="1" fill="hold">
+                                          <p:stCondLst>
+                                            <p:cond delay="0"/>
+                                          </p:stCondLst>
+                                        </p:cTn>
+                                        <p:tgtEl>
+                                          <p:spTgt spid="3"/>
+                                        </p:tgtEl>
+                                        <p:attrNameLst>
+                                          <p:attrName>style.visibility</p:attrName>
+                                        </p:attrNameLst>
+                                      </p:cBhvr>
+                                      <p:to>
+                                        <p:strVal val="visible"/>
+                                      </p:to>
+                                    </p:set>
+                                  </p:childTnLst>
+                                </p:cTn>
+                              </p:par>
+                            </p:childTnLst>
+                          </p:cTn>
+                        </p:par>
+                      </p:childTnLst>
+                    </p:cTn>
+                  </p:par>
+                  <p:par>
+                    <p:cTn id="22" fill="hold">
+                      <p:stCondLst>
+                        <p:cond delay="indefinite"/>
+                      </p:stCondLst>
+                      <p:childTnLst>
+                        <p:par>
+                          <p:cTn id="23" fill="hold">
+                            <p:stCondLst>
+                              <p:cond delay="0"/>
+                            </p:stCondLst>
+                            <p:childTnLst>
+                              <p:par>
+                                <p:cTn id="24" presetID="1" presetClass="entr" presetSubtype="0" fill="hold" nodeType="clickEffect">
+                                  <p:stCondLst>
+                                    <p:cond delay="0"/>
+                                  </p:stCondLst>
+                                  <p:childTnLst>
+                                    <p:set>
+                                      <p:cBhvr>
+                                        <p:cTn id="25" dur="1" fill="hold">
+                                          <p:stCondLst>
+                                            <p:cond delay="0"/>
+                                          </p:stCondLst>
+                                        </p:cTn>
+                                        <p:tgtEl>
+                                          <p:spTgt spid="5">
+                                            <p:txEl>
+                                              <p:pRg st="7" end="7"/>
+                                            </p:txEl>
+                                          </p:spTgt>
+                                        </p:tgtEl>
+                                        <p:attrNameLst>
+                                          <p:attrName>style.visibility</p:attrName>
+                                        </p:attrNameLst>
+                                      </p:cBhvr>
+                                      <p:to>
+                                        <p:strVal val="visible"/>
+                                      </p:to>
+                                    </p:set>
+                                  </p:childTnLst>
+                                </p:cTn>
+                              </p:par>
+                              <p:par>
+                                <p:cTn id="26" presetID="3" presetClass="exit" presetSubtype="10" fill="hold" nodeType="withEffect">
+                                  <p:stCondLst>
+                                    <p:cond delay="0"/>
+                                  </p:stCondLst>
+                                  <p:childTnLst>
+                                    <p:animEffect transition="out" filter="blinds(horizontal)">
+                                      <p:cBhvr>
+                                        <p:cTn id="27" dur="500"/>
+                                        <p:tgtEl>
+                                          <p:spTgt spid="3"/>
+                                        </p:tgtEl>
+                                      </p:cBhvr>
+                                    </p:animEffect>
+                                    <p:set>
+                                      <p:cBhvr>
+                                        <p:cTn id="28" dur="1" fill="hold">
+                                          <p:stCondLst>
+                                            <p:cond delay="499"/>
+                                          </p:stCondLst>
+                                        </p:cTn>
+                                        <p:tgtEl>
+                                          <p:spTgt spid="3"/>
+                                        </p:tgtEl>
+                                        <p:attrNameLst>
+                                          <p:attrName>style.visibility</p:attrName>
+                                        </p:attrNameLst>
+                                      </p:cBhvr>
+                                      <p:to>
+                                        <p:strVal val="hidden"/>
+                                      </p:to>
+                                    </p:set>
+                                  </p:childTnLst>
+                                </p:cTn>
+                              </p:par>
+                            </p:childTnLst>
+                          </p:cTn>
+                        </p:par>
+                      </p:childTnLst>
+                    </p:cTn>
+                  </p:par>
+                  <p:par>
+                    <p:cTn id="29" fill="hold">
+                      <p:stCondLst>
+                        <p:cond delay="indefinite"/>
+                      </p:stCondLst>
+                      <p:childTnLst>
+                        <p:par>
+                          <p:cTn id="30" fill="hold">
+                            <p:stCondLst>
+                              <p:cond delay="0"/>
+                            </p:stCondLst>
+                            <p:childTnLst>
+                              <p:par>
+                                <p:cTn id="31" presetID="1" presetClass="entr" presetSubtype="0" fill="hold" nodeType="clickEffect">
+                                  <p:stCondLst>
+                                    <p:cond delay="0"/>
+                                  </p:stCondLst>
+                                  <p:childTnLst>
+                                    <p:set>
+                                      <p:cBhvr>
+                                        <p:cTn id="32" dur="1" fill="hold">
+                                          <p:stCondLst>
+                                            <p:cond delay="0"/>
+                                          </p:stCondLst>
+                                        </p:cTn>
+                                        <p:tgtEl>
+                                          <p:spTgt spid="5">
+                                            <p:txEl>
+                                              <p:pRg st="8" end="8"/>
+                                            </p:txEl>
+                                          </p:spTgt>
+                                        </p:tgtEl>
+                                        <p:attrNameLst>
+                                          <p:attrName>style.visibility</p:attrName>
+                                        </p:attrNameLst>
+                                      </p:cBhvr>
+                                      <p:to>
+                                        <p:strVal val="visible"/>
+                                      </p:to>
+                                    </p:set>
+                                  </p:childTnLst>
+                                </p:cTn>
+                              </p:par>
+                            </p:childTnLst>
+                          </p:cTn>
+                        </p:par>
+                      </p:childTnLst>
+                    </p:cTn>
+                  </p:par>
+                  <p:par>
+                    <p:cTn id="33" fill="hold">
+                      <p:stCondLst>
+                        <p:cond delay="indefinite"/>
+                      </p:stCondLst>
+                      <p:childTnLst>
+                        <p:par>
+                          <p:cTn id="34" fill="hold">
+                            <p:stCondLst>
+                              <p:cond delay="0"/>
+                            </p:stCondLst>
+                            <p:childTnLst>
+                              <p:par>
+                                <p:cTn id="35" presetID="1" presetClass="entr" presetSubtype="0" fill="hold" nodeType="clickEffect">
+                                  <p:stCondLst>
+                                    <p:cond delay="0"/>
+                                  </p:stCondLst>
+                                  <p:childTnLst>
+                                    <p:set>
+                                      <p:cBhvr>
+                                        <p:cTn id="36" dur="1" fill="hold">
+                                          <p:stCondLst>
+                                            <p:cond delay="0"/>
+                                          </p:stCondLst>
+                                        </p:cTn>
+                                        <p:tgtEl>
+                                          <p:spTgt spid="5">
+                                            <p:txEl>
+                                              <p:pRg st="9" end="9"/>
+                                            </p:txEl>
+                                          </p:spTgt>
+                                        </p:tgtEl>
+                                        <p:attrNameLst>
+                                          <p:attrName>style.visibility</p:attrName>
+                                        </p:attrNameLst>
+                                      </p:cBhvr>
+                                      <p:to>
+                                        <p:strVal val="visible"/>
+                                      </p:to>
+                                    </p:set>
+                                  </p:childTnLst>
+                                </p:cTn>
+                              </p:par>
+                            </p:childTnLst>
+                          </p:cTn>
+                        </p:par>
+                      </p:childTnLst>
+                    </p:cTn>
+                  </p:par>
+                </p:childTnLst>
+              </p:cTn>
+              <p:prevCondLst>
+                <p:cond evt="onPrev" delay="0">
+                  <p:tgtEl>
+                    <p:sldTgt/>
+                  </p:tgtEl>
+                </p:cond>
+              </p:prevCondLst>
+              <p:nextCondLst>
+                <p:cond evt="onNext" delay="0">
+                  <p:tgtEl>
+                    <p:sldTgt/>
+                  </p:tgtEl>
+                </p:cond>
+              </p:nextCondLst>
+            </p:seq>
+          </p:childTnLst>
+        </p:cTn>
       </p:par>
     </p:tnLst>
   </p:timing>
@@ -3558,7 +6296,7 @@
       </p:grpSpPr>
       <p:sp>
         <p:nvSpPr>
-          <p:cNvPr id="4" name="Titel 3"/>
+          <p:cNvPr id="2" name="Titel 1"/>
           <p:cNvSpPr>
             <a:spLocks noGrp="1"/>
           </p:cNvSpPr>
@@ -3574,16 +6312,16 @@
           <a:lstStyle/>
           <a:p>
             <a:r>
-              <a:rPr lang="de-CH" dirty="0" smtClean="0"/>
-              <a:t>Demonstration</a:t>
-            </a:r>
-            <a:endParaRPr lang="de-CH" dirty="0"/>
+              <a:rPr lang="de-DE" dirty="0" smtClean="0"/>
+              <a:t>Geschäftsmodelle</a:t>
+            </a:r>
+            <a:endParaRPr lang="de-DE" dirty="0"/>
           </a:p>
         </p:txBody>
       </p:sp>
       <p:sp>
         <p:nvSpPr>
-          <p:cNvPr id="5" name="Inhaltsplatzhalter 4"/>
+          <p:cNvPr id="4" name="Inhaltsplatzhalter 3"/>
           <p:cNvSpPr>
             <a:spLocks noGrp="1"/>
           </p:cNvSpPr>
@@ -3591,60 +6329,156 @@
             <p:ph idx="1"/>
           </p:nvPr>
         </p:nvSpPr>
-        <p:spPr/>
+        <p:spPr>
+          <a:xfrm>
+            <a:off x="1815240" y="1656000"/>
+            <a:ext cx="6984000" cy="4525963"/>
+          </a:xfrm>
+        </p:spPr>
         <p:txBody>
-          <a:bodyPr/>
+          <a:bodyPr>
+            <a:normAutofit/>
+          </a:bodyPr>
           <a:lstStyle/>
           <a:p>
+            <a:r>
+              <a:rPr lang="de-CH" b="0" dirty="0" smtClean="0"/>
+              <a:t>Logischen Funktionsweisen einer Geschäftsidee</a:t>
+            </a:r>
+          </a:p>
+          <a:p>
             <a:endParaRPr lang="de-CH" dirty="0"/>
+          </a:p>
+          <a:p>
+            <a:r>
+              <a:rPr lang="de-CH" dirty="0" smtClean="0"/>
+              <a:t>Nutzenversprechen</a:t>
+            </a:r>
+          </a:p>
+          <a:p>
+            <a:endParaRPr lang="de-CH" dirty="0" smtClean="0"/>
+          </a:p>
+          <a:p>
+            <a:pPr marL="285750" indent="-285750">
+              <a:buFont typeface="Arial" pitchFamily="34" charset="0"/>
+              <a:buChar char="•"/>
+            </a:pPr>
+            <a:r>
+              <a:rPr lang="de-CH" b="0" dirty="0" smtClean="0"/>
+              <a:t>Was für ein Nutzen kann Kunde oder Partner aus der Verbindung ziehen?</a:t>
+            </a:r>
+          </a:p>
+          <a:p>
+            <a:pPr marL="285750" indent="-285750">
+              <a:buFont typeface="Arial" pitchFamily="34" charset="0"/>
+              <a:buChar char="•"/>
+            </a:pPr>
+            <a:r>
+              <a:rPr lang="de-CH" b="0" dirty="0" smtClean="0"/>
+              <a:t>4 </a:t>
+            </a:r>
+            <a:r>
+              <a:rPr lang="de-CH" b="0" dirty="0" err="1" smtClean="0"/>
+              <a:t>P‘s</a:t>
+            </a:r>
+            <a:r>
+              <a:rPr lang="de-CH" b="0" dirty="0" smtClean="0"/>
+              <a:t>: </a:t>
+            </a:r>
+            <a:r>
+              <a:rPr lang="de-CH" b="0" dirty="0" err="1" smtClean="0"/>
+              <a:t>Product</a:t>
+            </a:r>
+            <a:r>
+              <a:rPr lang="de-CH" b="0" dirty="0" smtClean="0"/>
+              <a:t>, Price, Place, Promotion</a:t>
+            </a:r>
+          </a:p>
+          <a:p>
+            <a:endParaRPr lang="de-CH" dirty="0" smtClean="0"/>
+          </a:p>
+          <a:p>
+            <a:r>
+              <a:rPr lang="de-CH" dirty="0" smtClean="0"/>
+              <a:t>Architektur und Wertschöpfung</a:t>
+            </a:r>
+          </a:p>
+          <a:p>
+            <a:endParaRPr lang="de-CH" dirty="0" smtClean="0"/>
+          </a:p>
+          <a:p>
+            <a:pPr marL="285750" indent="-285750">
+              <a:buFont typeface="Arial" pitchFamily="34" charset="0"/>
+              <a:buChar char="•"/>
+            </a:pPr>
+            <a:r>
+              <a:rPr lang="de-CH" b="0" dirty="0" smtClean="0"/>
+              <a:t>Wie der Nutzen für den Kunden oder Partner erstellt wird</a:t>
+            </a:r>
+          </a:p>
+          <a:p>
+            <a:pPr marL="285750" indent="-285750">
+              <a:buFont typeface="Arial" pitchFamily="34" charset="0"/>
+              <a:buChar char="•"/>
+            </a:pPr>
+            <a:r>
+              <a:rPr lang="de-CH" b="0" dirty="0" smtClean="0"/>
+              <a:t>Wertschöpfungskette</a:t>
+            </a:r>
+          </a:p>
+          <a:p>
+            <a:pPr marL="285750" indent="-285750">
+              <a:buFont typeface="Arial" pitchFamily="34" charset="0"/>
+              <a:buChar char="•"/>
+            </a:pPr>
+            <a:r>
+              <a:rPr lang="de-CH" b="0" dirty="0" smtClean="0"/>
+              <a:t>SWOT-Analyse</a:t>
+            </a:r>
+          </a:p>
+          <a:p>
+            <a:pPr marL="285750" indent="-285750">
+              <a:buFont typeface="Arial" pitchFamily="34" charset="0"/>
+              <a:buChar char="•"/>
+            </a:pPr>
+            <a:endParaRPr lang="de-CH" b="0" dirty="0"/>
+          </a:p>
+          <a:p>
+            <a:r>
+              <a:rPr lang="de-CH" dirty="0" smtClean="0"/>
+              <a:t>Ertragsmodelle</a:t>
+            </a:r>
+            <a:endParaRPr lang="de-CH" dirty="0"/>
+          </a:p>
+          <a:p>
+            <a:endParaRPr lang="de-CH" dirty="0"/>
+          </a:p>
+          <a:p>
+            <a:pPr marL="285750" indent="-285750">
+              <a:buFont typeface="Arial" pitchFamily="34" charset="0"/>
+              <a:buChar char="•"/>
+            </a:pPr>
+            <a:r>
+              <a:rPr lang="de-CH" b="0" dirty="0" smtClean="0"/>
+              <a:t>Wie Geld verdient wird und aus welchen Quellen die Einnahmen stammen.</a:t>
+            </a:r>
+          </a:p>
+          <a:p>
+            <a:pPr marL="285750" indent="-285750">
+              <a:buFont typeface="Arial" pitchFamily="34" charset="0"/>
+              <a:buChar char="•"/>
+            </a:pPr>
+            <a:r>
+              <a:rPr lang="de-CH" b="0" dirty="0" smtClean="0"/>
+              <a:t>Direkte und indirekte Erlöse</a:t>
+            </a:r>
           </a:p>
         </p:txBody>
       </p:sp>
-      <p:pic>
-        <p:nvPicPr>
-          <p:cNvPr id="1026" name="Picture 2" descr="http://shinnxennosagga.files.wordpress.com/2008/09/kortad-rundtur.gif"/>
-          <p:cNvPicPr>
-            <a:picLocks noChangeAspect="1" noChangeArrowheads="1"/>
-          </p:cNvPicPr>
-          <p:nvPr/>
-        </p:nvPicPr>
-        <p:blipFill>
-          <a:blip r:embed="rId3">
-            <a:extLst>
-              <a:ext uri="{28A0092B-C50C-407E-A947-70E740481C1C}">
-                <a14:useLocalDpi xmlns:a14="http://schemas.microsoft.com/office/drawing/2010/main" val="0"/>
-              </a:ext>
-            </a:extLst>
-          </a:blip>
-          <a:srcRect/>
-          <a:stretch>
-            <a:fillRect/>
-          </a:stretch>
-        </p:blipFill>
-        <p:spPr bwMode="auto">
-          <a:xfrm>
-            <a:off x="1805220" y="1701263"/>
-            <a:ext cx="4839870" cy="3712571"/>
-          </a:xfrm>
-          <a:prstGeom prst="rect">
-            <a:avLst/>
-          </a:prstGeom>
-          <a:noFill/>
-          <a:extLst>
-            <a:ext uri="{909E8E84-426E-40dd-AFC4-6F175D3DCCD1}">
-              <a14:hiddenFill xmlns:a14="http://schemas.microsoft.com/office/drawing/2010/main">
-                <a:solidFill>
-                  <a:srgbClr val="FFFFFF"/>
-                </a:solidFill>
-              </a14:hiddenFill>
-            </a:ext>
-          </a:extLst>
-        </p:spPr>
-      </p:pic>
     </p:spTree>
     <p:extLst>
       <p:ext uri="{BB962C8B-B14F-4D97-AF65-F5344CB8AC3E}">
-        <p14:creationId xmlns:p14="http://schemas.microsoft.com/office/powerpoint/2010/main" val="2567143057"/>
+        <p14:creationId xmlns:p14="http://schemas.microsoft.com/office/powerpoint/2010/main" val="2019019332"/>
       </p:ext>
     </p:extLst>
   </p:cSld>
@@ -3666,7 +6500,569 @@
   <p:timing>
     <p:tnLst>
       <p:par>
-        <p:cTn xmlns:p14="http://schemas.microsoft.com/office/powerpoint/2010/main" id="1" dur="indefinite" restart="never" nodeType="tmRoot"/>
+        <p:cTn xmlns:p14="http://schemas.microsoft.com/office/powerpoint/2010/main" id="1" dur="indefinite" restart="never" nodeType="tmRoot">
+          <p:childTnLst>
+            <p:seq concurrent="1" nextAc="seek">
+              <p:cTn id="2" dur="indefinite" nodeType="mainSeq">
+                <p:childTnLst>
+                  <p:par>
+                    <p:cTn id="3" fill="hold">
+                      <p:stCondLst>
+                        <p:cond delay="indefinite"/>
+                      </p:stCondLst>
+                      <p:childTnLst>
+                        <p:par>
+                          <p:cTn id="4" fill="hold">
+                            <p:stCondLst>
+                              <p:cond delay="0"/>
+                            </p:stCondLst>
+                            <p:childTnLst>
+                              <p:par>
+                                <p:cTn id="5" presetID="1" presetClass="entr" presetSubtype="0" fill="hold" nodeType="clickEffect">
+                                  <p:stCondLst>
+                                    <p:cond delay="0"/>
+                                  </p:stCondLst>
+                                  <p:childTnLst>
+                                    <p:set>
+                                      <p:cBhvr>
+                                        <p:cTn id="6" dur="1" fill="hold">
+                                          <p:stCondLst>
+                                            <p:cond delay="0"/>
+                                          </p:stCondLst>
+                                        </p:cTn>
+                                        <p:tgtEl>
+                                          <p:spTgt spid="4">
+                                            <p:txEl>
+                                              <p:pRg st="0" end="0"/>
+                                            </p:txEl>
+                                          </p:spTgt>
+                                        </p:tgtEl>
+                                        <p:attrNameLst>
+                                          <p:attrName>style.visibility</p:attrName>
+                                        </p:attrNameLst>
+                                      </p:cBhvr>
+                                      <p:to>
+                                        <p:strVal val="visible"/>
+                                      </p:to>
+                                    </p:set>
+                                  </p:childTnLst>
+                                </p:cTn>
+                              </p:par>
+                            </p:childTnLst>
+                          </p:cTn>
+                        </p:par>
+                      </p:childTnLst>
+                    </p:cTn>
+                  </p:par>
+                  <p:par>
+                    <p:cTn id="7" fill="hold">
+                      <p:stCondLst>
+                        <p:cond delay="indefinite"/>
+                      </p:stCondLst>
+                      <p:childTnLst>
+                        <p:par>
+                          <p:cTn id="8" fill="hold">
+                            <p:stCondLst>
+                              <p:cond delay="0"/>
+                            </p:stCondLst>
+                            <p:childTnLst>
+                              <p:par>
+                                <p:cTn id="9" presetID="1" presetClass="entr" presetSubtype="0" fill="hold" nodeType="clickEffect">
+                                  <p:stCondLst>
+                                    <p:cond delay="0"/>
+                                  </p:stCondLst>
+                                  <p:childTnLst>
+                                    <p:set>
+                                      <p:cBhvr>
+                                        <p:cTn id="10" dur="1" fill="hold">
+                                          <p:stCondLst>
+                                            <p:cond delay="0"/>
+                                          </p:stCondLst>
+                                        </p:cTn>
+                                        <p:tgtEl>
+                                          <p:spTgt spid="4">
+                                            <p:txEl>
+                                              <p:pRg st="2" end="2"/>
+                                            </p:txEl>
+                                          </p:spTgt>
+                                        </p:tgtEl>
+                                        <p:attrNameLst>
+                                          <p:attrName>style.visibility</p:attrName>
+                                        </p:attrNameLst>
+                                      </p:cBhvr>
+                                      <p:to>
+                                        <p:strVal val="visible"/>
+                                      </p:to>
+                                    </p:set>
+                                  </p:childTnLst>
+                                </p:cTn>
+                              </p:par>
+                            </p:childTnLst>
+                          </p:cTn>
+                        </p:par>
+                      </p:childTnLst>
+                    </p:cTn>
+                  </p:par>
+                  <p:par>
+                    <p:cTn id="11" fill="hold">
+                      <p:stCondLst>
+                        <p:cond delay="indefinite"/>
+                      </p:stCondLst>
+                      <p:childTnLst>
+                        <p:par>
+                          <p:cTn id="12" fill="hold">
+                            <p:stCondLst>
+                              <p:cond delay="0"/>
+                            </p:stCondLst>
+                            <p:childTnLst>
+                              <p:par>
+                                <p:cTn id="13" presetID="1" presetClass="entr" presetSubtype="0" fill="hold" nodeType="clickEffect">
+                                  <p:stCondLst>
+                                    <p:cond delay="0"/>
+                                  </p:stCondLst>
+                                  <p:childTnLst>
+                                    <p:set>
+                                      <p:cBhvr>
+                                        <p:cTn id="14" dur="1" fill="hold">
+                                          <p:stCondLst>
+                                            <p:cond delay="0"/>
+                                          </p:stCondLst>
+                                        </p:cTn>
+                                        <p:tgtEl>
+                                          <p:spTgt spid="4">
+                                            <p:txEl>
+                                              <p:pRg st="4" end="4"/>
+                                            </p:txEl>
+                                          </p:spTgt>
+                                        </p:tgtEl>
+                                        <p:attrNameLst>
+                                          <p:attrName>style.visibility</p:attrName>
+                                        </p:attrNameLst>
+                                      </p:cBhvr>
+                                      <p:to>
+                                        <p:strVal val="visible"/>
+                                      </p:to>
+                                    </p:set>
+                                  </p:childTnLst>
+                                </p:cTn>
+                              </p:par>
+                            </p:childTnLst>
+                          </p:cTn>
+                        </p:par>
+                      </p:childTnLst>
+                    </p:cTn>
+                  </p:par>
+                  <p:par>
+                    <p:cTn id="15" fill="hold">
+                      <p:stCondLst>
+                        <p:cond delay="indefinite"/>
+                      </p:stCondLst>
+                      <p:childTnLst>
+                        <p:par>
+                          <p:cTn id="16" fill="hold">
+                            <p:stCondLst>
+                              <p:cond delay="0"/>
+                            </p:stCondLst>
+                            <p:childTnLst>
+                              <p:par>
+                                <p:cTn id="17" presetID="1" presetClass="entr" presetSubtype="0" fill="hold" nodeType="clickEffect">
+                                  <p:stCondLst>
+                                    <p:cond delay="0"/>
+                                  </p:stCondLst>
+                                  <p:childTnLst>
+                                    <p:set>
+                                      <p:cBhvr>
+                                        <p:cTn id="18" dur="1" fill="hold">
+                                          <p:stCondLst>
+                                            <p:cond delay="0"/>
+                                          </p:stCondLst>
+                                        </p:cTn>
+                                        <p:tgtEl>
+                                          <p:spTgt spid="4">
+                                            <p:txEl>
+                                              <p:pRg st="5" end="5"/>
+                                            </p:txEl>
+                                          </p:spTgt>
+                                        </p:tgtEl>
+                                        <p:attrNameLst>
+                                          <p:attrName>style.visibility</p:attrName>
+                                        </p:attrNameLst>
+                                      </p:cBhvr>
+                                      <p:to>
+                                        <p:strVal val="visible"/>
+                                      </p:to>
+                                    </p:set>
+                                  </p:childTnLst>
+                                </p:cTn>
+                              </p:par>
+                            </p:childTnLst>
+                          </p:cTn>
+                        </p:par>
+                      </p:childTnLst>
+                    </p:cTn>
+                  </p:par>
+                  <p:par>
+                    <p:cTn id="19" fill="hold">
+                      <p:stCondLst>
+                        <p:cond delay="indefinite"/>
+                      </p:stCondLst>
+                      <p:childTnLst>
+                        <p:par>
+                          <p:cTn id="20" fill="hold">
+                            <p:stCondLst>
+                              <p:cond delay="0"/>
+                            </p:stCondLst>
+                            <p:childTnLst>
+                              <p:par>
+                                <p:cTn id="21" presetID="1" presetClass="entr" presetSubtype="0" fill="hold" nodeType="clickEffect">
+                                  <p:stCondLst>
+                                    <p:cond delay="0"/>
+                                  </p:stCondLst>
+                                  <p:childTnLst>
+                                    <p:set>
+                                      <p:cBhvr>
+                                        <p:cTn id="22" dur="1" fill="hold">
+                                          <p:stCondLst>
+                                            <p:cond delay="0"/>
+                                          </p:stCondLst>
+                                        </p:cTn>
+                                        <p:tgtEl>
+                                          <p:spTgt spid="4">
+                                            <p:txEl>
+                                              <p:pRg st="7" end="7"/>
+                                            </p:txEl>
+                                          </p:spTgt>
+                                        </p:tgtEl>
+                                        <p:attrNameLst>
+                                          <p:attrName>style.visibility</p:attrName>
+                                        </p:attrNameLst>
+                                      </p:cBhvr>
+                                      <p:to>
+                                        <p:strVal val="visible"/>
+                                      </p:to>
+                                    </p:set>
+                                  </p:childTnLst>
+                                </p:cTn>
+                              </p:par>
+                            </p:childTnLst>
+                          </p:cTn>
+                        </p:par>
+                      </p:childTnLst>
+                    </p:cTn>
+                  </p:par>
+                  <p:par>
+                    <p:cTn id="23" fill="hold">
+                      <p:stCondLst>
+                        <p:cond delay="indefinite"/>
+                      </p:stCondLst>
+                      <p:childTnLst>
+                        <p:par>
+                          <p:cTn id="24" fill="hold">
+                            <p:stCondLst>
+                              <p:cond delay="0"/>
+                            </p:stCondLst>
+                            <p:childTnLst>
+                              <p:par>
+                                <p:cTn id="25" presetID="1" presetClass="entr" presetSubtype="0" fill="hold" nodeType="clickEffect">
+                                  <p:stCondLst>
+                                    <p:cond delay="0"/>
+                                  </p:stCondLst>
+                                  <p:childTnLst>
+                                    <p:set>
+                                      <p:cBhvr>
+                                        <p:cTn id="26" dur="1" fill="hold">
+                                          <p:stCondLst>
+                                            <p:cond delay="0"/>
+                                          </p:stCondLst>
+                                        </p:cTn>
+                                        <p:tgtEl>
+                                          <p:spTgt spid="4">
+                                            <p:txEl>
+                                              <p:pRg st="9" end="9"/>
+                                            </p:txEl>
+                                          </p:spTgt>
+                                        </p:tgtEl>
+                                        <p:attrNameLst>
+                                          <p:attrName>style.visibility</p:attrName>
+                                        </p:attrNameLst>
+                                      </p:cBhvr>
+                                      <p:to>
+                                        <p:strVal val="visible"/>
+                                      </p:to>
+                                    </p:set>
+                                  </p:childTnLst>
+                                </p:cTn>
+                              </p:par>
+                            </p:childTnLst>
+                          </p:cTn>
+                        </p:par>
+                      </p:childTnLst>
+                    </p:cTn>
+                  </p:par>
+                  <p:par>
+                    <p:cTn id="27" fill="hold">
+                      <p:stCondLst>
+                        <p:cond delay="indefinite"/>
+                      </p:stCondLst>
+                      <p:childTnLst>
+                        <p:par>
+                          <p:cTn id="28" fill="hold">
+                            <p:stCondLst>
+                              <p:cond delay="0"/>
+                            </p:stCondLst>
+                            <p:childTnLst>
+                              <p:par>
+                                <p:cTn id="29" presetID="1" presetClass="entr" presetSubtype="0" fill="hold" nodeType="clickEffect">
+                                  <p:stCondLst>
+                                    <p:cond delay="0"/>
+                                  </p:stCondLst>
+                                  <p:childTnLst>
+                                    <p:set>
+                                      <p:cBhvr>
+                                        <p:cTn id="30" dur="1" fill="hold">
+                                          <p:stCondLst>
+                                            <p:cond delay="0"/>
+                                          </p:stCondLst>
+                                        </p:cTn>
+                                        <p:tgtEl>
+                                          <p:spTgt spid="4">
+                                            <p:txEl>
+                                              <p:pRg st="10" end="10"/>
+                                            </p:txEl>
+                                          </p:spTgt>
+                                        </p:tgtEl>
+                                        <p:attrNameLst>
+                                          <p:attrName>style.visibility</p:attrName>
+                                        </p:attrNameLst>
+                                      </p:cBhvr>
+                                      <p:to>
+                                        <p:strVal val="visible"/>
+                                      </p:to>
+                                    </p:set>
+                                  </p:childTnLst>
+                                </p:cTn>
+                              </p:par>
+                            </p:childTnLst>
+                          </p:cTn>
+                        </p:par>
+                      </p:childTnLst>
+                    </p:cTn>
+                  </p:par>
+                  <p:par>
+                    <p:cTn id="31" fill="hold">
+                      <p:stCondLst>
+                        <p:cond delay="indefinite"/>
+                      </p:stCondLst>
+                      <p:childTnLst>
+                        <p:par>
+                          <p:cTn id="32" fill="hold">
+                            <p:stCondLst>
+                              <p:cond delay="0"/>
+                            </p:stCondLst>
+                            <p:childTnLst>
+                              <p:par>
+                                <p:cTn id="33" presetID="1" presetClass="entr" presetSubtype="0" fill="hold" nodeType="clickEffect">
+                                  <p:stCondLst>
+                                    <p:cond delay="0"/>
+                                  </p:stCondLst>
+                                  <p:childTnLst>
+                                    <p:set>
+                                      <p:cBhvr>
+                                        <p:cTn id="34" dur="1" fill="hold">
+                                          <p:stCondLst>
+                                            <p:cond delay="0"/>
+                                          </p:stCondLst>
+                                        </p:cTn>
+                                        <p:tgtEl>
+                                          <p:spTgt spid="4">
+                                            <p:txEl>
+                                              <p:pRg st="11" end="11"/>
+                                            </p:txEl>
+                                          </p:spTgt>
+                                        </p:tgtEl>
+                                        <p:attrNameLst>
+                                          <p:attrName>style.visibility</p:attrName>
+                                        </p:attrNameLst>
+                                      </p:cBhvr>
+                                      <p:to>
+                                        <p:strVal val="visible"/>
+                                      </p:to>
+                                    </p:set>
+                                  </p:childTnLst>
+                                </p:cTn>
+                              </p:par>
+                            </p:childTnLst>
+                          </p:cTn>
+                        </p:par>
+                      </p:childTnLst>
+                    </p:cTn>
+                  </p:par>
+                  <p:par>
+                    <p:cTn id="35" fill="hold">
+                      <p:stCondLst>
+                        <p:cond delay="indefinite"/>
+                      </p:stCondLst>
+                      <p:childTnLst>
+                        <p:par>
+                          <p:cTn id="36" fill="hold">
+                            <p:stCondLst>
+                              <p:cond delay="0"/>
+                            </p:stCondLst>
+                            <p:childTnLst>
+                              <p:par>
+                                <p:cTn id="37" presetID="1" presetClass="entr" presetSubtype="0" fill="hold" nodeType="clickEffect">
+                                  <p:stCondLst>
+                                    <p:cond delay="0"/>
+                                  </p:stCondLst>
+                                  <p:childTnLst>
+                                    <p:set>
+                                      <p:cBhvr>
+                                        <p:cTn id="38" dur="1" fill="hold">
+                                          <p:stCondLst>
+                                            <p:cond delay="0"/>
+                                          </p:stCondLst>
+                                        </p:cTn>
+                                        <p:tgtEl>
+                                          <p:spTgt spid="4">
+                                            <p:txEl>
+                                              <p:pRg st="13" end="13"/>
+                                            </p:txEl>
+                                          </p:spTgt>
+                                        </p:tgtEl>
+                                        <p:attrNameLst>
+                                          <p:attrName>style.visibility</p:attrName>
+                                        </p:attrNameLst>
+                                      </p:cBhvr>
+                                      <p:to>
+                                        <p:strVal val="visible"/>
+                                      </p:to>
+                                    </p:set>
+                                  </p:childTnLst>
+                                </p:cTn>
+                              </p:par>
+                            </p:childTnLst>
+                          </p:cTn>
+                        </p:par>
+                      </p:childTnLst>
+                    </p:cTn>
+                  </p:par>
+                  <p:par>
+                    <p:cTn id="39" fill="hold">
+                      <p:stCondLst>
+                        <p:cond delay="indefinite"/>
+                      </p:stCondLst>
+                      <p:childTnLst>
+                        <p:par>
+                          <p:cTn id="40" fill="hold">
+                            <p:stCondLst>
+                              <p:cond delay="0"/>
+                            </p:stCondLst>
+                            <p:childTnLst>
+                              <p:par>
+                                <p:cTn id="41" presetID="1" presetClass="entr" presetSubtype="0" fill="hold" nodeType="clickEffect">
+                                  <p:stCondLst>
+                                    <p:cond delay="0"/>
+                                  </p:stCondLst>
+                                  <p:childTnLst>
+                                    <p:set>
+                                      <p:cBhvr>
+                                        <p:cTn id="42" dur="1" fill="hold">
+                                          <p:stCondLst>
+                                            <p:cond delay="0"/>
+                                          </p:stCondLst>
+                                        </p:cTn>
+                                        <p:tgtEl>
+                                          <p:spTgt spid="4">
+                                            <p:txEl>
+                                              <p:pRg st="15" end="15"/>
+                                            </p:txEl>
+                                          </p:spTgt>
+                                        </p:tgtEl>
+                                        <p:attrNameLst>
+                                          <p:attrName>style.visibility</p:attrName>
+                                        </p:attrNameLst>
+                                      </p:cBhvr>
+                                      <p:to>
+                                        <p:strVal val="visible"/>
+                                      </p:to>
+                                    </p:set>
+                                  </p:childTnLst>
+                                </p:cTn>
+                              </p:par>
+                            </p:childTnLst>
+                          </p:cTn>
+                        </p:par>
+                      </p:childTnLst>
+                    </p:cTn>
+                  </p:par>
+                  <p:par>
+                    <p:cTn id="43" fill="hold">
+                      <p:stCondLst>
+                        <p:cond delay="indefinite"/>
+                      </p:stCondLst>
+                      <p:childTnLst>
+                        <p:par>
+                          <p:cTn id="44" fill="hold">
+                            <p:stCondLst>
+                              <p:cond delay="0"/>
+                            </p:stCondLst>
+                            <p:childTnLst>
+                              <p:par>
+                                <p:cTn id="45" presetID="1" presetClass="entr" presetSubtype="0" fill="hold" nodeType="clickEffect">
+                                  <p:stCondLst>
+                                    <p:cond delay="0"/>
+                                  </p:stCondLst>
+                                  <p:childTnLst>
+                                    <p:set>
+                                      <p:cBhvr>
+                                        <p:cTn id="46" dur="1" fill="hold">
+                                          <p:stCondLst>
+                                            <p:cond delay="0"/>
+                                          </p:stCondLst>
+                                        </p:cTn>
+                                        <p:tgtEl>
+                                          <p:spTgt spid="4">
+                                            <p:txEl>
+                                              <p:pRg st="16" end="16"/>
+                                            </p:txEl>
+                                          </p:spTgt>
+                                        </p:tgtEl>
+                                        <p:attrNameLst>
+                                          <p:attrName>style.visibility</p:attrName>
+                                        </p:attrNameLst>
+                                      </p:cBhvr>
+                                      <p:to>
+                                        <p:strVal val="visible"/>
+                                      </p:to>
+                                    </p:set>
+                                  </p:childTnLst>
+                                </p:cTn>
+                              </p:par>
+                            </p:childTnLst>
+                          </p:cTn>
+                        </p:par>
+                      </p:childTnLst>
+                    </p:cTn>
+                  </p:par>
+                </p:childTnLst>
+              </p:cTn>
+              <p:prevCondLst>
+                <p:cond evt="onPrev" delay="0">
+                  <p:tgtEl>
+                    <p:sldTgt/>
+                  </p:tgtEl>
+                </p:cond>
+              </p:prevCondLst>
+              <p:nextCondLst>
+                <p:cond evt="onNext" delay="0">
+                  <p:tgtEl>
+                    <p:sldTgt/>
+                  </p:tgtEl>
+                </p:cond>
+              </p:nextCondLst>
+            </p:seq>
+          </p:childTnLst>
+        </p:cTn>
       </p:par>
     </p:tnLst>
   </p:timing>
@@ -3709,123 +7105,321 @@
           <a:p>
             <a:r>
               <a:rPr lang="de-CH" dirty="0" smtClean="0"/>
-              <a:t>Anwendungen</a:t>
+              <a:t>Mögliche Geschäftsmodelle</a:t>
             </a:r>
             <a:endParaRPr lang="de-CH" dirty="0"/>
           </a:p>
         </p:txBody>
       </p:sp>
-      <p:sp>
-        <p:nvSpPr>
-          <p:cNvPr id="3" name="Inhaltsplatzhalter 2"/>
-          <p:cNvSpPr>
-            <a:spLocks noGrp="1"/>
-          </p:cNvSpPr>
-          <p:nvPr>
-            <p:ph idx="1"/>
-          </p:nvPr>
-        </p:nvSpPr>
-        <p:spPr/>
-        <p:txBody>
-          <a:bodyPr/>
-          <a:lstStyle/>
-          <a:p>
-            <a:pPr marL="285750" indent="-285750">
-              <a:buFont typeface="Arial" pitchFamily="34" charset="0"/>
-              <a:buChar char="•"/>
-            </a:pPr>
-            <a:endParaRPr lang="de-CH" dirty="0" smtClean="0"/>
-          </a:p>
-          <a:p>
-            <a:pPr marL="285750" indent="-285750">
-              <a:buFont typeface="Arial" pitchFamily="34" charset="0"/>
-              <a:buChar char="•"/>
-            </a:pPr>
-            <a:endParaRPr lang="de-CH" dirty="0"/>
-          </a:p>
-          <a:p>
-            <a:pPr marL="285750" indent="-285750">
-              <a:buFont typeface="Arial" pitchFamily="34" charset="0"/>
-              <a:buChar char="•"/>
-            </a:pPr>
-            <a:r>
-              <a:rPr lang="de-CH" dirty="0" smtClean="0"/>
-              <a:t>Logistik</a:t>
-            </a:r>
-          </a:p>
-          <a:p>
-            <a:pPr marL="465138" lvl="2" indent="-285750">
-              <a:buFont typeface="Arial" pitchFamily="34" charset="0"/>
-              <a:buChar char="•"/>
-            </a:pPr>
-            <a:r>
-              <a:rPr lang="de-CH" b="0" dirty="0" smtClean="0"/>
-              <a:t>Berechnung von Routen</a:t>
-            </a:r>
-          </a:p>
-          <a:p>
-            <a:pPr marL="465138" lvl="2" indent="-285750">
-              <a:buFont typeface="Arial" pitchFamily="34" charset="0"/>
-              <a:buChar char="•"/>
-            </a:pPr>
-            <a:r>
-              <a:rPr lang="de-CH" b="0" dirty="0" smtClean="0"/>
-              <a:t>Steuerung von Hochregallagern</a:t>
-            </a:r>
-            <a:endParaRPr lang="de-CH" dirty="0" smtClean="0"/>
-          </a:p>
-          <a:p>
-            <a:endParaRPr lang="de-CH" dirty="0"/>
-          </a:p>
-          <a:p>
-            <a:pPr marL="285750" indent="-285750">
-              <a:buFont typeface="Arial" pitchFamily="34" charset="0"/>
-              <a:buChar char="•"/>
-            </a:pPr>
-            <a:r>
-              <a:rPr lang="de-CH" dirty="0" smtClean="0"/>
-              <a:t>Produktion</a:t>
-            </a:r>
-          </a:p>
-          <a:p>
-            <a:pPr marL="465138" lvl="2" indent="-285750">
-              <a:buFont typeface="Arial" pitchFamily="34" charset="0"/>
-              <a:buChar char="•"/>
-            </a:pPr>
-            <a:r>
-              <a:rPr lang="de-CH" smtClean="0"/>
-              <a:t>Losbildung </a:t>
-            </a:r>
-            <a:r>
-              <a:rPr lang="de-CH" dirty="0" smtClean="0"/>
-              <a:t>zur Minimierung von Rüstzeiten</a:t>
-            </a:r>
-          </a:p>
-          <a:p>
-            <a:endParaRPr lang="de-CH" dirty="0"/>
-          </a:p>
-          <a:p>
-            <a:pPr marL="285750" indent="-285750">
-              <a:buFont typeface="Arial" pitchFamily="34" charset="0"/>
-              <a:buChar char="•"/>
-            </a:pPr>
-            <a:r>
-              <a:rPr lang="de-CH" dirty="0" smtClean="0"/>
-              <a:t>Telefonie</a:t>
-            </a:r>
-          </a:p>
-          <a:p>
-            <a:pPr marL="465138" lvl="2" indent="-285750">
-              <a:buFont typeface="Arial" pitchFamily="34" charset="0"/>
-              <a:buChar char="•"/>
-            </a:pPr>
-            <a:r>
-              <a:rPr lang="de-CH" dirty="0" smtClean="0"/>
-              <a:t>Planung von Telefonnetzen</a:t>
-            </a:r>
-          </a:p>
-        </p:txBody>
-      </p:sp>
+      <p:pic>
+        <p:nvPicPr>
+          <p:cNvPr id="4" name="Bild 3"/>
+          <p:cNvPicPr>
+            <a:picLocks noChangeAspect="1"/>
+          </p:cNvPicPr>
+          <p:nvPr/>
+        </p:nvPicPr>
+        <p:blipFill>
+          <a:blip r:embed="rId3"/>
+          <a:stretch>
+            <a:fillRect/>
+          </a:stretch>
+        </p:blipFill>
+        <p:spPr>
+          <a:xfrm rot="605403">
+            <a:off x="3378201" y="1867400"/>
+            <a:ext cx="2371790" cy="4304800"/>
+          </a:xfrm>
+          <a:prstGeom prst="rect">
+            <a:avLst/>
+          </a:prstGeom>
+          <a:ln>
+            <a:noFill/>
+          </a:ln>
+          <a:effectLst>
+            <a:outerShdw blurRad="292100" dist="139700" dir="2700000" algn="tl" rotWithShape="0">
+              <a:srgbClr val="333333">
+                <a:alpha val="65000"/>
+              </a:srgbClr>
+            </a:outerShdw>
+          </a:effectLst>
+        </p:spPr>
+      </p:pic>
+      <p:pic>
+        <p:nvPicPr>
+          <p:cNvPr id="13" name="Bild 12"/>
+          <p:cNvPicPr>
+            <a:picLocks noChangeAspect="1"/>
+          </p:cNvPicPr>
+          <p:nvPr/>
+        </p:nvPicPr>
+        <p:blipFill>
+          <a:blip r:embed="rId4"/>
+          <a:stretch>
+            <a:fillRect/>
+          </a:stretch>
+        </p:blipFill>
+        <p:spPr>
+          <a:xfrm rot="20961673">
+            <a:off x="3556000" y="1968500"/>
+            <a:ext cx="2032000" cy="3987800"/>
+          </a:xfrm>
+          <a:prstGeom prst="rect">
+            <a:avLst/>
+          </a:prstGeom>
+          <a:ln>
+            <a:noFill/>
+          </a:ln>
+          <a:effectLst>
+            <a:outerShdw blurRad="292100" dist="139700" dir="2700000" algn="tl" rotWithShape="0">
+              <a:srgbClr val="333333">
+                <a:alpha val="65000"/>
+              </a:srgbClr>
+            </a:outerShdw>
+          </a:effectLst>
+        </p:spPr>
+      </p:pic>
+      <p:grpSp>
+        <p:nvGrpSpPr>
+          <p:cNvPr id="17" name="Gruppierung 16"/>
+          <p:cNvGrpSpPr/>
+          <p:nvPr/>
+        </p:nvGrpSpPr>
+        <p:grpSpPr>
+          <a:xfrm>
+            <a:off x="3205357" y="1610471"/>
+            <a:ext cx="2628899" cy="4499126"/>
+            <a:chOff x="4927600" y="0"/>
+            <a:chExt cx="4580389" cy="6858000"/>
+          </a:xfrm>
+        </p:grpSpPr>
+        <p:pic>
+          <p:nvPicPr>
+            <p:cNvPr id="16" name="Bild 15"/>
+            <p:cNvPicPr>
+              <a:picLocks noChangeAspect="1"/>
+            </p:cNvPicPr>
+            <p:nvPr/>
+          </p:nvPicPr>
+          <p:blipFill>
+            <a:blip r:embed="rId5"/>
+            <a:stretch>
+              <a:fillRect/>
+            </a:stretch>
+          </p:blipFill>
+          <p:spPr>
+            <a:xfrm>
+              <a:off x="4927600" y="0"/>
+              <a:ext cx="4580389" cy="6858000"/>
+            </a:xfrm>
+            <a:prstGeom prst="rect">
+              <a:avLst/>
+            </a:prstGeom>
+            <a:ln>
+              <a:noFill/>
+            </a:ln>
+            <a:effectLst>
+              <a:outerShdw blurRad="292100" dist="139700" dir="2700000" algn="tl" rotWithShape="0">
+                <a:srgbClr val="333333">
+                  <a:alpha val="65000"/>
+                </a:srgbClr>
+              </a:outerShdw>
+            </a:effectLst>
+          </p:spPr>
+        </p:pic>
+        <p:pic>
+          <p:nvPicPr>
+            <p:cNvPr id="14" name="Bild 13"/>
+            <p:cNvPicPr>
+              <a:picLocks noChangeAspect="1"/>
+            </p:cNvPicPr>
+            <p:nvPr/>
+          </p:nvPicPr>
+          <p:blipFill>
+            <a:blip r:embed="rId6"/>
+            <a:stretch>
+              <a:fillRect/>
+            </a:stretch>
+          </p:blipFill>
+          <p:spPr>
+            <a:xfrm>
+              <a:off x="5842000" y="1257299"/>
+              <a:ext cx="2819400" cy="4605867"/>
+            </a:xfrm>
+            <a:prstGeom prst="rect">
+              <a:avLst/>
+            </a:prstGeom>
+            <a:ln>
+              <a:noFill/>
+            </a:ln>
+            <a:effectLst>
+              <a:outerShdw blurRad="292100" dist="139700" dir="2700000" algn="tl" rotWithShape="0">
+                <a:srgbClr val="333333">
+                  <a:alpha val="65000"/>
+                </a:srgbClr>
+              </a:outerShdw>
+            </a:effectLst>
+          </p:spPr>
+        </p:pic>
+      </p:grpSp>
+      <p:grpSp>
+        <p:nvGrpSpPr>
+          <p:cNvPr id="22" name="Gruppierung 21"/>
+          <p:cNvGrpSpPr/>
+          <p:nvPr/>
+        </p:nvGrpSpPr>
+        <p:grpSpPr>
+          <a:xfrm rot="20836478">
+            <a:off x="3501307" y="1994719"/>
+            <a:ext cx="2048770" cy="3756411"/>
+            <a:chOff x="3758646" y="1940010"/>
+            <a:chExt cx="2350095" cy="4308890"/>
+          </a:xfrm>
+        </p:grpSpPr>
+        <p:pic>
+          <p:nvPicPr>
+            <p:cNvPr id="20" name="Bild 19"/>
+            <p:cNvPicPr>
+              <a:picLocks noChangeAspect="1"/>
+            </p:cNvPicPr>
+            <p:nvPr/>
+          </p:nvPicPr>
+          <p:blipFill rotWithShape="1">
+            <a:blip r:embed="rId7"/>
+            <a:srcRect l="25320" t="8333" r="25309" b="9075"/>
+            <a:stretch/>
+          </p:blipFill>
+          <p:spPr>
+            <a:xfrm>
+              <a:off x="3758646" y="1940010"/>
+              <a:ext cx="2350095" cy="4308890"/>
+            </a:xfrm>
+            <a:prstGeom prst="rect">
+              <a:avLst/>
+            </a:prstGeom>
+          </p:spPr>
+        </p:pic>
+        <p:pic>
+          <p:nvPicPr>
+            <p:cNvPr id="21" name="Bild 20"/>
+            <p:cNvPicPr>
+              <a:picLocks noChangeAspect="1"/>
+            </p:cNvPicPr>
+            <p:nvPr/>
+          </p:nvPicPr>
+          <p:blipFill>
+            <a:blip r:embed="rId8"/>
+            <a:stretch>
+              <a:fillRect/>
+            </a:stretch>
+          </p:blipFill>
+          <p:spPr>
+            <a:xfrm>
+              <a:off x="4039938" y="2349500"/>
+              <a:ext cx="1846512" cy="3213100"/>
+            </a:xfrm>
+            <a:prstGeom prst="rect">
+              <a:avLst/>
+            </a:prstGeom>
+          </p:spPr>
+        </p:pic>
+      </p:grpSp>
+      <p:pic>
+        <p:nvPicPr>
+          <p:cNvPr id="23" name="Bild 22"/>
+          <p:cNvPicPr>
+            <a:picLocks noChangeAspect="1"/>
+          </p:cNvPicPr>
+          <p:nvPr/>
+        </p:nvPicPr>
+        <p:blipFill>
+          <a:blip r:embed="rId9"/>
+          <a:stretch>
+            <a:fillRect/>
+          </a:stretch>
+        </p:blipFill>
+        <p:spPr>
+          <a:xfrm>
+            <a:off x="6629400" y="3286210"/>
+            <a:ext cx="1701800" cy="1701800"/>
+          </a:xfrm>
+          <a:prstGeom prst="rect">
+            <a:avLst/>
+          </a:prstGeom>
+        </p:spPr>
+      </p:pic>
+      <p:pic>
+        <p:nvPicPr>
+          <p:cNvPr id="24" name="Bild 23"/>
+          <p:cNvPicPr>
+            <a:picLocks noChangeAspect="1"/>
+          </p:cNvPicPr>
+          <p:nvPr/>
+        </p:nvPicPr>
+        <p:blipFill>
+          <a:blip r:embed="rId10"/>
+          <a:stretch>
+            <a:fillRect/>
+          </a:stretch>
+        </p:blipFill>
+        <p:spPr>
+          <a:xfrm>
+            <a:off x="6523400" y="3852217"/>
+            <a:ext cx="2260600" cy="615093"/>
+          </a:xfrm>
+          <a:prstGeom prst="rect">
+            <a:avLst/>
+          </a:prstGeom>
+        </p:spPr>
+      </p:pic>
+      <p:pic>
+        <p:nvPicPr>
+          <p:cNvPr id="25" name="Bild 24"/>
+          <p:cNvPicPr>
+            <a:picLocks noChangeAspect="1"/>
+          </p:cNvPicPr>
+          <p:nvPr/>
+        </p:nvPicPr>
+        <p:blipFill>
+          <a:blip r:embed="rId11"/>
+          <a:stretch>
+            <a:fillRect/>
+          </a:stretch>
+        </p:blipFill>
+        <p:spPr>
+          <a:xfrm>
+            <a:off x="6431100" y="3698625"/>
+            <a:ext cx="2352900" cy="935744"/>
+          </a:xfrm>
+          <a:prstGeom prst="rect">
+            <a:avLst/>
+          </a:prstGeom>
+        </p:spPr>
+      </p:pic>
+      <p:pic>
+        <p:nvPicPr>
+          <p:cNvPr id="26" name="Bild 25"/>
+          <p:cNvPicPr>
+            <a:picLocks noChangeAspect="1"/>
+          </p:cNvPicPr>
+          <p:nvPr/>
+        </p:nvPicPr>
+        <p:blipFill>
+          <a:blip r:embed="rId12"/>
+          <a:stretch>
+            <a:fillRect/>
+          </a:stretch>
+        </p:blipFill>
+        <p:spPr>
+          <a:xfrm>
+            <a:off x="6629400" y="3286210"/>
+            <a:ext cx="1701800" cy="1701800"/>
+          </a:xfrm>
+          <a:prstGeom prst="rect">
+            <a:avLst/>
+          </a:prstGeom>
+        </p:spPr>
+      </p:pic>
     </p:spTree>
     <p:extLst>
       <p:ext uri="{BB962C8B-B14F-4D97-AF65-F5344CB8AC3E}">
@@ -3882,11 +7476,7 @@
                                           </p:stCondLst>
                                         </p:cTn>
                                         <p:tgtEl>
-                                          <p:spTgt spid="3">
-                                            <p:txEl>
-                                              <p:pRg st="6" end="6"/>
-                                            </p:txEl>
-                                          </p:spTgt>
+                                          <p:spTgt spid="4"/>
                                         </p:tgtEl>
                                         <p:attrNameLst>
                                           <p:attrName>style.visibility</p:attrName>
@@ -3913,11 +7503,7 @@
                                           </p:stCondLst>
                                         </p:cTn>
                                         <p:tgtEl>
-                                          <p:spTgt spid="3">
-                                            <p:txEl>
-                                              <p:pRg st="7" end="7"/>
-                                            </p:txEl>
-                                          </p:spTgt>
+                                          <p:spTgt spid="24"/>
                                         </p:tgtEl>
                                         <p:attrNameLst>
                                           <p:attrName>style.visibility</p:attrName>
@@ -3962,11 +7548,7 @@
                                           </p:stCondLst>
                                         </p:cTn>
                                         <p:tgtEl>
-                                          <p:spTgt spid="3">
-                                            <p:txEl>
-                                              <p:pRg st="9" end="9"/>
-                                            </p:txEl>
-                                          </p:spTgt>
+                                          <p:spTgt spid="13"/>
                                         </p:tgtEl>
                                         <p:attrNameLst>
                                           <p:attrName>style.visibility</p:attrName>
@@ -3980,24 +7562,269 @@
                                 </p:cTn>
                               </p:par>
                               <p:par>
-                                <p:cTn id="13" presetID="1" presetClass="entr" presetSubtype="0" fill="hold" nodeType="withEffect">
+                                <p:cTn id="13" presetID="3" presetClass="exit" presetSubtype="10" fill="hold" nodeType="withEffect">
+                                  <p:stCondLst>
+                                    <p:cond delay="0"/>
+                                  </p:stCondLst>
+                                  <p:childTnLst>
+                                    <p:animEffect transition="out" filter="blinds(horizontal)">
+                                      <p:cBhvr>
+                                        <p:cTn id="14" dur="500"/>
+                                        <p:tgtEl>
+                                          <p:spTgt spid="24"/>
+                                        </p:tgtEl>
+                                      </p:cBhvr>
+                                    </p:animEffect>
+                                    <p:set>
+                                      <p:cBhvr>
+                                        <p:cTn id="15" dur="1" fill="hold">
+                                          <p:stCondLst>
+                                            <p:cond delay="499"/>
+                                          </p:stCondLst>
+                                        </p:cTn>
+                                        <p:tgtEl>
+                                          <p:spTgt spid="24"/>
+                                        </p:tgtEl>
+                                        <p:attrNameLst>
+                                          <p:attrName>style.visibility</p:attrName>
+                                        </p:attrNameLst>
+                                      </p:cBhvr>
+                                      <p:to>
+                                        <p:strVal val="hidden"/>
+                                      </p:to>
+                                    </p:set>
+                                  </p:childTnLst>
+                                </p:cTn>
+                              </p:par>
+                              <p:par>
+                                <p:cTn id="16" presetID="1" presetClass="entr" presetSubtype="0" fill="hold" nodeType="withEffect">
                                   <p:stCondLst>
                                     <p:cond delay="0"/>
                                   </p:stCondLst>
                                   <p:childTnLst>
                                     <p:set>
                                       <p:cBhvr>
-                                        <p:cTn id="14" dur="1" fill="hold">
+                                        <p:cTn id="17" dur="1" fill="hold">
                                           <p:stCondLst>
                                             <p:cond delay="0"/>
                                           </p:stCondLst>
                                         </p:cTn>
                                         <p:tgtEl>
-                                          <p:spTgt spid="3">
-                                            <p:txEl>
-                                              <p:pRg st="10" end="10"/>
-                                            </p:txEl>
-                                          </p:spTgt>
+                                          <p:spTgt spid="25"/>
+                                        </p:tgtEl>
+                                        <p:attrNameLst>
+                                          <p:attrName>style.visibility</p:attrName>
+                                        </p:attrNameLst>
+                                      </p:cBhvr>
+                                      <p:to>
+                                        <p:strVal val="visible"/>
+                                      </p:to>
+                                    </p:set>
+                                  </p:childTnLst>
+                                </p:cTn>
+                              </p:par>
+                            </p:childTnLst>
+                          </p:cTn>
+                        </p:par>
+                      </p:childTnLst>
+                    </p:cTn>
+                  </p:par>
+                  <p:par>
+                    <p:cTn id="18" fill="hold">
+                      <p:stCondLst>
+                        <p:cond delay="indefinite"/>
+                      </p:stCondLst>
+                      <p:childTnLst>
+                        <p:par>
+                          <p:cTn id="19" fill="hold">
+                            <p:stCondLst>
+                              <p:cond delay="0"/>
+                            </p:stCondLst>
+                            <p:childTnLst>
+                              <p:par>
+                                <p:cTn id="20" presetID="1" presetClass="entr" presetSubtype="0" fill="hold" nodeType="clickEffect">
+                                  <p:stCondLst>
+                                    <p:cond delay="0"/>
+                                  </p:stCondLst>
+                                  <p:childTnLst>
+                                    <p:set>
+                                      <p:cBhvr>
+                                        <p:cTn id="21" dur="1" fill="hold">
+                                          <p:stCondLst>
+                                            <p:cond delay="0"/>
+                                          </p:stCondLst>
+                                        </p:cTn>
+                                        <p:tgtEl>
+                                          <p:spTgt spid="17"/>
+                                        </p:tgtEl>
+                                        <p:attrNameLst>
+                                          <p:attrName>style.visibility</p:attrName>
+                                        </p:attrNameLst>
+                                      </p:cBhvr>
+                                      <p:to>
+                                        <p:strVal val="visible"/>
+                                      </p:to>
+                                    </p:set>
+                                  </p:childTnLst>
+                                </p:cTn>
+                              </p:par>
+                              <p:par>
+                                <p:cTn id="22" presetID="3" presetClass="exit" presetSubtype="10" fill="hold" nodeType="withEffect">
+                                  <p:stCondLst>
+                                    <p:cond delay="0"/>
+                                  </p:stCondLst>
+                                  <p:childTnLst>
+                                    <p:animEffect transition="out" filter="blinds(horizontal)">
+                                      <p:cBhvr>
+                                        <p:cTn id="23" dur="500"/>
+                                        <p:tgtEl>
+                                          <p:spTgt spid="25"/>
+                                        </p:tgtEl>
+                                      </p:cBhvr>
+                                    </p:animEffect>
+                                    <p:set>
+                                      <p:cBhvr>
+                                        <p:cTn id="24" dur="1" fill="hold">
+                                          <p:stCondLst>
+                                            <p:cond delay="499"/>
+                                          </p:stCondLst>
+                                        </p:cTn>
+                                        <p:tgtEl>
+                                          <p:spTgt spid="25"/>
+                                        </p:tgtEl>
+                                        <p:attrNameLst>
+                                          <p:attrName>style.visibility</p:attrName>
+                                        </p:attrNameLst>
+                                      </p:cBhvr>
+                                      <p:to>
+                                        <p:strVal val="hidden"/>
+                                      </p:to>
+                                    </p:set>
+                                  </p:childTnLst>
+                                </p:cTn>
+                              </p:par>
+                              <p:par>
+                                <p:cTn id="25" presetID="1" presetClass="entr" presetSubtype="0" fill="hold" nodeType="withEffect">
+                                  <p:stCondLst>
+                                    <p:cond delay="0"/>
+                                  </p:stCondLst>
+                                  <p:childTnLst>
+                                    <p:set>
+                                      <p:cBhvr>
+                                        <p:cTn id="26" dur="1" fill="hold">
+                                          <p:stCondLst>
+                                            <p:cond delay="0"/>
+                                          </p:stCondLst>
+                                        </p:cTn>
+                                        <p:tgtEl>
+                                          <p:spTgt spid="26"/>
+                                        </p:tgtEl>
+                                        <p:attrNameLst>
+                                          <p:attrName>style.visibility</p:attrName>
+                                        </p:attrNameLst>
+                                      </p:cBhvr>
+                                      <p:to>
+                                        <p:strVal val="visible"/>
+                                      </p:to>
+                                    </p:set>
+                                  </p:childTnLst>
+                                </p:cTn>
+                              </p:par>
+                            </p:childTnLst>
+                          </p:cTn>
+                        </p:par>
+                      </p:childTnLst>
+                    </p:cTn>
+                  </p:par>
+                  <p:par>
+                    <p:cTn id="27" fill="hold">
+                      <p:stCondLst>
+                        <p:cond delay="indefinite"/>
+                      </p:stCondLst>
+                      <p:childTnLst>
+                        <p:par>
+                          <p:cTn id="28" fill="hold">
+                            <p:stCondLst>
+                              <p:cond delay="0"/>
+                            </p:stCondLst>
+                            <p:childTnLst>
+                              <p:par>
+                                <p:cTn id="29" presetID="1" presetClass="entr" presetSubtype="0" fill="hold" nodeType="clickEffect">
+                                  <p:stCondLst>
+                                    <p:cond delay="0"/>
+                                  </p:stCondLst>
+                                  <p:childTnLst>
+                                    <p:set>
+                                      <p:cBhvr>
+                                        <p:cTn id="30" dur="1" fill="hold">
+                                          <p:stCondLst>
+                                            <p:cond delay="0"/>
+                                          </p:stCondLst>
+                                        </p:cTn>
+                                        <p:tgtEl>
+                                          <p:spTgt spid="22"/>
+                                        </p:tgtEl>
+                                        <p:attrNameLst>
+                                          <p:attrName>style.visibility</p:attrName>
+                                        </p:attrNameLst>
+                                      </p:cBhvr>
+                                      <p:to>
+                                        <p:strVal val="visible"/>
+                                      </p:to>
+                                    </p:set>
+                                  </p:childTnLst>
+                                </p:cTn>
+                              </p:par>
+                              <p:par>
+                                <p:cTn id="31" presetID="3" presetClass="exit" presetSubtype="10" fill="hold" nodeType="withEffect">
+                                  <p:stCondLst>
+                                    <p:cond delay="0"/>
+                                  </p:stCondLst>
+                                  <p:childTnLst>
+                                    <p:animEffect transition="out" filter="blinds(horizontal)">
+                                      <p:cBhvr>
+                                        <p:cTn id="32" dur="500"/>
+                                        <p:tgtEl>
+                                          <p:spTgt spid="26"/>
+                                        </p:tgtEl>
+                                      </p:cBhvr>
+                                    </p:animEffect>
+                                    <p:set>
+                                      <p:cBhvr>
+                                        <p:cTn id="33" dur="1" fill="hold">
+                                          <p:stCondLst>
+                                            <p:cond delay="499"/>
+                                          </p:stCondLst>
+                                        </p:cTn>
+                                        <p:tgtEl>
+                                          <p:spTgt spid="26"/>
+                                        </p:tgtEl>
+                                        <p:attrNameLst>
+                                          <p:attrName>style.visibility</p:attrName>
+                                        </p:attrNameLst>
+                                      </p:cBhvr>
+                                      <p:to>
+                                        <p:strVal val="hidden"/>
+                                      </p:to>
+                                    </p:set>
+                                  </p:childTnLst>
+                                </p:cTn>
+                              </p:par>
+                              <p:par>
+                                <p:cTn id="34" presetID="1" presetClass="entr" presetSubtype="0" fill="hold" nodeType="withEffect">
+                                  <p:stCondLst>
+                                    <p:cond delay="0"/>
+                                  </p:stCondLst>
+                                  <p:childTnLst>
+                                    <p:set>
+                                      <p:cBhvr>
+                                        <p:cTn id="35" dur="1" fill="hold">
+                                          <p:stCondLst>
+                                            <p:cond delay="0"/>
+                                          </p:stCondLst>
+                                        </p:cTn>
+                                        <p:tgtEl>
+                                          <p:spTgt spid="23"/>
                                         </p:tgtEl>
                                         <p:attrNameLst>
                                           <p:attrName>style.visibility</p:attrName>
@@ -4076,16 +7903,16 @@
           <a:lstStyle/>
           <a:p>
             <a:r>
-              <a:rPr lang="de-CH" dirty="0" smtClean="0"/>
-              <a:t>Fazit</a:t>
-            </a:r>
-            <a:endParaRPr lang="de-CH" dirty="0"/>
+              <a:rPr lang="de-DE" dirty="0" smtClean="0"/>
+              <a:t>Anwendungsbeispiel</a:t>
+            </a:r>
+            <a:endParaRPr lang="de-DE" dirty="0"/>
           </a:p>
         </p:txBody>
       </p:sp>
       <p:sp>
         <p:nvSpPr>
-          <p:cNvPr id="3" name="Inhaltsplatzhalter 2"/>
+          <p:cNvPr id="4" name="Inhaltsplatzhalter 3"/>
           <p:cNvSpPr>
             <a:spLocks noGrp="1"/>
           </p:cNvSpPr>
@@ -4093,97 +7920,172 @@
             <p:ph idx="1"/>
           </p:nvPr>
         </p:nvSpPr>
-        <p:spPr/>
+        <p:spPr>
+          <a:xfrm>
+            <a:off x="1815240" y="1656000"/>
+            <a:ext cx="6984000" cy="4525963"/>
+          </a:xfrm>
+        </p:spPr>
         <p:txBody>
-          <a:bodyPr/>
+          <a:bodyPr>
+            <a:normAutofit/>
+          </a:bodyPr>
           <a:lstStyle/>
           <a:p>
+            <a:endParaRPr lang="de-CH" dirty="0" smtClean="0"/>
+          </a:p>
+          <a:p>
+            <a:r>
+              <a:rPr lang="de-CH" dirty="0" err="1" smtClean="0"/>
+              <a:t>myTaxi</a:t>
+            </a:r>
+            <a:endParaRPr lang="de-CH" dirty="0" smtClean="0"/>
+          </a:p>
+          <a:p>
+            <a:endParaRPr lang="de-CH" dirty="0" smtClean="0"/>
+          </a:p>
+          <a:p>
             <a:pPr marL="285750" indent="-285750">
-              <a:buFont typeface="Arial" pitchFamily="34" charset="0"/>
+              <a:buFont typeface="Arial"/>
               <a:buChar char="•"/>
             </a:pPr>
-            <a:endParaRPr lang="de-CH" dirty="0" smtClean="0"/>
+            <a:r>
+              <a:rPr lang="de-DE" b="0" dirty="0" smtClean="0"/>
+              <a:t>Weltweit städteübergreifende Smart-Phone Applikation</a:t>
+            </a:r>
           </a:p>
           <a:p>
             <a:pPr marL="285750" indent="-285750">
-              <a:buFont typeface="Arial" pitchFamily="34" charset="0"/>
+              <a:buFont typeface="Arial"/>
               <a:buChar char="•"/>
             </a:pPr>
-            <a:endParaRPr lang="de-CH" dirty="0" smtClean="0"/>
+            <a:r>
+              <a:rPr lang="de-DE" b="0" dirty="0" smtClean="0"/>
+              <a:t>Per Knopfdruck ein Taxi bestellen</a:t>
+            </a:r>
           </a:p>
           <a:p>
             <a:pPr marL="285750" indent="-285750">
-              <a:buFont typeface="Arial" pitchFamily="34" charset="0"/>
+              <a:buFont typeface="Arial"/>
               <a:buChar char="•"/>
             </a:pPr>
-            <a:endParaRPr lang="de-CH" dirty="0" smtClean="0"/>
+            <a:endParaRPr lang="de-DE" b="0" dirty="0"/>
+          </a:p>
+          <a:p>
+            <a:r>
+              <a:rPr lang="de-CH" dirty="0" smtClean="0"/>
+              <a:t>Funktionalitäten</a:t>
+            </a:r>
+            <a:endParaRPr lang="de-CH" dirty="0"/>
+          </a:p>
+          <a:p>
+            <a:endParaRPr lang="de-CH" dirty="0"/>
           </a:p>
           <a:p>
             <a:pPr marL="285750" indent="-285750">
-              <a:buFont typeface="Arial" pitchFamily="34" charset="0"/>
+              <a:buFont typeface="Arial"/>
               <a:buChar char="•"/>
             </a:pPr>
             <a:r>
-              <a:rPr lang="de-CH" dirty="0" smtClean="0"/>
-              <a:t>Interessantes Themengebiet</a:t>
-            </a:r>
-            <a:endParaRPr lang="de-CH" dirty="0"/>
+              <a:rPr lang="de-DE" b="0" dirty="0" smtClean="0"/>
+              <a:t>Fahrgast wählt </a:t>
+            </a:r>
+            <a:r>
+              <a:rPr lang="de-DE" b="0" dirty="0"/>
+              <a:t>E</a:t>
+            </a:r>
+            <a:r>
+              <a:rPr lang="de-DE" b="0" dirty="0" smtClean="0"/>
+              <a:t>instiegsort vom aktuellen Ort oder manuelle Eingabe</a:t>
+            </a:r>
           </a:p>
           <a:p>
             <a:pPr marL="285750" indent="-285750">
-              <a:buFont typeface="Arial" pitchFamily="34" charset="0"/>
+              <a:buFont typeface="Arial"/>
               <a:buChar char="•"/>
             </a:pPr>
-            <a:endParaRPr lang="de-CH" dirty="0" smtClean="0"/>
+            <a:r>
+              <a:rPr lang="de-DE" b="0" dirty="0" smtClean="0"/>
+              <a:t>Weitere Anforderungen an das Taxi stellen</a:t>
+            </a:r>
+            <a:br>
+              <a:rPr lang="de-DE" b="0" dirty="0" smtClean="0"/>
+            </a:br>
+            <a:endParaRPr lang="de-DE" b="0" dirty="0" smtClean="0"/>
           </a:p>
           <a:p>
             <a:pPr marL="285750" indent="-285750">
-              <a:buFont typeface="Arial" pitchFamily="34" charset="0"/>
+              <a:buFont typeface="Arial"/>
               <a:buChar char="•"/>
             </a:pPr>
             <a:r>
-              <a:rPr lang="de-CH" dirty="0" smtClean="0"/>
-              <a:t>Einfache Erweiterbarkeit auf neue Probleme</a:t>
-            </a:r>
-            <a:endParaRPr lang="de-CH" dirty="0"/>
-          </a:p>
-          <a:p>
-            <a:pPr marL="285750" indent="-285750">
-              <a:buFont typeface="Arial" pitchFamily="34" charset="0"/>
+              <a:rPr lang="de-DE" b="0" dirty="0" smtClean="0"/>
+              <a:t>Taxifahrer bekommt Fahrgastanfrage ...</a:t>
+            </a:r>
+          </a:p>
+          <a:p>
+            <a:pPr marL="465138" lvl="2" indent="-285750">
+              <a:buFont typeface="Arial"/>
               <a:buChar char="•"/>
             </a:pPr>
-            <a:endParaRPr lang="de-CH" dirty="0"/>
-          </a:p>
-          <a:p>
-            <a:pPr marL="285750" indent="-285750">
-              <a:buFont typeface="Arial" pitchFamily="34" charset="0"/>
+            <a:r>
+              <a:rPr lang="de-DE" dirty="0" smtClean="0"/>
+              <a:t>Direkt auf sein Smart-Phone</a:t>
+            </a:r>
+          </a:p>
+          <a:p>
+            <a:pPr marL="465138" lvl="2" indent="-285750">
+              <a:buFont typeface="Arial"/>
               <a:buChar char="•"/>
             </a:pPr>
             <a:r>
-              <a:rPr lang="de-CH" dirty="0" smtClean="0"/>
-              <a:t>Wichtiges Hilfsmittel zur Lösung von Optimierungsproblemen</a:t>
-            </a:r>
-          </a:p>
-          <a:p>
-            <a:pPr marL="285750" indent="-285750">
-              <a:buFont typeface="Arial" pitchFamily="34" charset="0"/>
+              <a:rPr lang="de-DE" b="0" dirty="0" smtClean="0"/>
+              <a:t>Ohne Zwischenzentrale</a:t>
+            </a:r>
+          </a:p>
+          <a:p>
+            <a:pPr marL="285750" lvl="1" indent="-285750">
+              <a:buFont typeface="Arial"/>
               <a:buChar char="•"/>
             </a:pPr>
-            <a:endParaRPr lang="de-CH" dirty="0"/>
-          </a:p>
-          <a:p>
-            <a:pPr marL="285750" indent="-285750">
-              <a:buFont typeface="Arial" pitchFamily="34" charset="0"/>
+            <a:r>
+              <a:rPr lang="de-DE" dirty="0" smtClean="0"/>
+              <a:t>... kann dies annehmen oder ablehnen</a:t>
+            </a:r>
+          </a:p>
+          <a:p>
+            <a:pPr marL="285750" lvl="1" indent="-285750">
+              <a:buFont typeface="Arial"/>
               <a:buChar char="•"/>
             </a:pPr>
-            <a:endParaRPr lang="de-CH" dirty="0"/>
+            <a:r>
+              <a:rPr lang="de-DE" b="0" dirty="0" smtClean="0"/>
+              <a:t>Taxifahrt bezahlt </a:t>
+            </a:r>
+            <a:r>
+              <a:rPr lang="de-DE" dirty="0" smtClean="0"/>
+              <a:t>mit hinterlegter Kreditkarte oder </a:t>
+            </a:r>
+            <a:r>
+              <a:rPr lang="de-DE" dirty="0" err="1" smtClean="0"/>
+              <a:t>Paypal</a:t>
+            </a:r>
+            <a:r>
+              <a:rPr lang="de-DE" dirty="0" smtClean="0"/>
+              <a:t> </a:t>
+            </a:r>
+            <a:r>
+              <a:rPr lang="de-DE" b="0" dirty="0" smtClean="0"/>
+              <a:t>die Fahrt.</a:t>
+            </a:r>
+            <a:endParaRPr lang="de-DE" b="0" dirty="0"/>
           </a:p>
         </p:txBody>
       </p:sp>
     </p:spTree>
     <p:extLst>
       <p:ext uri="{BB962C8B-B14F-4D97-AF65-F5344CB8AC3E}">
-        <p14:creationId xmlns:p14="http://schemas.microsoft.com/office/powerpoint/2010/main" val="786892501"/>
+        <p14:creationId xmlns:p14="http://schemas.microsoft.com/office/powerpoint/2010/main" val="2687808360"/>
       </p:ext>
     </p:extLst>
   </p:cSld>
@@ -4205,7 +8107,520 @@
   <p:timing>
     <p:tnLst>
       <p:par>
-        <p:cTn xmlns:p14="http://schemas.microsoft.com/office/powerpoint/2010/main" id="1" dur="indefinite" restart="never" nodeType="tmRoot"/>
+        <p:cTn xmlns:p14="http://schemas.microsoft.com/office/powerpoint/2010/main" id="1" dur="indefinite" restart="never" nodeType="tmRoot">
+          <p:childTnLst>
+            <p:seq concurrent="1" nextAc="seek">
+              <p:cTn id="2" dur="indefinite" nodeType="mainSeq">
+                <p:childTnLst>
+                  <p:par>
+                    <p:cTn id="3" fill="hold">
+                      <p:stCondLst>
+                        <p:cond delay="indefinite"/>
+                      </p:stCondLst>
+                      <p:childTnLst>
+                        <p:par>
+                          <p:cTn id="4" fill="hold">
+                            <p:stCondLst>
+                              <p:cond delay="0"/>
+                            </p:stCondLst>
+                            <p:childTnLst>
+                              <p:par>
+                                <p:cTn id="5" presetID="1" presetClass="entr" presetSubtype="0" fill="hold" nodeType="clickEffect">
+                                  <p:stCondLst>
+                                    <p:cond delay="0"/>
+                                  </p:stCondLst>
+                                  <p:childTnLst>
+                                    <p:set>
+                                      <p:cBhvr>
+                                        <p:cTn id="6" dur="1" fill="hold">
+                                          <p:stCondLst>
+                                            <p:cond delay="0"/>
+                                          </p:stCondLst>
+                                        </p:cTn>
+                                        <p:tgtEl>
+                                          <p:spTgt spid="4">
+                                            <p:txEl>
+                                              <p:pRg st="3" end="3"/>
+                                            </p:txEl>
+                                          </p:spTgt>
+                                        </p:tgtEl>
+                                        <p:attrNameLst>
+                                          <p:attrName>style.visibility</p:attrName>
+                                        </p:attrNameLst>
+                                      </p:cBhvr>
+                                      <p:to>
+                                        <p:strVal val="visible"/>
+                                      </p:to>
+                                    </p:set>
+                                  </p:childTnLst>
+                                </p:cTn>
+                              </p:par>
+                            </p:childTnLst>
+                          </p:cTn>
+                        </p:par>
+                      </p:childTnLst>
+                    </p:cTn>
+                  </p:par>
+                  <p:par>
+                    <p:cTn id="7" fill="hold">
+                      <p:stCondLst>
+                        <p:cond delay="indefinite"/>
+                      </p:stCondLst>
+                      <p:childTnLst>
+                        <p:par>
+                          <p:cTn id="8" fill="hold">
+                            <p:stCondLst>
+                              <p:cond delay="0"/>
+                            </p:stCondLst>
+                            <p:childTnLst>
+                              <p:par>
+                                <p:cTn id="9" presetID="1" presetClass="entr" presetSubtype="0" fill="hold" nodeType="clickEffect">
+                                  <p:stCondLst>
+                                    <p:cond delay="0"/>
+                                  </p:stCondLst>
+                                  <p:childTnLst>
+                                    <p:set>
+                                      <p:cBhvr>
+                                        <p:cTn id="10" dur="1" fill="hold">
+                                          <p:stCondLst>
+                                            <p:cond delay="0"/>
+                                          </p:stCondLst>
+                                        </p:cTn>
+                                        <p:tgtEl>
+                                          <p:spTgt spid="4">
+                                            <p:txEl>
+                                              <p:pRg st="4" end="4"/>
+                                            </p:txEl>
+                                          </p:spTgt>
+                                        </p:tgtEl>
+                                        <p:attrNameLst>
+                                          <p:attrName>style.visibility</p:attrName>
+                                        </p:attrNameLst>
+                                      </p:cBhvr>
+                                      <p:to>
+                                        <p:strVal val="visible"/>
+                                      </p:to>
+                                    </p:set>
+                                  </p:childTnLst>
+                                </p:cTn>
+                              </p:par>
+                            </p:childTnLst>
+                          </p:cTn>
+                        </p:par>
+                      </p:childTnLst>
+                    </p:cTn>
+                  </p:par>
+                  <p:par>
+                    <p:cTn id="11" fill="hold">
+                      <p:stCondLst>
+                        <p:cond delay="indefinite"/>
+                      </p:stCondLst>
+                      <p:childTnLst>
+                        <p:par>
+                          <p:cTn id="12" fill="hold">
+                            <p:stCondLst>
+                              <p:cond delay="0"/>
+                            </p:stCondLst>
+                            <p:childTnLst>
+                              <p:par>
+                                <p:cTn id="13" presetID="1" presetClass="entr" presetSubtype="0" fill="hold" nodeType="clickEffect">
+                                  <p:stCondLst>
+                                    <p:cond delay="0"/>
+                                  </p:stCondLst>
+                                  <p:childTnLst>
+                                    <p:set>
+                                      <p:cBhvr>
+                                        <p:cTn id="14" dur="1" fill="hold">
+                                          <p:stCondLst>
+                                            <p:cond delay="0"/>
+                                          </p:stCondLst>
+                                        </p:cTn>
+                                        <p:tgtEl>
+                                          <p:spTgt spid="4">
+                                            <p:txEl>
+                                              <p:pRg st="6" end="6"/>
+                                            </p:txEl>
+                                          </p:spTgt>
+                                        </p:tgtEl>
+                                        <p:attrNameLst>
+                                          <p:attrName>style.visibility</p:attrName>
+                                        </p:attrNameLst>
+                                      </p:cBhvr>
+                                      <p:to>
+                                        <p:strVal val="visible"/>
+                                      </p:to>
+                                    </p:set>
+                                  </p:childTnLst>
+                                </p:cTn>
+                              </p:par>
+                            </p:childTnLst>
+                          </p:cTn>
+                        </p:par>
+                      </p:childTnLst>
+                    </p:cTn>
+                  </p:par>
+                  <p:par>
+                    <p:cTn id="15" fill="hold">
+                      <p:stCondLst>
+                        <p:cond delay="indefinite"/>
+                      </p:stCondLst>
+                      <p:childTnLst>
+                        <p:par>
+                          <p:cTn id="16" fill="hold">
+                            <p:stCondLst>
+                              <p:cond delay="0"/>
+                            </p:stCondLst>
+                            <p:childTnLst>
+                              <p:par>
+                                <p:cTn id="17" presetID="1" presetClass="entr" presetSubtype="0" fill="hold" nodeType="clickEffect">
+                                  <p:stCondLst>
+                                    <p:cond delay="0"/>
+                                  </p:stCondLst>
+                                  <p:childTnLst>
+                                    <p:set>
+                                      <p:cBhvr>
+                                        <p:cTn id="18" dur="1" fill="hold">
+                                          <p:stCondLst>
+                                            <p:cond delay="0"/>
+                                          </p:stCondLst>
+                                        </p:cTn>
+                                        <p:tgtEl>
+                                          <p:spTgt spid="4">
+                                            <p:txEl>
+                                              <p:pRg st="8" end="8"/>
+                                            </p:txEl>
+                                          </p:spTgt>
+                                        </p:tgtEl>
+                                        <p:attrNameLst>
+                                          <p:attrName>style.visibility</p:attrName>
+                                        </p:attrNameLst>
+                                      </p:cBhvr>
+                                      <p:to>
+                                        <p:strVal val="visible"/>
+                                      </p:to>
+                                    </p:set>
+                                  </p:childTnLst>
+                                </p:cTn>
+                              </p:par>
+                            </p:childTnLst>
+                          </p:cTn>
+                        </p:par>
+                      </p:childTnLst>
+                    </p:cTn>
+                  </p:par>
+                  <p:par>
+                    <p:cTn id="19" fill="hold">
+                      <p:stCondLst>
+                        <p:cond delay="indefinite"/>
+                      </p:stCondLst>
+                      <p:childTnLst>
+                        <p:par>
+                          <p:cTn id="20" fill="hold">
+                            <p:stCondLst>
+                              <p:cond delay="0"/>
+                            </p:stCondLst>
+                            <p:childTnLst>
+                              <p:par>
+                                <p:cTn id="21" presetID="1" presetClass="entr" presetSubtype="0" fill="hold" nodeType="clickEffect">
+                                  <p:stCondLst>
+                                    <p:cond delay="0"/>
+                                  </p:stCondLst>
+                                  <p:childTnLst>
+                                    <p:set>
+                                      <p:cBhvr>
+                                        <p:cTn id="22" dur="1" fill="hold">
+                                          <p:stCondLst>
+                                            <p:cond delay="0"/>
+                                          </p:stCondLst>
+                                        </p:cTn>
+                                        <p:tgtEl>
+                                          <p:spTgt spid="4">
+                                            <p:txEl>
+                                              <p:pRg st="9" end="9"/>
+                                            </p:txEl>
+                                          </p:spTgt>
+                                        </p:tgtEl>
+                                        <p:attrNameLst>
+                                          <p:attrName>style.visibility</p:attrName>
+                                        </p:attrNameLst>
+                                      </p:cBhvr>
+                                      <p:to>
+                                        <p:strVal val="visible"/>
+                                      </p:to>
+                                    </p:set>
+                                  </p:childTnLst>
+                                </p:cTn>
+                              </p:par>
+                            </p:childTnLst>
+                          </p:cTn>
+                        </p:par>
+                      </p:childTnLst>
+                    </p:cTn>
+                  </p:par>
+                  <p:par>
+                    <p:cTn id="23" fill="hold">
+                      <p:stCondLst>
+                        <p:cond delay="indefinite"/>
+                      </p:stCondLst>
+                      <p:childTnLst>
+                        <p:par>
+                          <p:cTn id="24" fill="hold">
+                            <p:stCondLst>
+                              <p:cond delay="0"/>
+                            </p:stCondLst>
+                            <p:childTnLst>
+                              <p:par>
+                                <p:cTn id="25" presetID="1" presetClass="entr" presetSubtype="0" fill="hold" nodeType="clickEffect">
+                                  <p:stCondLst>
+                                    <p:cond delay="0"/>
+                                  </p:stCondLst>
+                                  <p:childTnLst>
+                                    <p:set>
+                                      <p:cBhvr>
+                                        <p:cTn id="26" dur="1" fill="hold">
+                                          <p:stCondLst>
+                                            <p:cond delay="0"/>
+                                          </p:stCondLst>
+                                        </p:cTn>
+                                        <p:tgtEl>
+                                          <p:spTgt spid="4">
+                                            <p:txEl>
+                                              <p:pRg st="10" end="10"/>
+                                            </p:txEl>
+                                          </p:spTgt>
+                                        </p:tgtEl>
+                                        <p:attrNameLst>
+                                          <p:attrName>style.visibility</p:attrName>
+                                        </p:attrNameLst>
+                                      </p:cBhvr>
+                                      <p:to>
+                                        <p:strVal val="visible"/>
+                                      </p:to>
+                                    </p:set>
+                                  </p:childTnLst>
+                                </p:cTn>
+                              </p:par>
+                            </p:childTnLst>
+                          </p:cTn>
+                        </p:par>
+                      </p:childTnLst>
+                    </p:cTn>
+                  </p:par>
+                  <p:par>
+                    <p:cTn id="27" fill="hold">
+                      <p:stCondLst>
+                        <p:cond delay="indefinite"/>
+                      </p:stCondLst>
+                      <p:childTnLst>
+                        <p:par>
+                          <p:cTn id="28" fill="hold">
+                            <p:stCondLst>
+                              <p:cond delay="0"/>
+                            </p:stCondLst>
+                            <p:childTnLst>
+                              <p:par>
+                                <p:cTn id="29" presetID="1" presetClass="entr" presetSubtype="0" fill="hold" nodeType="clickEffect">
+                                  <p:stCondLst>
+                                    <p:cond delay="0"/>
+                                  </p:stCondLst>
+                                  <p:childTnLst>
+                                    <p:set>
+                                      <p:cBhvr>
+                                        <p:cTn id="30" dur="1" fill="hold">
+                                          <p:stCondLst>
+                                            <p:cond delay="0"/>
+                                          </p:stCondLst>
+                                        </p:cTn>
+                                        <p:tgtEl>
+                                          <p:spTgt spid="4">
+                                            <p:txEl>
+                                              <p:pRg st="11" end="11"/>
+                                            </p:txEl>
+                                          </p:spTgt>
+                                        </p:tgtEl>
+                                        <p:attrNameLst>
+                                          <p:attrName>style.visibility</p:attrName>
+                                        </p:attrNameLst>
+                                      </p:cBhvr>
+                                      <p:to>
+                                        <p:strVal val="visible"/>
+                                      </p:to>
+                                    </p:set>
+                                  </p:childTnLst>
+                                </p:cTn>
+                              </p:par>
+                            </p:childTnLst>
+                          </p:cTn>
+                        </p:par>
+                      </p:childTnLst>
+                    </p:cTn>
+                  </p:par>
+                  <p:par>
+                    <p:cTn id="31" fill="hold">
+                      <p:stCondLst>
+                        <p:cond delay="indefinite"/>
+                      </p:stCondLst>
+                      <p:childTnLst>
+                        <p:par>
+                          <p:cTn id="32" fill="hold">
+                            <p:stCondLst>
+                              <p:cond delay="0"/>
+                            </p:stCondLst>
+                            <p:childTnLst>
+                              <p:par>
+                                <p:cTn id="33" presetID="1" presetClass="entr" presetSubtype="0" fill="hold" nodeType="clickEffect">
+                                  <p:stCondLst>
+                                    <p:cond delay="0"/>
+                                  </p:stCondLst>
+                                  <p:childTnLst>
+                                    <p:set>
+                                      <p:cBhvr>
+                                        <p:cTn id="34" dur="1" fill="hold">
+                                          <p:stCondLst>
+                                            <p:cond delay="0"/>
+                                          </p:stCondLst>
+                                        </p:cTn>
+                                        <p:tgtEl>
+                                          <p:spTgt spid="4">
+                                            <p:txEl>
+                                              <p:pRg st="12" end="12"/>
+                                            </p:txEl>
+                                          </p:spTgt>
+                                        </p:tgtEl>
+                                        <p:attrNameLst>
+                                          <p:attrName>style.visibility</p:attrName>
+                                        </p:attrNameLst>
+                                      </p:cBhvr>
+                                      <p:to>
+                                        <p:strVal val="visible"/>
+                                      </p:to>
+                                    </p:set>
+                                  </p:childTnLst>
+                                </p:cTn>
+                              </p:par>
+                            </p:childTnLst>
+                          </p:cTn>
+                        </p:par>
+                      </p:childTnLst>
+                    </p:cTn>
+                  </p:par>
+                  <p:par>
+                    <p:cTn id="35" fill="hold">
+                      <p:stCondLst>
+                        <p:cond delay="indefinite"/>
+                      </p:stCondLst>
+                      <p:childTnLst>
+                        <p:par>
+                          <p:cTn id="36" fill="hold">
+                            <p:stCondLst>
+                              <p:cond delay="0"/>
+                            </p:stCondLst>
+                            <p:childTnLst>
+                              <p:par>
+                                <p:cTn id="37" presetID="1" presetClass="entr" presetSubtype="0" fill="hold" nodeType="clickEffect">
+                                  <p:stCondLst>
+                                    <p:cond delay="0"/>
+                                  </p:stCondLst>
+                                  <p:childTnLst>
+                                    <p:set>
+                                      <p:cBhvr>
+                                        <p:cTn id="38" dur="1" fill="hold">
+                                          <p:stCondLst>
+                                            <p:cond delay="0"/>
+                                          </p:stCondLst>
+                                        </p:cTn>
+                                        <p:tgtEl>
+                                          <p:spTgt spid="4">
+                                            <p:txEl>
+                                              <p:pRg st="13" end="13"/>
+                                            </p:txEl>
+                                          </p:spTgt>
+                                        </p:tgtEl>
+                                        <p:attrNameLst>
+                                          <p:attrName>style.visibility</p:attrName>
+                                        </p:attrNameLst>
+                                      </p:cBhvr>
+                                      <p:to>
+                                        <p:strVal val="visible"/>
+                                      </p:to>
+                                    </p:set>
+                                  </p:childTnLst>
+                                </p:cTn>
+                              </p:par>
+                            </p:childTnLst>
+                          </p:cTn>
+                        </p:par>
+                      </p:childTnLst>
+                    </p:cTn>
+                  </p:par>
+                  <p:par>
+                    <p:cTn id="39" fill="hold">
+                      <p:stCondLst>
+                        <p:cond delay="indefinite"/>
+                      </p:stCondLst>
+                      <p:childTnLst>
+                        <p:par>
+                          <p:cTn id="40" fill="hold">
+                            <p:stCondLst>
+                              <p:cond delay="0"/>
+                            </p:stCondLst>
+                            <p:childTnLst>
+                              <p:par>
+                                <p:cTn id="41" presetID="1" presetClass="entr" presetSubtype="0" fill="hold" nodeType="clickEffect">
+                                  <p:stCondLst>
+                                    <p:cond delay="0"/>
+                                  </p:stCondLst>
+                                  <p:childTnLst>
+                                    <p:set>
+                                      <p:cBhvr>
+                                        <p:cTn id="42" dur="1" fill="hold">
+                                          <p:stCondLst>
+                                            <p:cond delay="0"/>
+                                          </p:stCondLst>
+                                        </p:cTn>
+                                        <p:tgtEl>
+                                          <p:spTgt spid="4">
+                                            <p:txEl>
+                                              <p:pRg st="14" end="14"/>
+                                            </p:txEl>
+                                          </p:spTgt>
+                                        </p:tgtEl>
+                                        <p:attrNameLst>
+                                          <p:attrName>style.visibility</p:attrName>
+                                        </p:attrNameLst>
+                                      </p:cBhvr>
+                                      <p:to>
+                                        <p:strVal val="visible"/>
+                                      </p:to>
+                                    </p:set>
+                                  </p:childTnLst>
+                                </p:cTn>
+                              </p:par>
+                            </p:childTnLst>
+                          </p:cTn>
+                        </p:par>
+                      </p:childTnLst>
+                    </p:cTn>
+                  </p:par>
+                </p:childTnLst>
+              </p:cTn>
+              <p:prevCondLst>
+                <p:cond evt="onPrev" delay="0">
+                  <p:tgtEl>
+                    <p:sldTgt/>
+                  </p:tgtEl>
+                </p:cond>
+              </p:prevCondLst>
+              <p:nextCondLst>
+                <p:cond evt="onNext" delay="0">
+                  <p:tgtEl>
+                    <p:sldTgt/>
+                  </p:tgtEl>
+                </p:cond>
+              </p:nextCondLst>
+            </p:seq>
+          </p:childTnLst>
+        </p:cTn>
       </p:par>
     </p:tnLst>
   </p:timing>
@@ -4231,7 +8646,7 @@
       </p:grpSpPr>
       <p:sp>
         <p:nvSpPr>
-          <p:cNvPr id="5" name="Titel 4"/>
+          <p:cNvPr id="4" name="Titel 3"/>
           <p:cNvSpPr>
             <a:spLocks noGrp="1"/>
           </p:cNvSpPr>
@@ -4242,27 +8657,56 @@
         <p:spPr/>
         <p:txBody>
           <a:bodyPr>
-            <a:normAutofit/>
+            <a:normAutofit fontScale="90000"/>
           </a:bodyPr>
           <a:lstStyle/>
           <a:p>
             <a:r>
-              <a:rPr lang="de-DE" dirty="0" smtClean="0"/>
-              <a:t>Danke für eure Aufmerksamkeit</a:t>
-            </a:r>
-            <a:endParaRPr lang="de-DE" dirty="0"/>
+              <a:rPr lang="de-CH" dirty="0" smtClean="0"/>
+              <a:t>Demonstration</a:t>
+            </a:r>
+            <a:endParaRPr lang="de-CH" dirty="0"/>
           </a:p>
         </p:txBody>
       </p:sp>
+      <p:pic>
+        <p:nvPicPr>
+          <p:cNvPr id="8" name="Bild 7"/>
+          <p:cNvPicPr>
+            <a:picLocks noChangeAspect="1"/>
+          </p:cNvPicPr>
+          <p:nvPr/>
+        </p:nvPicPr>
+        <p:blipFill>
+          <a:blip r:embed="rId3"/>
+          <a:stretch>
+            <a:fillRect/>
+          </a:stretch>
+        </p:blipFill>
+        <p:spPr>
+          <a:xfrm>
+            <a:off x="1800000" y="2387600"/>
+            <a:ext cx="5626100" cy="2237490"/>
+          </a:xfrm>
+          <a:prstGeom prst="rect">
+            <a:avLst/>
+          </a:prstGeom>
+        </p:spPr>
+      </p:pic>
     </p:spTree>
+    <p:extLst>
+      <p:ext uri="{BB962C8B-B14F-4D97-AF65-F5344CB8AC3E}">
+        <p14:creationId xmlns:p14="http://schemas.microsoft.com/office/powerpoint/2010/main" val="2567143057"/>
+      </p:ext>
+    </p:extLst>
   </p:cSld>
   <p:clrMapOvr>
     <a:masterClrMapping/>
   </p:clrMapOvr>
   <mc:AlternateContent xmlns:mc="http://schemas.openxmlformats.org/markup-compatibility/2006" xmlns:p14="http://schemas.microsoft.com/office/powerpoint/2010/main">
     <mc:Choice Requires="p14">
-      <p:transition spd="slow" p14:dur="1600">
-        <p14:gallery dir="l"/>
+      <p:transition spd="slow" p14:dur="1100">
+        <p14:switch dir="r"/>
       </p:transition>
     </mc:Choice>
     <mc:Fallback xmlns="">
@@ -4300,125 +8744,186 @@
       </p:grpSpPr>
       <p:sp>
         <p:nvSpPr>
-          <p:cNvPr id="5" name="Textplatzhalter 4"/>
+          <p:cNvPr id="2" name="Titel 1"/>
           <p:cNvSpPr>
             <a:spLocks noGrp="1"/>
           </p:cNvSpPr>
           <p:nvPr>
-            <p:ph type="body" sz="quarter" idx="11"/>
+            <p:ph type="title"/>
           </p:nvPr>
         </p:nvSpPr>
         <p:spPr/>
         <p:txBody>
-          <a:bodyPr/>
+          <a:bodyPr>
+            <a:normAutofit fontScale="90000"/>
+          </a:bodyPr>
           <a:lstStyle/>
           <a:p>
-            <a:endParaRPr lang="de-CH" dirty="0"/>
+            <a:r>
+              <a:rPr lang="de-DE" dirty="0" smtClean="0"/>
+              <a:t>Verwendete Technologien</a:t>
+            </a:r>
+            <a:endParaRPr lang="de-DE" dirty="0"/>
           </a:p>
         </p:txBody>
       </p:sp>
       <p:sp>
         <p:nvSpPr>
-          <p:cNvPr id="3" name="Inhaltsplatzhalter 2"/>
+          <p:cNvPr id="4" name="Inhaltsplatzhalter 3"/>
           <p:cNvSpPr>
             <a:spLocks noGrp="1"/>
           </p:cNvSpPr>
           <p:nvPr>
-            <p:ph sz="quarter" idx="12"/>
+            <p:ph idx="1"/>
           </p:nvPr>
         </p:nvSpPr>
-        <p:spPr/>
+        <p:spPr>
+          <a:xfrm>
+            <a:off x="1815240" y="1656000"/>
+            <a:ext cx="6984000" cy="4693999"/>
+          </a:xfrm>
+        </p:spPr>
         <p:txBody>
-          <a:bodyPr/>
+          <a:bodyPr>
+            <a:normAutofit/>
+          </a:bodyPr>
           <a:lstStyle/>
           <a:p>
-            <a:r>
-              <a:rPr lang="de-CH" dirty="0"/>
-              <a:t>	</a:t>
-            </a:r>
-          </a:p>
-          <a:p>
+            <a:endParaRPr lang="de-CH" dirty="0" smtClean="0"/>
+          </a:p>
+          <a:p>
+            <a:r>
+              <a:rPr lang="de-CH" dirty="0" smtClean="0"/>
+              <a:t>Browser</a:t>
+            </a:r>
+          </a:p>
+          <a:p>
+            <a:endParaRPr lang="de-CH" dirty="0" smtClean="0"/>
+          </a:p>
+          <a:p>
+            <a:pPr marL="285750" indent="-285750">
+              <a:buFont typeface="Arial"/>
+              <a:buChar char="•"/>
+            </a:pPr>
+            <a:r>
+              <a:rPr lang="de-DE" b="0" dirty="0" smtClean="0"/>
+              <a:t>HTML5 – Je nach die „W3C </a:t>
+            </a:r>
+            <a:r>
+              <a:rPr lang="de-DE" b="0" dirty="0" err="1" smtClean="0"/>
+              <a:t>Geolocation</a:t>
+            </a:r>
+            <a:r>
+              <a:rPr lang="de-DE" b="0" dirty="0" smtClean="0"/>
+              <a:t> API“ wählt nach Verfügbarkeit der Technologien</a:t>
+            </a:r>
+            <a:br>
+              <a:rPr lang="de-DE" b="0" dirty="0" smtClean="0"/>
+            </a:br>
+            <a:endParaRPr lang="de-DE" b="0" dirty="0"/>
+          </a:p>
+          <a:p>
+            <a:r>
+              <a:rPr lang="de-CH" dirty="0" smtClean="0"/>
+              <a:t>Mobile App</a:t>
+            </a:r>
             <a:endParaRPr lang="de-CH" dirty="0"/>
+          </a:p>
+          <a:p>
+            <a:endParaRPr lang="de-CH" dirty="0"/>
+          </a:p>
+          <a:p>
+            <a:pPr marL="285750" indent="-285750">
+              <a:buFont typeface="Arial"/>
+              <a:buChar char="•"/>
+            </a:pPr>
+            <a:r>
+              <a:rPr lang="de-DE" b="0" dirty="0" err="1" smtClean="0"/>
+              <a:t>iOS</a:t>
+            </a:r>
+            <a:r>
+              <a:rPr lang="de-DE" b="0" dirty="0"/>
+              <a:t> </a:t>
+            </a:r>
+            <a:r>
+              <a:rPr lang="de-DE" b="0" dirty="0" smtClean="0"/>
+              <a:t>von Apple</a:t>
+            </a:r>
+          </a:p>
+          <a:p>
+            <a:pPr marL="285750" indent="-285750">
+              <a:buFont typeface="Arial"/>
+              <a:buChar char="•"/>
+            </a:pPr>
+            <a:r>
+              <a:rPr lang="de-DE" b="0" dirty="0" err="1" smtClean="0"/>
+              <a:t>Android</a:t>
+            </a:r>
+            <a:r>
+              <a:rPr lang="de-DE" b="0" dirty="0" smtClean="0"/>
+              <a:t> von Google</a:t>
+            </a:r>
+          </a:p>
+          <a:p>
+            <a:pPr marL="285750" indent="-285750">
+              <a:buFont typeface="Arial"/>
+              <a:buChar char="•"/>
+            </a:pPr>
+            <a:r>
+              <a:rPr lang="de-DE" b="0" dirty="0" smtClean="0"/>
+              <a:t>Windows Phone von Microsoft</a:t>
+            </a:r>
+          </a:p>
+          <a:p>
+            <a:pPr marL="285750" indent="-285750">
+              <a:buFont typeface="Arial"/>
+              <a:buChar char="•"/>
+            </a:pPr>
+            <a:endParaRPr lang="de-DE" b="0" dirty="0"/>
+          </a:p>
+          <a:p>
+            <a:pPr marL="285750" indent="-285750">
+              <a:buFont typeface="Arial"/>
+              <a:buChar char="•"/>
+            </a:pPr>
+            <a:r>
+              <a:rPr lang="de-DE" b="0" dirty="0" smtClean="0"/>
+              <a:t>Verfügbare WLAN Hotspots</a:t>
+            </a:r>
+          </a:p>
+          <a:p>
+            <a:pPr marL="285750" indent="-285750">
+              <a:buFont typeface="Arial"/>
+              <a:buChar char="•"/>
+            </a:pPr>
+            <a:r>
+              <a:rPr lang="de-DE" b="0" dirty="0" smtClean="0"/>
+              <a:t>Verfügbares GPS Signal</a:t>
+            </a:r>
+          </a:p>
+          <a:p>
+            <a:pPr marL="285750" indent="-285750">
+              <a:buFont typeface="Arial"/>
+              <a:buChar char="•"/>
+            </a:pPr>
+            <a:r>
+              <a:rPr lang="de-DE" b="0" dirty="0" smtClean="0"/>
+              <a:t>Verfügbares Zell-Information aus dem Funknetz</a:t>
+            </a:r>
+          </a:p>
+          <a:p>
+            <a:pPr marL="285750" indent="-285750">
+              <a:buFont typeface="Arial"/>
+              <a:buChar char="•"/>
+            </a:pPr>
+            <a:endParaRPr lang="de-DE" b="0" dirty="0" smtClean="0"/>
           </a:p>
         </p:txBody>
       </p:sp>
-      <p:pic>
-        <p:nvPicPr>
-          <p:cNvPr id="1026" name="Picture 2" descr="http://de.dreamstime.com/3d-fragezeichen-mit-kleiner-ameise-thumb14246058.jpg"/>
-          <p:cNvPicPr>
-            <a:picLocks noChangeAspect="1" noChangeArrowheads="1"/>
-          </p:cNvPicPr>
-          <p:nvPr/>
-        </p:nvPicPr>
-        <p:blipFill>
-          <a:blip r:embed="rId3">
-            <a:extLst>
-              <a:ext uri="{BEBA8EAE-BF5A-486C-A8C5-ECC9F3942E4B}">
-                <a14:imgProps xmlns:a14="http://schemas.microsoft.com/office/drawing/2010/main">
-                  <a14:imgLayer r:embed="rId4">
-                    <a14:imgEffect>
-                      <a14:backgroundRemoval t="2889" b="96667" l="9577" r="89577">
-                        <a14:foregroundMark x1="69859" y1="78889" x2="69859" y2="78889"/>
-                        <a14:foregroundMark x1="72676" y1="78667" x2="72676" y2="78667"/>
-                        <a14:foregroundMark x1="72676" y1="79333" x2="72676" y2="79333"/>
-                        <a14:foregroundMark x1="69014" y1="79778" x2="69014" y2="79778"/>
-                        <a14:foregroundMark x1="65070" y1="79556" x2="65070" y2="79556"/>
-                        <a14:foregroundMark x1="63662" y1="79111" x2="63662" y2="79111"/>
-                        <a14:foregroundMark x1="62254" y1="78667" x2="62254" y2="78667"/>
-                        <a14:foregroundMark x1="74930" y1="79111" x2="74930" y2="79111"/>
-                        <a14:foregroundMark x1="76901" y1="78889" x2="76901" y2="78889"/>
-                        <a14:foregroundMark x1="65915" y1="78667" x2="65915" y2="78667"/>
-                        <a14:foregroundMark x1="54930" y1="93333" x2="54930" y2="93333"/>
-                        <a14:foregroundMark x1="56338" y1="92889" x2="56338" y2="92889"/>
-                        <a14:backgroundMark x1="34648" y1="33556" x2="34648" y2="33556"/>
-                        <a14:backgroundMark x1="51268" y1="34222" x2="51268" y2="34222"/>
-                        <a14:backgroundMark x1="54648" y1="91333" x2="54648" y2="91333"/>
-                        <a14:backgroundMark x1="50986" y1="92000" x2="50986" y2="92000"/>
-                        <a14:backgroundMark x1="54648" y1="84889" x2="54648" y2="84889"/>
-                        <a14:backgroundMark x1="56056" y1="84889" x2="56056" y2="84889"/>
-                        <a14:backgroundMark x1="74366" y1="81111" x2="74366" y2="81111"/>
-                        <a14:backgroundMark x1="71831" y1="81333" x2="71831" y2="81333"/>
-                        <a14:backgroundMark x1="61690" y1="81111" x2="61690" y2="81111"/>
-                        <a14:backgroundMark x1="58028" y1="82222" x2="58028" y2="82222"/>
-                      </a14:backgroundRemoval>
-                    </a14:imgEffect>
-                  </a14:imgLayer>
-                </a14:imgProps>
-              </a:ext>
-              <a:ext uri="{28A0092B-C50C-407E-A947-70E740481C1C}">
-                <a14:useLocalDpi xmlns:a14="http://schemas.microsoft.com/office/drawing/2010/main" val="0"/>
-              </a:ext>
-            </a:extLst>
-          </a:blip>
-          <a:srcRect/>
-          <a:stretch>
-            <a:fillRect/>
-          </a:stretch>
-        </p:blipFill>
-        <p:spPr bwMode="auto">
-          <a:xfrm>
-            <a:off x="3234761" y="1207829"/>
-            <a:ext cx="3122495" cy="3958092"/>
-          </a:xfrm>
-          <a:prstGeom prst="rect">
-            <a:avLst/>
-          </a:prstGeom>
-          <a:noFill/>
-          <a:extLst>
-            <a:ext uri="{909E8E84-426E-40dd-AFC4-6F175D3DCCD1}">
-              <a14:hiddenFill xmlns:a14="http://schemas.microsoft.com/office/drawing/2010/main">
-                <a:solidFill>
-                  <a:srgbClr val="FFFFFF"/>
-                </a:solidFill>
-              </a14:hiddenFill>
-            </a:ext>
-          </a:extLst>
-        </p:spPr>
-      </p:pic>
     </p:spTree>
     <p:extLst>
       <p:ext uri="{BB962C8B-B14F-4D97-AF65-F5344CB8AC3E}">
-        <p14:creationId xmlns:p14="http://schemas.microsoft.com/office/powerpoint/2010/main" val="1920018514"/>
+        <p14:creationId xmlns:p14="http://schemas.microsoft.com/office/powerpoint/2010/main" val="4081899396"/>
       </p:ext>
     </p:extLst>
   </p:cSld>
@@ -4440,7 +8945,471 @@
   <p:timing>
     <p:tnLst>
       <p:par>
-        <p:cTn xmlns:p14="http://schemas.microsoft.com/office/powerpoint/2010/main" id="1" dur="indefinite" restart="never" nodeType="tmRoot"/>
+        <p:cTn xmlns:p14="http://schemas.microsoft.com/office/powerpoint/2010/main" id="1" dur="indefinite" restart="never" nodeType="tmRoot">
+          <p:childTnLst>
+            <p:seq concurrent="1" nextAc="seek">
+              <p:cTn id="2" dur="indefinite" nodeType="mainSeq">
+                <p:childTnLst>
+                  <p:par>
+                    <p:cTn id="3" fill="hold">
+                      <p:stCondLst>
+                        <p:cond delay="indefinite"/>
+                      </p:stCondLst>
+                      <p:childTnLst>
+                        <p:par>
+                          <p:cTn id="4" fill="hold">
+                            <p:stCondLst>
+                              <p:cond delay="0"/>
+                            </p:stCondLst>
+                            <p:childTnLst>
+                              <p:par>
+                                <p:cTn id="5" presetID="1" presetClass="entr" presetSubtype="0" fill="hold" nodeType="clickEffect">
+                                  <p:stCondLst>
+                                    <p:cond delay="0"/>
+                                  </p:stCondLst>
+                                  <p:childTnLst>
+                                    <p:set>
+                                      <p:cBhvr>
+                                        <p:cTn id="6" dur="1" fill="hold">
+                                          <p:stCondLst>
+                                            <p:cond delay="0"/>
+                                          </p:stCondLst>
+                                        </p:cTn>
+                                        <p:tgtEl>
+                                          <p:spTgt spid="4">
+                                            <p:txEl>
+                                              <p:pRg st="1" end="1"/>
+                                            </p:txEl>
+                                          </p:spTgt>
+                                        </p:tgtEl>
+                                        <p:attrNameLst>
+                                          <p:attrName>style.visibility</p:attrName>
+                                        </p:attrNameLst>
+                                      </p:cBhvr>
+                                      <p:to>
+                                        <p:strVal val="visible"/>
+                                      </p:to>
+                                    </p:set>
+                                  </p:childTnLst>
+                                </p:cTn>
+                              </p:par>
+                            </p:childTnLst>
+                          </p:cTn>
+                        </p:par>
+                      </p:childTnLst>
+                    </p:cTn>
+                  </p:par>
+                  <p:par>
+                    <p:cTn id="7" fill="hold">
+                      <p:stCondLst>
+                        <p:cond delay="indefinite"/>
+                      </p:stCondLst>
+                      <p:childTnLst>
+                        <p:par>
+                          <p:cTn id="8" fill="hold">
+                            <p:stCondLst>
+                              <p:cond delay="0"/>
+                            </p:stCondLst>
+                            <p:childTnLst>
+                              <p:par>
+                                <p:cTn id="9" presetID="1" presetClass="entr" presetSubtype="0" fill="hold" nodeType="clickEffect">
+                                  <p:stCondLst>
+                                    <p:cond delay="0"/>
+                                  </p:stCondLst>
+                                  <p:childTnLst>
+                                    <p:set>
+                                      <p:cBhvr>
+                                        <p:cTn id="10" dur="1" fill="hold">
+                                          <p:stCondLst>
+                                            <p:cond delay="0"/>
+                                          </p:stCondLst>
+                                        </p:cTn>
+                                        <p:tgtEl>
+                                          <p:spTgt spid="4">
+                                            <p:txEl>
+                                              <p:pRg st="3" end="3"/>
+                                            </p:txEl>
+                                          </p:spTgt>
+                                        </p:tgtEl>
+                                        <p:attrNameLst>
+                                          <p:attrName>style.visibility</p:attrName>
+                                        </p:attrNameLst>
+                                      </p:cBhvr>
+                                      <p:to>
+                                        <p:strVal val="visible"/>
+                                      </p:to>
+                                    </p:set>
+                                  </p:childTnLst>
+                                </p:cTn>
+                              </p:par>
+                            </p:childTnLst>
+                          </p:cTn>
+                        </p:par>
+                      </p:childTnLst>
+                    </p:cTn>
+                  </p:par>
+                  <p:par>
+                    <p:cTn id="11" fill="hold">
+                      <p:stCondLst>
+                        <p:cond delay="indefinite"/>
+                      </p:stCondLst>
+                      <p:childTnLst>
+                        <p:par>
+                          <p:cTn id="12" fill="hold">
+                            <p:stCondLst>
+                              <p:cond delay="0"/>
+                            </p:stCondLst>
+                            <p:childTnLst>
+                              <p:par>
+                                <p:cTn id="13" presetID="1" presetClass="entr" presetSubtype="0" fill="hold" nodeType="clickEffect">
+                                  <p:stCondLst>
+                                    <p:cond delay="0"/>
+                                  </p:stCondLst>
+                                  <p:childTnLst>
+                                    <p:set>
+                                      <p:cBhvr>
+                                        <p:cTn id="14" dur="1" fill="hold">
+                                          <p:stCondLst>
+                                            <p:cond delay="0"/>
+                                          </p:stCondLst>
+                                        </p:cTn>
+                                        <p:tgtEl>
+                                          <p:spTgt spid="4">
+                                            <p:txEl>
+                                              <p:pRg st="4" end="4"/>
+                                            </p:txEl>
+                                          </p:spTgt>
+                                        </p:tgtEl>
+                                        <p:attrNameLst>
+                                          <p:attrName>style.visibility</p:attrName>
+                                        </p:attrNameLst>
+                                      </p:cBhvr>
+                                      <p:to>
+                                        <p:strVal val="visible"/>
+                                      </p:to>
+                                    </p:set>
+                                  </p:childTnLst>
+                                </p:cTn>
+                              </p:par>
+                            </p:childTnLst>
+                          </p:cTn>
+                        </p:par>
+                      </p:childTnLst>
+                    </p:cTn>
+                  </p:par>
+                  <p:par>
+                    <p:cTn id="15" fill="hold">
+                      <p:stCondLst>
+                        <p:cond delay="indefinite"/>
+                      </p:stCondLst>
+                      <p:childTnLst>
+                        <p:par>
+                          <p:cTn id="16" fill="hold">
+                            <p:stCondLst>
+                              <p:cond delay="0"/>
+                            </p:stCondLst>
+                            <p:childTnLst>
+                              <p:par>
+                                <p:cTn id="17" presetID="1" presetClass="entr" presetSubtype="0" fill="hold" nodeType="clickEffect">
+                                  <p:stCondLst>
+                                    <p:cond delay="0"/>
+                                  </p:stCondLst>
+                                  <p:childTnLst>
+                                    <p:set>
+                                      <p:cBhvr>
+                                        <p:cTn id="18" dur="1" fill="hold">
+                                          <p:stCondLst>
+                                            <p:cond delay="0"/>
+                                          </p:stCondLst>
+                                        </p:cTn>
+                                        <p:tgtEl>
+                                          <p:spTgt spid="4">
+                                            <p:txEl>
+                                              <p:pRg st="6" end="6"/>
+                                            </p:txEl>
+                                          </p:spTgt>
+                                        </p:tgtEl>
+                                        <p:attrNameLst>
+                                          <p:attrName>style.visibility</p:attrName>
+                                        </p:attrNameLst>
+                                      </p:cBhvr>
+                                      <p:to>
+                                        <p:strVal val="visible"/>
+                                      </p:to>
+                                    </p:set>
+                                  </p:childTnLst>
+                                </p:cTn>
+                              </p:par>
+                            </p:childTnLst>
+                          </p:cTn>
+                        </p:par>
+                      </p:childTnLst>
+                    </p:cTn>
+                  </p:par>
+                  <p:par>
+                    <p:cTn id="19" fill="hold">
+                      <p:stCondLst>
+                        <p:cond delay="indefinite"/>
+                      </p:stCondLst>
+                      <p:childTnLst>
+                        <p:par>
+                          <p:cTn id="20" fill="hold">
+                            <p:stCondLst>
+                              <p:cond delay="0"/>
+                            </p:stCondLst>
+                            <p:childTnLst>
+                              <p:par>
+                                <p:cTn id="21" presetID="1" presetClass="entr" presetSubtype="0" fill="hold" nodeType="clickEffect">
+                                  <p:stCondLst>
+                                    <p:cond delay="0"/>
+                                  </p:stCondLst>
+                                  <p:childTnLst>
+                                    <p:set>
+                                      <p:cBhvr>
+                                        <p:cTn id="22" dur="1" fill="hold">
+                                          <p:stCondLst>
+                                            <p:cond delay="0"/>
+                                          </p:stCondLst>
+                                        </p:cTn>
+                                        <p:tgtEl>
+                                          <p:spTgt spid="4">
+                                            <p:txEl>
+                                              <p:pRg st="7" end="7"/>
+                                            </p:txEl>
+                                          </p:spTgt>
+                                        </p:tgtEl>
+                                        <p:attrNameLst>
+                                          <p:attrName>style.visibility</p:attrName>
+                                        </p:attrNameLst>
+                                      </p:cBhvr>
+                                      <p:to>
+                                        <p:strVal val="visible"/>
+                                      </p:to>
+                                    </p:set>
+                                  </p:childTnLst>
+                                </p:cTn>
+                              </p:par>
+                            </p:childTnLst>
+                          </p:cTn>
+                        </p:par>
+                      </p:childTnLst>
+                    </p:cTn>
+                  </p:par>
+                  <p:par>
+                    <p:cTn id="23" fill="hold">
+                      <p:stCondLst>
+                        <p:cond delay="indefinite"/>
+                      </p:stCondLst>
+                      <p:childTnLst>
+                        <p:par>
+                          <p:cTn id="24" fill="hold">
+                            <p:stCondLst>
+                              <p:cond delay="0"/>
+                            </p:stCondLst>
+                            <p:childTnLst>
+                              <p:par>
+                                <p:cTn id="25" presetID="1" presetClass="entr" presetSubtype="0" fill="hold" nodeType="clickEffect">
+                                  <p:stCondLst>
+                                    <p:cond delay="0"/>
+                                  </p:stCondLst>
+                                  <p:childTnLst>
+                                    <p:set>
+                                      <p:cBhvr>
+                                        <p:cTn id="26" dur="1" fill="hold">
+                                          <p:stCondLst>
+                                            <p:cond delay="0"/>
+                                          </p:stCondLst>
+                                        </p:cTn>
+                                        <p:tgtEl>
+                                          <p:spTgt spid="4">
+                                            <p:txEl>
+                                              <p:pRg st="8" end="8"/>
+                                            </p:txEl>
+                                          </p:spTgt>
+                                        </p:tgtEl>
+                                        <p:attrNameLst>
+                                          <p:attrName>style.visibility</p:attrName>
+                                        </p:attrNameLst>
+                                      </p:cBhvr>
+                                      <p:to>
+                                        <p:strVal val="visible"/>
+                                      </p:to>
+                                    </p:set>
+                                  </p:childTnLst>
+                                </p:cTn>
+                              </p:par>
+                            </p:childTnLst>
+                          </p:cTn>
+                        </p:par>
+                      </p:childTnLst>
+                    </p:cTn>
+                  </p:par>
+                  <p:par>
+                    <p:cTn id="27" fill="hold">
+                      <p:stCondLst>
+                        <p:cond delay="indefinite"/>
+                      </p:stCondLst>
+                      <p:childTnLst>
+                        <p:par>
+                          <p:cTn id="28" fill="hold">
+                            <p:stCondLst>
+                              <p:cond delay="0"/>
+                            </p:stCondLst>
+                            <p:childTnLst>
+                              <p:par>
+                                <p:cTn id="29" presetID="1" presetClass="entr" presetSubtype="0" fill="hold" nodeType="clickEffect">
+                                  <p:stCondLst>
+                                    <p:cond delay="0"/>
+                                  </p:stCondLst>
+                                  <p:childTnLst>
+                                    <p:set>
+                                      <p:cBhvr>
+                                        <p:cTn id="30" dur="1" fill="hold">
+                                          <p:stCondLst>
+                                            <p:cond delay="0"/>
+                                          </p:stCondLst>
+                                        </p:cTn>
+                                        <p:tgtEl>
+                                          <p:spTgt spid="4">
+                                            <p:txEl>
+                                              <p:pRg st="10" end="10"/>
+                                            </p:txEl>
+                                          </p:spTgt>
+                                        </p:tgtEl>
+                                        <p:attrNameLst>
+                                          <p:attrName>style.visibility</p:attrName>
+                                        </p:attrNameLst>
+                                      </p:cBhvr>
+                                      <p:to>
+                                        <p:strVal val="visible"/>
+                                      </p:to>
+                                    </p:set>
+                                  </p:childTnLst>
+                                </p:cTn>
+                              </p:par>
+                            </p:childTnLst>
+                          </p:cTn>
+                        </p:par>
+                      </p:childTnLst>
+                    </p:cTn>
+                  </p:par>
+                  <p:par>
+                    <p:cTn id="31" fill="hold">
+                      <p:stCondLst>
+                        <p:cond delay="indefinite"/>
+                      </p:stCondLst>
+                      <p:childTnLst>
+                        <p:par>
+                          <p:cTn id="32" fill="hold">
+                            <p:stCondLst>
+                              <p:cond delay="0"/>
+                            </p:stCondLst>
+                            <p:childTnLst>
+                              <p:par>
+                                <p:cTn id="33" presetID="1" presetClass="entr" presetSubtype="0" fill="hold" nodeType="clickEffect">
+                                  <p:stCondLst>
+                                    <p:cond delay="0"/>
+                                  </p:stCondLst>
+                                  <p:childTnLst>
+                                    <p:set>
+                                      <p:cBhvr>
+                                        <p:cTn id="34" dur="1" fill="hold">
+                                          <p:stCondLst>
+                                            <p:cond delay="0"/>
+                                          </p:stCondLst>
+                                        </p:cTn>
+                                        <p:tgtEl>
+                                          <p:spTgt spid="4">
+                                            <p:txEl>
+                                              <p:pRg st="11" end="11"/>
+                                            </p:txEl>
+                                          </p:spTgt>
+                                        </p:tgtEl>
+                                        <p:attrNameLst>
+                                          <p:attrName>style.visibility</p:attrName>
+                                        </p:attrNameLst>
+                                      </p:cBhvr>
+                                      <p:to>
+                                        <p:strVal val="visible"/>
+                                      </p:to>
+                                    </p:set>
+                                  </p:childTnLst>
+                                </p:cTn>
+                              </p:par>
+                            </p:childTnLst>
+                          </p:cTn>
+                        </p:par>
+                      </p:childTnLst>
+                    </p:cTn>
+                  </p:par>
+                  <p:par>
+                    <p:cTn id="35" fill="hold">
+                      <p:stCondLst>
+                        <p:cond delay="indefinite"/>
+                      </p:stCondLst>
+                      <p:childTnLst>
+                        <p:par>
+                          <p:cTn id="36" fill="hold">
+                            <p:stCondLst>
+                              <p:cond delay="0"/>
+                            </p:stCondLst>
+                            <p:childTnLst>
+                              <p:par>
+                                <p:cTn id="37" presetID="1" presetClass="entr" presetSubtype="0" fill="hold" nodeType="clickEffect">
+                                  <p:stCondLst>
+                                    <p:cond delay="0"/>
+                                  </p:stCondLst>
+                                  <p:childTnLst>
+                                    <p:set>
+                                      <p:cBhvr>
+                                        <p:cTn id="38" dur="1" fill="hold">
+                                          <p:stCondLst>
+                                            <p:cond delay="0"/>
+                                          </p:stCondLst>
+                                        </p:cTn>
+                                        <p:tgtEl>
+                                          <p:spTgt spid="4">
+                                            <p:txEl>
+                                              <p:pRg st="12" end="12"/>
+                                            </p:txEl>
+                                          </p:spTgt>
+                                        </p:tgtEl>
+                                        <p:attrNameLst>
+                                          <p:attrName>style.visibility</p:attrName>
+                                        </p:attrNameLst>
+                                      </p:cBhvr>
+                                      <p:to>
+                                        <p:strVal val="visible"/>
+                                      </p:to>
+                                    </p:set>
+                                  </p:childTnLst>
+                                </p:cTn>
+                              </p:par>
+                            </p:childTnLst>
+                          </p:cTn>
+                        </p:par>
+                      </p:childTnLst>
+                    </p:cTn>
+                  </p:par>
+                </p:childTnLst>
+              </p:cTn>
+              <p:prevCondLst>
+                <p:cond evt="onPrev" delay="0">
+                  <p:tgtEl>
+                    <p:sldTgt/>
+                  </p:tgtEl>
+                </p:cond>
+              </p:prevCondLst>
+              <p:nextCondLst>
+                <p:cond evt="onNext" delay="0">
+                  <p:tgtEl>
+                    <p:sldTgt/>
+                  </p:tgtEl>
+                </p:cond>
+              </p:nextCondLst>
+            </p:seq>
+          </p:childTnLst>
+        </p:cTn>
       </p:par>
     </p:tnLst>
   </p:timing>
